--- a/메소드로 코드 간추리기.pptx
+++ b/메소드로 코드 간추리기.pptx
@@ -10,6 +10,12 @@
     <p:sldId id="258" r:id="rId4"/>
     <p:sldId id="259" r:id="rId5"/>
     <p:sldId id="260" r:id="rId6"/>
+    <p:sldId id="262" r:id="rId7"/>
+    <p:sldId id="261" r:id="rId8"/>
+    <p:sldId id="263" r:id="rId9"/>
+    <p:sldId id="264" r:id="rId10"/>
+    <p:sldId id="265" r:id="rId11"/>
+    <p:sldId id="266" r:id="rId12"/>
   </p:sldIdLst>
   <p:sldSz cx="12192000" cy="6858000"/>
   <p:notesSz cx="6858000" cy="9144000"/>
@@ -108,6 +114,11 @@
       </a:defRPr>
     </a:lvl9pPr>
   </p:defaultTextStyle>
+  <p:extLst>
+    <p:ext uri="{EFAFB233-063F-42B5-8137-9DF3F51BA10A}">
+      <p15:sldGuideLst xmlns:p15="http://schemas.microsoft.com/office/powerpoint/2012/main"/>
+    </p:ext>
+  </p:extLst>
 </p:presentation>
 </file>
 
@@ -242,7 +253,7 @@
           <a:p>
             <a:fld id="{F54A93F7-4A27-4A23-8D68-01A6478E9CF6}" type="datetimeFigureOut">
               <a:rPr lang="ko-KR" altLang="en-US" smtClean="0"/>
-              <a:t>2018-12-04</a:t>
+              <a:t>2018-12-05</a:t>
             </a:fld>
             <a:endParaRPr lang="ko-KR" altLang="en-US"/>
           </a:p>
@@ -412,7 +423,7 @@
           <a:p>
             <a:fld id="{F54A93F7-4A27-4A23-8D68-01A6478E9CF6}" type="datetimeFigureOut">
               <a:rPr lang="ko-KR" altLang="en-US" smtClean="0"/>
-              <a:t>2018-12-04</a:t>
+              <a:t>2018-12-05</a:t>
             </a:fld>
             <a:endParaRPr lang="ko-KR" altLang="en-US"/>
           </a:p>
@@ -592,7 +603,7 @@
           <a:p>
             <a:fld id="{F54A93F7-4A27-4A23-8D68-01A6478E9CF6}" type="datetimeFigureOut">
               <a:rPr lang="ko-KR" altLang="en-US" smtClean="0"/>
-              <a:t>2018-12-04</a:t>
+              <a:t>2018-12-05</a:t>
             </a:fld>
             <a:endParaRPr lang="ko-KR" altLang="en-US"/>
           </a:p>
@@ -762,7 +773,7 @@
           <a:p>
             <a:fld id="{F54A93F7-4A27-4A23-8D68-01A6478E9CF6}" type="datetimeFigureOut">
               <a:rPr lang="ko-KR" altLang="en-US" smtClean="0"/>
-              <a:t>2018-12-04</a:t>
+              <a:t>2018-12-05</a:t>
             </a:fld>
             <a:endParaRPr lang="ko-KR" altLang="en-US"/>
           </a:p>
@@ -1008,7 +1019,7 @@
           <a:p>
             <a:fld id="{F54A93F7-4A27-4A23-8D68-01A6478E9CF6}" type="datetimeFigureOut">
               <a:rPr lang="ko-KR" altLang="en-US" smtClean="0"/>
-              <a:t>2018-12-04</a:t>
+              <a:t>2018-12-05</a:t>
             </a:fld>
             <a:endParaRPr lang="ko-KR" altLang="en-US"/>
           </a:p>
@@ -1240,7 +1251,7 @@
           <a:p>
             <a:fld id="{F54A93F7-4A27-4A23-8D68-01A6478E9CF6}" type="datetimeFigureOut">
               <a:rPr lang="ko-KR" altLang="en-US" smtClean="0"/>
-              <a:t>2018-12-04</a:t>
+              <a:t>2018-12-05</a:t>
             </a:fld>
             <a:endParaRPr lang="ko-KR" altLang="en-US"/>
           </a:p>
@@ -1607,7 +1618,7 @@
           <a:p>
             <a:fld id="{F54A93F7-4A27-4A23-8D68-01A6478E9CF6}" type="datetimeFigureOut">
               <a:rPr lang="ko-KR" altLang="en-US" smtClean="0"/>
-              <a:t>2018-12-04</a:t>
+              <a:t>2018-12-05</a:t>
             </a:fld>
             <a:endParaRPr lang="ko-KR" altLang="en-US"/>
           </a:p>
@@ -1725,7 +1736,7 @@
           <a:p>
             <a:fld id="{F54A93F7-4A27-4A23-8D68-01A6478E9CF6}" type="datetimeFigureOut">
               <a:rPr lang="ko-KR" altLang="en-US" smtClean="0"/>
-              <a:t>2018-12-04</a:t>
+              <a:t>2018-12-05</a:t>
             </a:fld>
             <a:endParaRPr lang="ko-KR" altLang="en-US"/>
           </a:p>
@@ -1820,7 +1831,7 @@
           <a:p>
             <a:fld id="{F54A93F7-4A27-4A23-8D68-01A6478E9CF6}" type="datetimeFigureOut">
               <a:rPr lang="ko-KR" altLang="en-US" smtClean="0"/>
-              <a:t>2018-12-04</a:t>
+              <a:t>2018-12-05</a:t>
             </a:fld>
             <a:endParaRPr lang="ko-KR" altLang="en-US"/>
           </a:p>
@@ -2097,7 +2108,7 @@
           <a:p>
             <a:fld id="{F54A93F7-4A27-4A23-8D68-01A6478E9CF6}" type="datetimeFigureOut">
               <a:rPr lang="ko-KR" altLang="en-US" smtClean="0"/>
-              <a:t>2018-12-04</a:t>
+              <a:t>2018-12-05</a:t>
             </a:fld>
             <a:endParaRPr lang="ko-KR" altLang="en-US"/>
           </a:p>
@@ -2350,7 +2361,7 @@
           <a:p>
             <a:fld id="{F54A93F7-4A27-4A23-8D68-01A6478E9CF6}" type="datetimeFigureOut">
               <a:rPr lang="ko-KR" altLang="en-US" smtClean="0"/>
-              <a:t>2018-12-04</a:t>
+              <a:t>2018-12-05</a:t>
             </a:fld>
             <a:endParaRPr lang="ko-KR" altLang="en-US"/>
           </a:p>
@@ -2563,7 +2574,7 @@
           <a:p>
             <a:fld id="{F54A93F7-4A27-4A23-8D68-01A6478E9CF6}" type="datetimeFigureOut">
               <a:rPr lang="ko-KR" altLang="en-US" smtClean="0"/>
-              <a:t>2018-12-04</a:t>
+              <a:t>2018-12-05</a:t>
             </a:fld>
             <a:endParaRPr lang="ko-KR" altLang="en-US"/>
           </a:p>
@@ -3015,7 +3026,7 @@
         <p:spPr>
           <a:xfrm>
             <a:off x="856892" y="1604512"/>
-            <a:ext cx="5371983" cy="4724370"/>
+            <a:ext cx="5371983" cy="4632037"/>
           </a:xfrm>
           <a:prstGeom prst="rect">
             <a:avLst/>
@@ -3124,6 +3135,7 @@
               <a:rPr lang="en-US" altLang="ko-KR" sz="1500" dirty="0" smtClean="0"/>
               <a:t>}</a:t>
             </a:r>
+            <a:endParaRPr lang="en-US" altLang="ko-KR" sz="1500" dirty="0" smtClean="0"/>
           </a:p>
           <a:p>
             <a:endParaRPr lang="en-US" altLang="ko-KR" sz="1500" dirty="0"/>
@@ -3264,6 +3276,1409 @@
     <p:extLst>
       <p:ext uri="{BB962C8B-B14F-4D97-AF65-F5344CB8AC3E}">
         <p14:creationId xmlns:p14="http://schemas.microsoft.com/office/powerpoint/2010/main" val="4013228350"/>
+      </p:ext>
+    </p:extLst>
+  </p:cSld>
+  <p:clrMapOvr>
+    <a:masterClrMapping/>
+  </p:clrMapOvr>
+  <p:timing>
+    <p:tnLst>
+      <p:par>
+        <p:cTn id="1" dur="indefinite" restart="never" nodeType="tmRoot"/>
+      </p:par>
+    </p:tnLst>
+  </p:timing>
+</p:sld>
+</file>
+
+<file path=ppt/slides/slide10.xml><?xml version="1.0" encoding="utf-8"?>
+<p:sld xmlns:a="http://schemas.openxmlformats.org/drawingml/2006/main" xmlns:r="http://schemas.openxmlformats.org/officeDocument/2006/relationships" xmlns:p="http://schemas.openxmlformats.org/presentationml/2006/main">
+  <p:cSld>
+    <p:spTree>
+      <p:nvGrpSpPr>
+        <p:cNvPr id="1" name=""/>
+        <p:cNvGrpSpPr/>
+        <p:nvPr/>
+      </p:nvGrpSpPr>
+      <p:grpSpPr>
+        <a:xfrm>
+          <a:off x="0" y="0"/>
+          <a:ext cx="0" cy="0"/>
+          <a:chOff x="0" y="0"/>
+          <a:chExt cx="0" cy="0"/>
+        </a:xfrm>
+      </p:grpSpPr>
+      <p:sp>
+        <p:nvSpPr>
+          <p:cNvPr id="4" name="TextBox 3"/>
+          <p:cNvSpPr txBox="1"/>
+          <p:nvPr/>
+        </p:nvSpPr>
+        <p:spPr>
+          <a:xfrm>
+            <a:off x="293299" y="327804"/>
+            <a:ext cx="2614818" cy="400110"/>
+          </a:xfrm>
+          <a:prstGeom prst="rect">
+            <a:avLst/>
+          </a:prstGeom>
+          <a:noFill/>
+        </p:spPr>
+        <p:txBody>
+          <a:bodyPr wrap="none" rtlCol="0">
+            <a:spAutoFit/>
+          </a:bodyPr>
+          <a:lstStyle/>
+          <a:p>
+            <a:r>
+              <a:rPr lang="en-US" altLang="ko-KR" sz="2000" b="1" dirty="0" smtClean="0"/>
+              <a:t>10. </a:t>
+            </a:r>
+            <a:r>
+              <a:rPr lang="ko-KR" altLang="en-US" sz="2000" b="1" dirty="0" smtClean="0"/>
+              <a:t>선택적 매개 변수</a:t>
+            </a:r>
+            <a:endParaRPr lang="ko-KR" altLang="en-US" sz="2000" b="1" dirty="0"/>
+          </a:p>
+        </p:txBody>
+      </p:sp>
+      <p:sp>
+        <p:nvSpPr>
+          <p:cNvPr id="24" name="직사각형 23"/>
+          <p:cNvSpPr/>
+          <p:nvPr/>
+        </p:nvSpPr>
+        <p:spPr>
+          <a:xfrm>
+            <a:off x="1224951" y="2234110"/>
+            <a:ext cx="6096000" cy="4185761"/>
+          </a:xfrm>
+          <a:prstGeom prst="rect">
+            <a:avLst/>
+          </a:prstGeom>
+        </p:spPr>
+        <p:txBody>
+          <a:bodyPr>
+            <a:spAutoFit/>
+          </a:bodyPr>
+          <a:lstStyle/>
+          <a:p>
+            <a:r>
+              <a:rPr lang="en-US" altLang="ko-KR" sz="1400" dirty="0">
+                <a:solidFill>
+                  <a:srgbClr val="0000FF"/>
+                </a:solidFill>
+                <a:latin typeface="돋움체" panose="020B0609000101010101" pitchFamily="49" charset="-127"/>
+                <a:ea typeface="돋움체" panose="020B0609000101010101" pitchFamily="49" charset="-127"/>
+              </a:rPr>
+              <a:t>void</a:t>
+            </a:r>
+            <a:r>
+              <a:rPr lang="en-US" altLang="ko-KR" sz="1400" dirty="0">
+                <a:solidFill>
+                  <a:srgbClr val="000000"/>
+                </a:solidFill>
+                <a:latin typeface="돋움체" panose="020B0609000101010101" pitchFamily="49" charset="-127"/>
+                <a:ea typeface="돋움체" panose="020B0609000101010101" pitchFamily="49" charset="-127"/>
+              </a:rPr>
+              <a:t> </a:t>
+            </a:r>
+            <a:r>
+              <a:rPr lang="en-US" altLang="ko-KR" sz="1400" dirty="0" err="1">
+                <a:solidFill>
+                  <a:srgbClr val="000000"/>
+                </a:solidFill>
+                <a:latin typeface="돋움체" panose="020B0609000101010101" pitchFamily="49" charset="-127"/>
+                <a:ea typeface="돋움체" panose="020B0609000101010101" pitchFamily="49" charset="-127"/>
+              </a:rPr>
+              <a:t>MyMethod</a:t>
+            </a:r>
+            <a:r>
+              <a:rPr lang="en-US" altLang="ko-KR" sz="1400" dirty="0">
+                <a:solidFill>
+                  <a:srgbClr val="000000"/>
+                </a:solidFill>
+                <a:latin typeface="돋움체" panose="020B0609000101010101" pitchFamily="49" charset="-127"/>
+                <a:ea typeface="돋움체" panose="020B0609000101010101" pitchFamily="49" charset="-127"/>
+              </a:rPr>
+              <a:t>(</a:t>
+            </a:r>
+            <a:r>
+              <a:rPr lang="en-US" altLang="ko-KR" sz="1400" dirty="0" err="1">
+                <a:solidFill>
+                  <a:srgbClr val="0000FF"/>
+                </a:solidFill>
+                <a:latin typeface="돋움체" panose="020B0609000101010101" pitchFamily="49" charset="-127"/>
+                <a:ea typeface="돋움체" panose="020B0609000101010101" pitchFamily="49" charset="-127"/>
+              </a:rPr>
+              <a:t>int</a:t>
+            </a:r>
+            <a:r>
+              <a:rPr lang="en-US" altLang="ko-KR" sz="1400" dirty="0">
+                <a:solidFill>
+                  <a:srgbClr val="000000"/>
+                </a:solidFill>
+                <a:latin typeface="돋움체" panose="020B0609000101010101" pitchFamily="49" charset="-127"/>
+                <a:ea typeface="돋움체" panose="020B0609000101010101" pitchFamily="49" charset="-127"/>
+              </a:rPr>
+              <a:t> a, </a:t>
+            </a:r>
+            <a:r>
+              <a:rPr lang="en-US" altLang="ko-KR" sz="1400" dirty="0" err="1">
+                <a:solidFill>
+                  <a:srgbClr val="0000FF"/>
+                </a:solidFill>
+                <a:latin typeface="돋움체" panose="020B0609000101010101" pitchFamily="49" charset="-127"/>
+                <a:ea typeface="돋움체" panose="020B0609000101010101" pitchFamily="49" charset="-127"/>
+              </a:rPr>
+              <a:t>int</a:t>
+            </a:r>
+            <a:r>
+              <a:rPr lang="en-US" altLang="ko-KR" sz="1400" dirty="0">
+                <a:solidFill>
+                  <a:srgbClr val="000000"/>
+                </a:solidFill>
+                <a:latin typeface="돋움체" panose="020B0609000101010101" pitchFamily="49" charset="-127"/>
+                <a:ea typeface="돋움체" panose="020B0609000101010101" pitchFamily="49" charset="-127"/>
+              </a:rPr>
+              <a:t> b=0)</a:t>
+            </a:r>
+          </a:p>
+          <a:p>
+            <a:r>
+              <a:rPr lang="en-US" altLang="ko-KR" sz="1400" dirty="0">
+                <a:solidFill>
+                  <a:srgbClr val="000000"/>
+                </a:solidFill>
+                <a:latin typeface="돋움체" panose="020B0609000101010101" pitchFamily="49" charset="-127"/>
+                <a:ea typeface="돋움체" panose="020B0609000101010101" pitchFamily="49" charset="-127"/>
+              </a:rPr>
+              <a:t>{</a:t>
+            </a:r>
+          </a:p>
+          <a:p>
+            <a:r>
+              <a:rPr lang="en-US" altLang="ko-KR" sz="1400" dirty="0">
+                <a:solidFill>
+                  <a:srgbClr val="000000"/>
+                </a:solidFill>
+                <a:latin typeface="돋움체" panose="020B0609000101010101" pitchFamily="49" charset="-127"/>
+                <a:ea typeface="돋움체" panose="020B0609000101010101" pitchFamily="49" charset="-127"/>
+              </a:rPr>
+              <a:t>    </a:t>
+            </a:r>
+            <a:r>
+              <a:rPr lang="en-US" altLang="ko-KR" sz="1400" dirty="0" err="1">
+                <a:solidFill>
+                  <a:srgbClr val="000000"/>
+                </a:solidFill>
+                <a:latin typeface="돋움체" panose="020B0609000101010101" pitchFamily="49" charset="-127"/>
+                <a:ea typeface="돋움체" panose="020B0609000101010101" pitchFamily="49" charset="-127"/>
+              </a:rPr>
+              <a:t>Console.WriteLine</a:t>
+            </a:r>
+            <a:r>
+              <a:rPr lang="en-US" altLang="ko-KR" sz="1400" dirty="0">
+                <a:solidFill>
+                  <a:srgbClr val="000000"/>
+                </a:solidFill>
+                <a:latin typeface="돋움체" panose="020B0609000101010101" pitchFamily="49" charset="-127"/>
+                <a:ea typeface="돋움체" panose="020B0609000101010101" pitchFamily="49" charset="-127"/>
+              </a:rPr>
+              <a:t>(</a:t>
+            </a:r>
+            <a:r>
+              <a:rPr lang="en-US" altLang="ko-KR" sz="1400" dirty="0">
+                <a:solidFill>
+                  <a:srgbClr val="A31515"/>
+                </a:solidFill>
+                <a:latin typeface="돋움체" panose="020B0609000101010101" pitchFamily="49" charset="-127"/>
+                <a:ea typeface="돋움체" panose="020B0609000101010101" pitchFamily="49" charset="-127"/>
+              </a:rPr>
+              <a:t>"{0},{1}"</a:t>
+            </a:r>
+            <a:r>
+              <a:rPr lang="en-US" altLang="ko-KR" sz="1400" dirty="0">
+                <a:solidFill>
+                  <a:srgbClr val="000000"/>
+                </a:solidFill>
+                <a:latin typeface="돋움체" panose="020B0609000101010101" pitchFamily="49" charset="-127"/>
+                <a:ea typeface="돋움체" panose="020B0609000101010101" pitchFamily="49" charset="-127"/>
+              </a:rPr>
+              <a:t>, a, b);</a:t>
+            </a:r>
+          </a:p>
+          <a:p>
+            <a:r>
+              <a:rPr lang="en-US" altLang="ko-KR" sz="1400" dirty="0">
+                <a:solidFill>
+                  <a:srgbClr val="000000"/>
+                </a:solidFill>
+                <a:latin typeface="돋움체" panose="020B0609000101010101" pitchFamily="49" charset="-127"/>
+                <a:ea typeface="돋움체" panose="020B0609000101010101" pitchFamily="49" charset="-127"/>
+              </a:rPr>
+              <a:t>}</a:t>
+            </a:r>
+          </a:p>
+          <a:p>
+            <a:endParaRPr lang="ko-KR" altLang="en-US" sz="1400" dirty="0">
+              <a:solidFill>
+                <a:srgbClr val="000000"/>
+              </a:solidFill>
+              <a:latin typeface="돋움체" panose="020B0609000101010101" pitchFamily="49" charset="-127"/>
+              <a:ea typeface="돋움체" panose="020B0609000101010101" pitchFamily="49" charset="-127"/>
+            </a:endParaRPr>
+          </a:p>
+          <a:p>
+            <a:r>
+              <a:rPr lang="en-US" altLang="ko-KR" sz="1400" dirty="0" err="1">
+                <a:solidFill>
+                  <a:srgbClr val="000000"/>
+                </a:solidFill>
+                <a:latin typeface="돋움체" panose="020B0609000101010101" pitchFamily="49" charset="-127"/>
+                <a:ea typeface="돋움체" panose="020B0609000101010101" pitchFamily="49" charset="-127"/>
+              </a:rPr>
+              <a:t>MyMethod</a:t>
+            </a:r>
+            <a:r>
+              <a:rPr lang="en-US" altLang="ko-KR" sz="1400" dirty="0">
+                <a:solidFill>
+                  <a:srgbClr val="000000"/>
+                </a:solidFill>
+                <a:latin typeface="돋움체" panose="020B0609000101010101" pitchFamily="49" charset="-127"/>
+                <a:ea typeface="돋움체" panose="020B0609000101010101" pitchFamily="49" charset="-127"/>
+              </a:rPr>
+              <a:t>(3</a:t>
+            </a:r>
+            <a:r>
+              <a:rPr lang="en-US" altLang="ko-KR" sz="1400" dirty="0" smtClean="0">
+                <a:solidFill>
+                  <a:srgbClr val="000000"/>
+                </a:solidFill>
+                <a:latin typeface="돋움체" panose="020B0609000101010101" pitchFamily="49" charset="-127"/>
+                <a:ea typeface="돋움체" panose="020B0609000101010101" pitchFamily="49" charset="-127"/>
+              </a:rPr>
+              <a:t>);</a:t>
+            </a:r>
+          </a:p>
+          <a:p>
+            <a:r>
+              <a:rPr lang="en-US" altLang="ko-KR" sz="1400" dirty="0" err="1">
+                <a:solidFill>
+                  <a:srgbClr val="000000"/>
+                </a:solidFill>
+                <a:latin typeface="돋움체" panose="020B0609000101010101" pitchFamily="49" charset="-127"/>
+                <a:ea typeface="돋움체" panose="020B0609000101010101" pitchFamily="49" charset="-127"/>
+              </a:rPr>
+              <a:t>MyMethod</a:t>
+            </a:r>
+            <a:r>
+              <a:rPr lang="en-US" altLang="ko-KR" sz="1400" dirty="0">
+                <a:solidFill>
+                  <a:srgbClr val="000000"/>
+                </a:solidFill>
+                <a:latin typeface="돋움체" panose="020B0609000101010101" pitchFamily="49" charset="-127"/>
+                <a:ea typeface="돋움체" panose="020B0609000101010101" pitchFamily="49" charset="-127"/>
+              </a:rPr>
+              <a:t>(3, 4);</a:t>
+            </a:r>
+          </a:p>
+          <a:p>
+            <a:endParaRPr lang="en-US" altLang="ko-KR" sz="1400" dirty="0" smtClean="0">
+              <a:solidFill>
+                <a:srgbClr val="000000"/>
+              </a:solidFill>
+              <a:latin typeface="돋움체" panose="020B0609000101010101" pitchFamily="49" charset="-127"/>
+              <a:ea typeface="돋움체" panose="020B0609000101010101" pitchFamily="49" charset="-127"/>
+            </a:endParaRPr>
+          </a:p>
+          <a:p>
+            <a:endParaRPr lang="en-US" altLang="ko-KR" sz="1400" dirty="0">
+              <a:solidFill>
+                <a:srgbClr val="000000"/>
+              </a:solidFill>
+              <a:latin typeface="돋움체" panose="020B0609000101010101" pitchFamily="49" charset="-127"/>
+              <a:ea typeface="돋움체" panose="020B0609000101010101" pitchFamily="49" charset="-127"/>
+            </a:endParaRPr>
+          </a:p>
+          <a:p>
+            <a:pPr marL="285750" indent="-285750">
+              <a:buFont typeface="Wingdings" panose="05000000000000000000" pitchFamily="2" charset="2"/>
+              <a:buChar char="ü"/>
+            </a:pPr>
+            <a:r>
+              <a:rPr lang="ko-KR" altLang="en-US" sz="1400" dirty="0" err="1" smtClean="0">
+                <a:solidFill>
+                  <a:srgbClr val="000000"/>
+                </a:solidFill>
+                <a:latin typeface="돋움체" panose="020B0609000101010101" pitchFamily="49" charset="-127"/>
+                <a:ea typeface="돋움체" panose="020B0609000101010101" pitchFamily="49" charset="-127"/>
+              </a:rPr>
+              <a:t>메소드를</a:t>
+            </a:r>
+            <a:r>
+              <a:rPr lang="ko-KR" altLang="en-US" sz="1400" dirty="0" smtClean="0">
+                <a:solidFill>
+                  <a:srgbClr val="000000"/>
+                </a:solidFill>
+                <a:latin typeface="돋움체" panose="020B0609000101010101" pitchFamily="49" charset="-127"/>
+                <a:ea typeface="돋움체" panose="020B0609000101010101" pitchFamily="49" charset="-127"/>
+              </a:rPr>
+              <a:t> 호출할 때 데이터 할당 생략 가능</a:t>
+            </a:r>
+            <a:endParaRPr lang="en-US" altLang="ko-KR" sz="1400" dirty="0" smtClean="0">
+              <a:solidFill>
+                <a:srgbClr val="000000"/>
+              </a:solidFill>
+              <a:latin typeface="돋움체" panose="020B0609000101010101" pitchFamily="49" charset="-127"/>
+              <a:ea typeface="돋움체" panose="020B0609000101010101" pitchFamily="49" charset="-127"/>
+            </a:endParaRPr>
+          </a:p>
+          <a:p>
+            <a:pPr marL="285750" indent="-285750">
+              <a:buFont typeface="Wingdings" panose="05000000000000000000" pitchFamily="2" charset="2"/>
+              <a:buChar char="ü"/>
+            </a:pPr>
+            <a:r>
+              <a:rPr lang="ko-KR" altLang="en-US" sz="1400" dirty="0" smtClean="0">
+                <a:solidFill>
+                  <a:srgbClr val="000000"/>
+                </a:solidFill>
+                <a:latin typeface="돋움체" panose="020B0609000101010101" pitchFamily="49" charset="-127"/>
+                <a:ea typeface="돋움체" panose="020B0609000101010101" pitchFamily="49" charset="-127"/>
+              </a:rPr>
+              <a:t>데이터 할당을 할 수도 있음</a:t>
+            </a:r>
+            <a:endParaRPr lang="en-US" altLang="ko-KR" sz="1400" dirty="0">
+              <a:solidFill>
+                <a:srgbClr val="000000"/>
+              </a:solidFill>
+              <a:latin typeface="돋움체" panose="020B0609000101010101" pitchFamily="49" charset="-127"/>
+              <a:ea typeface="돋움체" panose="020B0609000101010101" pitchFamily="49" charset="-127"/>
+            </a:endParaRPr>
+          </a:p>
+          <a:p>
+            <a:pPr marL="285750" indent="-285750">
+              <a:buFont typeface="Wingdings" panose="05000000000000000000" pitchFamily="2" charset="2"/>
+              <a:buChar char="ü"/>
+            </a:pPr>
+            <a:r>
+              <a:rPr lang="ko-KR" altLang="en-US" sz="1400" dirty="0" smtClean="0">
+                <a:solidFill>
+                  <a:srgbClr val="000000"/>
+                </a:solidFill>
+                <a:latin typeface="돋움체" panose="020B0609000101010101" pitchFamily="49" charset="-127"/>
+                <a:ea typeface="돋움체" panose="020B0609000101010101" pitchFamily="49" charset="-127"/>
+              </a:rPr>
+              <a:t>선택적 매개 변수는 항상 필수 매개 변수 뒤에 </a:t>
+            </a:r>
+            <a:r>
+              <a:rPr lang="ko-KR" altLang="en-US" sz="1400" dirty="0" err="1" smtClean="0">
+                <a:solidFill>
+                  <a:srgbClr val="000000"/>
+                </a:solidFill>
+                <a:latin typeface="돋움체" panose="020B0609000101010101" pitchFamily="49" charset="-127"/>
+                <a:ea typeface="돋움체" panose="020B0609000101010101" pitchFamily="49" charset="-127"/>
+              </a:rPr>
+              <a:t>와야함</a:t>
+            </a:r>
+            <a:endParaRPr lang="en-US" altLang="ko-KR" sz="1400" dirty="0" smtClean="0">
+              <a:solidFill>
+                <a:srgbClr val="000000"/>
+              </a:solidFill>
+              <a:latin typeface="돋움체" panose="020B0609000101010101" pitchFamily="49" charset="-127"/>
+              <a:ea typeface="돋움체" panose="020B0609000101010101" pitchFamily="49" charset="-127"/>
+            </a:endParaRPr>
+          </a:p>
+          <a:p>
+            <a:endParaRPr lang="en-US" altLang="ko-KR" sz="1400" dirty="0" smtClean="0">
+              <a:solidFill>
+                <a:srgbClr val="000000"/>
+              </a:solidFill>
+              <a:latin typeface="돋움체" panose="020B0609000101010101" pitchFamily="49" charset="-127"/>
+              <a:ea typeface="돋움체" panose="020B0609000101010101" pitchFamily="49" charset="-127"/>
+            </a:endParaRPr>
+          </a:p>
+          <a:p>
+            <a:endParaRPr lang="en-US" altLang="ko-KR" sz="1400" dirty="0">
+              <a:solidFill>
+                <a:srgbClr val="000000"/>
+              </a:solidFill>
+              <a:latin typeface="돋움체" panose="020B0609000101010101" pitchFamily="49" charset="-127"/>
+              <a:ea typeface="돋움체" panose="020B0609000101010101" pitchFamily="49" charset="-127"/>
+            </a:endParaRPr>
+          </a:p>
+          <a:p>
+            <a:r>
+              <a:rPr lang="en-US" altLang="ko-KR" sz="1400" dirty="0" smtClean="0">
+                <a:solidFill>
+                  <a:srgbClr val="000000"/>
+                </a:solidFill>
+                <a:latin typeface="돋움체" panose="020B0609000101010101" pitchFamily="49" charset="-127"/>
+                <a:ea typeface="돋움체" panose="020B0609000101010101" pitchFamily="49" charset="-127"/>
+              </a:rPr>
+              <a:t>void MyMethod_1(</a:t>
+            </a:r>
+            <a:r>
+              <a:rPr lang="en-US" altLang="ko-KR" sz="1400" dirty="0" err="1" smtClean="0">
+                <a:solidFill>
+                  <a:srgbClr val="000000"/>
+                </a:solidFill>
+                <a:latin typeface="돋움체" panose="020B0609000101010101" pitchFamily="49" charset="-127"/>
+                <a:ea typeface="돋움체" panose="020B0609000101010101" pitchFamily="49" charset="-127"/>
+              </a:rPr>
+              <a:t>int</a:t>
+            </a:r>
+            <a:r>
+              <a:rPr lang="ko-KR" altLang="en-US" sz="1400" dirty="0" smtClean="0">
+                <a:solidFill>
+                  <a:srgbClr val="000000"/>
+                </a:solidFill>
+                <a:latin typeface="돋움체" panose="020B0609000101010101" pitchFamily="49" charset="-127"/>
+                <a:ea typeface="돋움체" panose="020B0609000101010101" pitchFamily="49" charset="-127"/>
+              </a:rPr>
+              <a:t> </a:t>
+            </a:r>
+            <a:r>
+              <a:rPr lang="en-US" altLang="ko-KR" sz="1400" dirty="0" smtClean="0">
+                <a:solidFill>
+                  <a:srgbClr val="000000"/>
+                </a:solidFill>
+                <a:latin typeface="돋움체" panose="020B0609000101010101" pitchFamily="49" charset="-127"/>
+                <a:ea typeface="돋움체" panose="020B0609000101010101" pitchFamily="49" charset="-127"/>
+              </a:rPr>
+              <a:t>a, </a:t>
+            </a:r>
+            <a:r>
+              <a:rPr lang="en-US" altLang="ko-KR" sz="1400" dirty="0" err="1" smtClean="0">
+                <a:solidFill>
+                  <a:srgbClr val="000000"/>
+                </a:solidFill>
+                <a:latin typeface="돋움체" panose="020B0609000101010101" pitchFamily="49" charset="-127"/>
+                <a:ea typeface="돋움체" panose="020B0609000101010101" pitchFamily="49" charset="-127"/>
+              </a:rPr>
+              <a:t>int</a:t>
+            </a:r>
+            <a:r>
+              <a:rPr lang="en-US" altLang="ko-KR" sz="1400" dirty="0" smtClean="0">
+                <a:solidFill>
+                  <a:srgbClr val="000000"/>
+                </a:solidFill>
+                <a:latin typeface="돋움체" panose="020B0609000101010101" pitchFamily="49" charset="-127"/>
+                <a:ea typeface="돋움체" panose="020B0609000101010101" pitchFamily="49" charset="-127"/>
+              </a:rPr>
+              <a:t> b, </a:t>
+            </a:r>
+            <a:r>
+              <a:rPr lang="en-US" altLang="ko-KR" sz="1400" dirty="0" err="1" smtClean="0">
+                <a:solidFill>
+                  <a:srgbClr val="000000"/>
+                </a:solidFill>
+                <a:latin typeface="돋움체" panose="020B0609000101010101" pitchFamily="49" charset="-127"/>
+                <a:ea typeface="돋움체" panose="020B0609000101010101" pitchFamily="49" charset="-127"/>
+              </a:rPr>
+              <a:t>int</a:t>
+            </a:r>
+            <a:r>
+              <a:rPr lang="en-US" altLang="ko-KR" sz="1400" dirty="0" smtClean="0">
+                <a:solidFill>
+                  <a:srgbClr val="000000"/>
+                </a:solidFill>
+                <a:latin typeface="돋움체" panose="020B0609000101010101" pitchFamily="49" charset="-127"/>
+                <a:ea typeface="돋움체" panose="020B0609000101010101" pitchFamily="49" charset="-127"/>
+              </a:rPr>
+              <a:t> c = 10, </a:t>
+            </a:r>
+            <a:r>
+              <a:rPr lang="en-US" altLang="ko-KR" sz="1400" dirty="0" err="1" smtClean="0">
+                <a:solidFill>
+                  <a:srgbClr val="000000"/>
+                </a:solidFill>
+                <a:latin typeface="돋움체" panose="020B0609000101010101" pitchFamily="49" charset="-127"/>
+                <a:ea typeface="돋움체" panose="020B0609000101010101" pitchFamily="49" charset="-127"/>
+              </a:rPr>
+              <a:t>int</a:t>
+            </a:r>
+            <a:r>
+              <a:rPr lang="en-US" altLang="ko-KR" sz="1400" dirty="0" smtClean="0">
+                <a:solidFill>
+                  <a:srgbClr val="000000"/>
+                </a:solidFill>
+                <a:latin typeface="돋움체" panose="020B0609000101010101" pitchFamily="49" charset="-127"/>
+                <a:ea typeface="돋움체" panose="020B0609000101010101" pitchFamily="49" charset="-127"/>
+              </a:rPr>
+              <a:t> d = 20)</a:t>
+            </a:r>
+          </a:p>
+          <a:p>
+            <a:r>
+              <a:rPr lang="en-US" altLang="ko-KR" sz="1400" dirty="0" smtClean="0">
+                <a:solidFill>
+                  <a:srgbClr val="000000"/>
+                </a:solidFill>
+                <a:latin typeface="돋움체" panose="020B0609000101010101" pitchFamily="49" charset="-127"/>
+                <a:ea typeface="돋움체" panose="020B0609000101010101" pitchFamily="49" charset="-127"/>
+              </a:rPr>
+              <a:t>{</a:t>
+            </a:r>
+          </a:p>
+          <a:p>
+            <a:r>
+              <a:rPr lang="en-US" altLang="ko-KR" sz="1400" dirty="0">
+                <a:solidFill>
+                  <a:srgbClr val="000000"/>
+                </a:solidFill>
+                <a:latin typeface="돋움체" panose="020B0609000101010101" pitchFamily="49" charset="-127"/>
+                <a:ea typeface="돋움체" panose="020B0609000101010101" pitchFamily="49" charset="-127"/>
+              </a:rPr>
+              <a:t> </a:t>
+            </a:r>
+            <a:r>
+              <a:rPr lang="en-US" altLang="ko-KR" sz="1400" dirty="0" smtClean="0">
+                <a:solidFill>
+                  <a:srgbClr val="000000"/>
+                </a:solidFill>
+                <a:latin typeface="돋움체" panose="020B0609000101010101" pitchFamily="49" charset="-127"/>
+                <a:ea typeface="돋움체" panose="020B0609000101010101" pitchFamily="49" charset="-127"/>
+              </a:rPr>
+              <a:t>   </a:t>
+            </a:r>
+            <a:r>
+              <a:rPr lang="en-US" altLang="ko-KR" sz="1400" dirty="0" err="1" smtClean="0">
+                <a:solidFill>
+                  <a:srgbClr val="000000"/>
+                </a:solidFill>
+                <a:latin typeface="돋움체" panose="020B0609000101010101" pitchFamily="49" charset="-127"/>
+                <a:ea typeface="돋움체" panose="020B0609000101010101" pitchFamily="49" charset="-127"/>
+              </a:rPr>
+              <a:t>Console.WriteLine</a:t>
+            </a:r>
+            <a:r>
+              <a:rPr lang="en-US" altLang="ko-KR" sz="1400" dirty="0">
+                <a:solidFill>
+                  <a:srgbClr val="000000"/>
+                </a:solidFill>
+                <a:latin typeface="돋움체" panose="020B0609000101010101" pitchFamily="49" charset="-127"/>
+                <a:ea typeface="돋움체" panose="020B0609000101010101" pitchFamily="49" charset="-127"/>
+              </a:rPr>
+              <a:t>(</a:t>
+            </a:r>
+            <a:r>
+              <a:rPr lang="en-US" altLang="ko-KR" sz="1400" dirty="0">
+                <a:solidFill>
+                  <a:srgbClr val="A31515"/>
+                </a:solidFill>
+                <a:latin typeface="돋움체" panose="020B0609000101010101" pitchFamily="49" charset="-127"/>
+                <a:ea typeface="돋움체" panose="020B0609000101010101" pitchFamily="49" charset="-127"/>
+              </a:rPr>
+              <a:t>"{0},{1</a:t>
+            </a:r>
+            <a:r>
+              <a:rPr lang="en-US" altLang="ko-KR" sz="1400" dirty="0" smtClean="0">
+                <a:solidFill>
+                  <a:srgbClr val="A31515"/>
+                </a:solidFill>
+                <a:latin typeface="돋움체" panose="020B0609000101010101" pitchFamily="49" charset="-127"/>
+                <a:ea typeface="돋움체" panose="020B0609000101010101" pitchFamily="49" charset="-127"/>
+              </a:rPr>
+              <a:t>},{2},{3}"</a:t>
+            </a:r>
+            <a:r>
+              <a:rPr lang="en-US" altLang="ko-KR" sz="1400" dirty="0" smtClean="0">
+                <a:solidFill>
+                  <a:srgbClr val="000000"/>
+                </a:solidFill>
+                <a:latin typeface="돋움체" panose="020B0609000101010101" pitchFamily="49" charset="-127"/>
+                <a:ea typeface="돋움체" panose="020B0609000101010101" pitchFamily="49" charset="-127"/>
+              </a:rPr>
+              <a:t>, </a:t>
+            </a:r>
+            <a:r>
+              <a:rPr lang="en-US" altLang="ko-KR" sz="1400" dirty="0">
+                <a:solidFill>
+                  <a:srgbClr val="000000"/>
+                </a:solidFill>
+                <a:latin typeface="돋움체" panose="020B0609000101010101" pitchFamily="49" charset="-127"/>
+                <a:ea typeface="돋움체" panose="020B0609000101010101" pitchFamily="49" charset="-127"/>
+              </a:rPr>
+              <a:t>a, </a:t>
+            </a:r>
+            <a:r>
+              <a:rPr lang="en-US" altLang="ko-KR" sz="1400" dirty="0" err="1" smtClean="0">
+                <a:solidFill>
+                  <a:srgbClr val="000000"/>
+                </a:solidFill>
+                <a:latin typeface="돋움체" panose="020B0609000101010101" pitchFamily="49" charset="-127"/>
+                <a:ea typeface="돋움체" panose="020B0609000101010101" pitchFamily="49" charset="-127"/>
+              </a:rPr>
+              <a:t>b,c,d</a:t>
+            </a:r>
+            <a:r>
+              <a:rPr lang="en-US" altLang="ko-KR" sz="1400" dirty="0" smtClean="0">
+                <a:solidFill>
+                  <a:srgbClr val="000000"/>
+                </a:solidFill>
+                <a:latin typeface="돋움체" panose="020B0609000101010101" pitchFamily="49" charset="-127"/>
+                <a:ea typeface="돋움체" panose="020B0609000101010101" pitchFamily="49" charset="-127"/>
+              </a:rPr>
+              <a:t>);</a:t>
+            </a:r>
+            <a:endParaRPr lang="en-US" altLang="ko-KR" sz="1400" dirty="0">
+              <a:solidFill>
+                <a:srgbClr val="000000"/>
+              </a:solidFill>
+              <a:latin typeface="돋움체" panose="020B0609000101010101" pitchFamily="49" charset="-127"/>
+              <a:ea typeface="돋움체" panose="020B0609000101010101" pitchFamily="49" charset="-127"/>
+            </a:endParaRPr>
+          </a:p>
+          <a:p>
+            <a:r>
+              <a:rPr lang="en-US" altLang="ko-KR" sz="1400" dirty="0">
+                <a:solidFill>
+                  <a:srgbClr val="000000"/>
+                </a:solidFill>
+                <a:latin typeface="돋움체" panose="020B0609000101010101" pitchFamily="49" charset="-127"/>
+                <a:ea typeface="돋움체" panose="020B0609000101010101" pitchFamily="49" charset="-127"/>
+              </a:rPr>
+              <a:t>}</a:t>
+            </a:r>
+          </a:p>
+          <a:p>
+            <a:endParaRPr lang="en-US" altLang="ko-KR" sz="1400" dirty="0">
+              <a:solidFill>
+                <a:srgbClr val="000000"/>
+              </a:solidFill>
+              <a:latin typeface="돋움체" panose="020B0609000101010101" pitchFamily="49" charset="-127"/>
+              <a:ea typeface="돋움체" panose="020B0609000101010101" pitchFamily="49" charset="-127"/>
+            </a:endParaRPr>
+          </a:p>
+        </p:txBody>
+      </p:sp>
+      <p:sp>
+        <p:nvSpPr>
+          <p:cNvPr id="2" name="TextBox 1"/>
+          <p:cNvSpPr txBox="1"/>
+          <p:nvPr/>
+        </p:nvSpPr>
+        <p:spPr>
+          <a:xfrm>
+            <a:off x="891395" y="1207698"/>
+            <a:ext cx="6898042" cy="646331"/>
+          </a:xfrm>
+          <a:prstGeom prst="rect">
+            <a:avLst/>
+          </a:prstGeom>
+          <a:noFill/>
+        </p:spPr>
+        <p:txBody>
+          <a:bodyPr wrap="none" rtlCol="0">
+            <a:spAutoFit/>
+          </a:bodyPr>
+          <a:lstStyle/>
+          <a:p>
+            <a:pPr marL="285750" indent="-285750">
+              <a:buFont typeface="Wingdings" panose="05000000000000000000" pitchFamily="2" charset="2"/>
+              <a:buChar char="ü"/>
+            </a:pPr>
+            <a:r>
+              <a:rPr lang="ko-KR" altLang="en-US" dirty="0" err="1" smtClean="0"/>
+              <a:t>메소드의</a:t>
+            </a:r>
+            <a:r>
+              <a:rPr lang="en-US" altLang="ko-KR" dirty="0" smtClean="0"/>
+              <a:t> </a:t>
+            </a:r>
+            <a:r>
+              <a:rPr lang="ko-KR" altLang="en-US" dirty="0" smtClean="0"/>
+              <a:t>매개 변수는 기본값을 가질 수 있음</a:t>
+            </a:r>
+            <a:endParaRPr lang="en-US" altLang="ko-KR" dirty="0" smtClean="0"/>
+          </a:p>
+          <a:p>
+            <a:pPr marL="285750" indent="-285750">
+              <a:buFont typeface="Wingdings" panose="05000000000000000000" pitchFamily="2" charset="2"/>
+              <a:buChar char="ü"/>
+            </a:pPr>
+            <a:r>
+              <a:rPr lang="ko-KR" altLang="en-US" dirty="0" smtClean="0"/>
+              <a:t>매개 변수를 특정 값으로 초기화하듯 </a:t>
+            </a:r>
+            <a:r>
+              <a:rPr lang="ko-KR" altLang="en-US" dirty="0" err="1" smtClean="0"/>
+              <a:t>메소드를</a:t>
+            </a:r>
+            <a:r>
+              <a:rPr lang="ko-KR" altLang="en-US" dirty="0" smtClean="0"/>
+              <a:t> 선언할 수 있음</a:t>
+            </a:r>
+            <a:endParaRPr lang="en-US" altLang="ko-KR" dirty="0" smtClean="0"/>
+          </a:p>
+        </p:txBody>
+      </p:sp>
+    </p:spTree>
+    <p:extLst>
+      <p:ext uri="{BB962C8B-B14F-4D97-AF65-F5344CB8AC3E}">
+        <p14:creationId xmlns:p14="http://schemas.microsoft.com/office/powerpoint/2010/main" val="1928705973"/>
+      </p:ext>
+    </p:extLst>
+  </p:cSld>
+  <p:clrMapOvr>
+    <a:masterClrMapping/>
+  </p:clrMapOvr>
+  <p:timing>
+    <p:tnLst>
+      <p:par>
+        <p:cTn id="1" dur="indefinite" restart="never" nodeType="tmRoot"/>
+      </p:par>
+    </p:tnLst>
+  </p:timing>
+</p:sld>
+</file>
+
+<file path=ppt/slides/slide11.xml><?xml version="1.0" encoding="utf-8"?>
+<p:sld xmlns:a="http://schemas.openxmlformats.org/drawingml/2006/main" xmlns:r="http://schemas.openxmlformats.org/officeDocument/2006/relationships" xmlns:p="http://schemas.openxmlformats.org/presentationml/2006/main">
+  <p:cSld>
+    <p:spTree>
+      <p:nvGrpSpPr>
+        <p:cNvPr id="1" name=""/>
+        <p:cNvGrpSpPr/>
+        <p:nvPr/>
+      </p:nvGrpSpPr>
+      <p:grpSpPr>
+        <a:xfrm>
+          <a:off x="0" y="0"/>
+          <a:ext cx="0" cy="0"/>
+          <a:chOff x="0" y="0"/>
+          <a:chExt cx="0" cy="0"/>
+        </a:xfrm>
+      </p:grpSpPr>
+      <p:sp>
+        <p:nvSpPr>
+          <p:cNvPr id="4" name="TextBox 3"/>
+          <p:cNvSpPr txBox="1"/>
+          <p:nvPr/>
+        </p:nvSpPr>
+        <p:spPr>
+          <a:xfrm>
+            <a:off x="293299" y="327804"/>
+            <a:ext cx="1755609" cy="400110"/>
+          </a:xfrm>
+          <a:prstGeom prst="rect">
+            <a:avLst/>
+          </a:prstGeom>
+          <a:noFill/>
+        </p:spPr>
+        <p:txBody>
+          <a:bodyPr wrap="none" rtlCol="0">
+            <a:spAutoFit/>
+          </a:bodyPr>
+          <a:lstStyle/>
+          <a:p>
+            <a:r>
+              <a:rPr lang="en-US" altLang="ko-KR" sz="2000" b="1" dirty="0" smtClean="0"/>
+              <a:t>11. </a:t>
+            </a:r>
+            <a:r>
+              <a:rPr lang="ko-KR" altLang="en-US" sz="2000" b="1" dirty="0" smtClean="0"/>
+              <a:t>로컬 함수</a:t>
+            </a:r>
+            <a:endParaRPr lang="ko-KR" altLang="en-US" sz="2000" b="1" dirty="0"/>
+          </a:p>
+        </p:txBody>
+      </p:sp>
+      <p:sp>
+        <p:nvSpPr>
+          <p:cNvPr id="24" name="직사각형 23"/>
+          <p:cNvSpPr/>
+          <p:nvPr/>
+        </p:nvSpPr>
+        <p:spPr>
+          <a:xfrm>
+            <a:off x="1305464" y="2303121"/>
+            <a:ext cx="6096000" cy="3108543"/>
+          </a:xfrm>
+          <a:prstGeom prst="rect">
+            <a:avLst/>
+          </a:prstGeom>
+        </p:spPr>
+        <p:txBody>
+          <a:bodyPr>
+            <a:spAutoFit/>
+          </a:bodyPr>
+          <a:lstStyle/>
+          <a:p>
+            <a:r>
+              <a:rPr lang="en-US" altLang="ko-KR" sz="1400" dirty="0">
+                <a:solidFill>
+                  <a:srgbClr val="0000FF"/>
+                </a:solidFill>
+                <a:latin typeface="돋움체" panose="020B0609000101010101" pitchFamily="49" charset="-127"/>
+                <a:ea typeface="돋움체" panose="020B0609000101010101" pitchFamily="49" charset="-127"/>
+              </a:rPr>
+              <a:t>class</a:t>
+            </a:r>
+            <a:r>
+              <a:rPr lang="en-US" altLang="ko-KR" sz="1400" dirty="0">
+                <a:solidFill>
+                  <a:srgbClr val="000000"/>
+                </a:solidFill>
+                <a:latin typeface="돋움체" panose="020B0609000101010101" pitchFamily="49" charset="-127"/>
+                <a:ea typeface="돋움체" panose="020B0609000101010101" pitchFamily="49" charset="-127"/>
+              </a:rPr>
+              <a:t> </a:t>
+            </a:r>
+            <a:r>
+              <a:rPr lang="en-US" altLang="ko-KR" sz="1400" dirty="0" err="1">
+                <a:solidFill>
+                  <a:srgbClr val="2B91AF"/>
+                </a:solidFill>
+                <a:latin typeface="돋움체" panose="020B0609000101010101" pitchFamily="49" charset="-127"/>
+                <a:ea typeface="돋움체" panose="020B0609000101010101" pitchFamily="49" charset="-127"/>
+              </a:rPr>
+              <a:t>SomeClass</a:t>
+            </a:r>
+            <a:endParaRPr lang="en-US" altLang="ko-KR" sz="1400" dirty="0">
+              <a:solidFill>
+                <a:srgbClr val="000000"/>
+              </a:solidFill>
+              <a:latin typeface="돋움체" panose="020B0609000101010101" pitchFamily="49" charset="-127"/>
+              <a:ea typeface="돋움체" panose="020B0609000101010101" pitchFamily="49" charset="-127"/>
+            </a:endParaRPr>
+          </a:p>
+          <a:p>
+            <a:r>
+              <a:rPr lang="en-US" altLang="ko-KR" sz="1400" dirty="0">
+                <a:solidFill>
+                  <a:srgbClr val="000000"/>
+                </a:solidFill>
+                <a:latin typeface="돋움체" panose="020B0609000101010101" pitchFamily="49" charset="-127"/>
+                <a:ea typeface="돋움체" panose="020B0609000101010101" pitchFamily="49" charset="-127"/>
+              </a:rPr>
+              <a:t>{</a:t>
+            </a:r>
+          </a:p>
+          <a:p>
+            <a:r>
+              <a:rPr lang="en-US" altLang="ko-KR" sz="1400" dirty="0">
+                <a:solidFill>
+                  <a:srgbClr val="000000"/>
+                </a:solidFill>
+                <a:latin typeface="돋움체" panose="020B0609000101010101" pitchFamily="49" charset="-127"/>
+                <a:ea typeface="돋움체" panose="020B0609000101010101" pitchFamily="49" charset="-127"/>
+              </a:rPr>
+              <a:t>    </a:t>
+            </a:r>
+            <a:r>
+              <a:rPr lang="en-US" altLang="ko-KR" sz="1400" dirty="0">
+                <a:solidFill>
+                  <a:srgbClr val="0000FF"/>
+                </a:solidFill>
+                <a:latin typeface="돋움체" panose="020B0609000101010101" pitchFamily="49" charset="-127"/>
+                <a:ea typeface="돋움체" panose="020B0609000101010101" pitchFamily="49" charset="-127"/>
+              </a:rPr>
+              <a:t>public</a:t>
+            </a:r>
+            <a:r>
+              <a:rPr lang="en-US" altLang="ko-KR" sz="1400" dirty="0">
+                <a:solidFill>
+                  <a:srgbClr val="000000"/>
+                </a:solidFill>
+                <a:latin typeface="돋움체" panose="020B0609000101010101" pitchFamily="49" charset="-127"/>
+                <a:ea typeface="돋움체" panose="020B0609000101010101" pitchFamily="49" charset="-127"/>
+              </a:rPr>
+              <a:t> </a:t>
+            </a:r>
+            <a:r>
+              <a:rPr lang="en-US" altLang="ko-KR" sz="1400" dirty="0">
+                <a:solidFill>
+                  <a:srgbClr val="0000FF"/>
+                </a:solidFill>
+                <a:latin typeface="돋움체" panose="020B0609000101010101" pitchFamily="49" charset="-127"/>
+                <a:ea typeface="돋움체" panose="020B0609000101010101" pitchFamily="49" charset="-127"/>
+              </a:rPr>
+              <a:t>void</a:t>
+            </a:r>
+            <a:r>
+              <a:rPr lang="en-US" altLang="ko-KR" sz="1400" dirty="0">
+                <a:solidFill>
+                  <a:srgbClr val="000000"/>
+                </a:solidFill>
+                <a:latin typeface="돋움체" panose="020B0609000101010101" pitchFamily="49" charset="-127"/>
+                <a:ea typeface="돋움체" panose="020B0609000101010101" pitchFamily="49" charset="-127"/>
+              </a:rPr>
+              <a:t> </a:t>
+            </a:r>
+            <a:r>
+              <a:rPr lang="en-US" altLang="ko-KR" sz="1400" dirty="0" err="1">
+                <a:solidFill>
+                  <a:srgbClr val="000000"/>
+                </a:solidFill>
+                <a:latin typeface="돋움체" panose="020B0609000101010101" pitchFamily="49" charset="-127"/>
+                <a:ea typeface="돋움체" panose="020B0609000101010101" pitchFamily="49" charset="-127"/>
+              </a:rPr>
+              <a:t>SomeMethod</a:t>
+            </a:r>
+            <a:r>
+              <a:rPr lang="en-US" altLang="ko-KR" sz="1400" dirty="0">
+                <a:solidFill>
+                  <a:srgbClr val="000000"/>
+                </a:solidFill>
+                <a:latin typeface="돋움체" panose="020B0609000101010101" pitchFamily="49" charset="-127"/>
+                <a:ea typeface="돋움체" panose="020B0609000101010101" pitchFamily="49" charset="-127"/>
+              </a:rPr>
+              <a:t>()</a:t>
+            </a:r>
+          </a:p>
+          <a:p>
+            <a:r>
+              <a:rPr lang="ko-KR" altLang="en-US" sz="1400" dirty="0">
+                <a:solidFill>
+                  <a:srgbClr val="000000"/>
+                </a:solidFill>
+                <a:latin typeface="돋움체" panose="020B0609000101010101" pitchFamily="49" charset="-127"/>
+                <a:ea typeface="돋움체" panose="020B0609000101010101" pitchFamily="49" charset="-127"/>
+              </a:rPr>
+              <a:t>    </a:t>
+            </a:r>
+            <a:r>
+              <a:rPr lang="en-US" altLang="ko-KR" sz="1400" dirty="0">
+                <a:solidFill>
+                  <a:srgbClr val="000000"/>
+                </a:solidFill>
+                <a:latin typeface="돋움체" panose="020B0609000101010101" pitchFamily="49" charset="-127"/>
+                <a:ea typeface="돋움체" panose="020B0609000101010101" pitchFamily="49" charset="-127"/>
+              </a:rPr>
+              <a:t>{</a:t>
+            </a:r>
+          </a:p>
+          <a:p>
+            <a:r>
+              <a:rPr lang="en-US" altLang="ko-KR" sz="1400" dirty="0">
+                <a:solidFill>
+                  <a:srgbClr val="000000"/>
+                </a:solidFill>
+                <a:latin typeface="돋움체" panose="020B0609000101010101" pitchFamily="49" charset="-127"/>
+                <a:ea typeface="돋움체" panose="020B0609000101010101" pitchFamily="49" charset="-127"/>
+              </a:rPr>
+              <a:t>        </a:t>
+            </a:r>
+            <a:r>
+              <a:rPr lang="en-US" altLang="ko-KR" sz="1400" dirty="0" err="1">
+                <a:solidFill>
+                  <a:srgbClr val="0000FF"/>
+                </a:solidFill>
+                <a:latin typeface="돋움체" panose="020B0609000101010101" pitchFamily="49" charset="-127"/>
+                <a:ea typeface="돋움체" panose="020B0609000101010101" pitchFamily="49" charset="-127"/>
+              </a:rPr>
+              <a:t>int</a:t>
+            </a:r>
+            <a:r>
+              <a:rPr lang="en-US" altLang="ko-KR" sz="1400" dirty="0">
+                <a:solidFill>
+                  <a:srgbClr val="000000"/>
+                </a:solidFill>
+                <a:latin typeface="돋움체" panose="020B0609000101010101" pitchFamily="49" charset="-127"/>
+                <a:ea typeface="돋움체" panose="020B0609000101010101" pitchFamily="49" charset="-127"/>
+              </a:rPr>
+              <a:t> count = 0;</a:t>
+            </a:r>
+          </a:p>
+          <a:p>
+            <a:r>
+              <a:rPr lang="en-US" altLang="ko-KR" sz="1400" dirty="0">
+                <a:solidFill>
+                  <a:srgbClr val="000000"/>
+                </a:solidFill>
+                <a:latin typeface="돋움체" panose="020B0609000101010101" pitchFamily="49" charset="-127"/>
+                <a:ea typeface="돋움체" panose="020B0609000101010101" pitchFamily="49" charset="-127"/>
+              </a:rPr>
+              <a:t>        </a:t>
+            </a:r>
+            <a:r>
+              <a:rPr lang="en-US" altLang="ko-KR" sz="1400" dirty="0" err="1">
+                <a:solidFill>
+                  <a:srgbClr val="000000"/>
+                </a:solidFill>
+                <a:latin typeface="돋움체" panose="020B0609000101010101" pitchFamily="49" charset="-127"/>
+                <a:ea typeface="돋움체" panose="020B0609000101010101" pitchFamily="49" charset="-127"/>
+              </a:rPr>
+              <a:t>SomeLocalFunction</a:t>
+            </a:r>
+            <a:r>
+              <a:rPr lang="en-US" altLang="ko-KR" sz="1400" dirty="0">
+                <a:solidFill>
+                  <a:srgbClr val="000000"/>
+                </a:solidFill>
+                <a:latin typeface="돋움체" panose="020B0609000101010101" pitchFamily="49" charset="-127"/>
+                <a:ea typeface="돋움체" panose="020B0609000101010101" pitchFamily="49" charset="-127"/>
+              </a:rPr>
+              <a:t>(1, 2);</a:t>
+            </a:r>
+          </a:p>
+          <a:p>
+            <a:r>
+              <a:rPr lang="en-US" altLang="ko-KR" sz="1400" dirty="0">
+                <a:solidFill>
+                  <a:srgbClr val="000000"/>
+                </a:solidFill>
+                <a:latin typeface="돋움체" panose="020B0609000101010101" pitchFamily="49" charset="-127"/>
+                <a:ea typeface="돋움체" panose="020B0609000101010101" pitchFamily="49" charset="-127"/>
+              </a:rPr>
+              <a:t>        </a:t>
+            </a:r>
+            <a:r>
+              <a:rPr lang="en-US" altLang="ko-KR" sz="1400" dirty="0" err="1">
+                <a:solidFill>
+                  <a:srgbClr val="000000"/>
+                </a:solidFill>
+                <a:latin typeface="돋움체" panose="020B0609000101010101" pitchFamily="49" charset="-127"/>
+                <a:ea typeface="돋움체" panose="020B0609000101010101" pitchFamily="49" charset="-127"/>
+              </a:rPr>
+              <a:t>SomeLocalFunction</a:t>
+            </a:r>
+            <a:r>
+              <a:rPr lang="en-US" altLang="ko-KR" sz="1400" dirty="0">
+                <a:solidFill>
+                  <a:srgbClr val="000000"/>
+                </a:solidFill>
+                <a:latin typeface="돋움체" panose="020B0609000101010101" pitchFamily="49" charset="-127"/>
+                <a:ea typeface="돋움체" panose="020B0609000101010101" pitchFamily="49" charset="-127"/>
+              </a:rPr>
+              <a:t>(3, 4);</a:t>
+            </a:r>
+          </a:p>
+          <a:p>
+            <a:endParaRPr lang="ko-KR" altLang="en-US" sz="1400" dirty="0">
+              <a:solidFill>
+                <a:srgbClr val="000000"/>
+              </a:solidFill>
+              <a:latin typeface="돋움체" panose="020B0609000101010101" pitchFamily="49" charset="-127"/>
+              <a:ea typeface="돋움체" panose="020B0609000101010101" pitchFamily="49" charset="-127"/>
+            </a:endParaRPr>
+          </a:p>
+          <a:p>
+            <a:r>
+              <a:rPr lang="en-US" altLang="ko-KR" sz="1400" dirty="0">
+                <a:solidFill>
+                  <a:srgbClr val="000000"/>
+                </a:solidFill>
+                <a:latin typeface="돋움체" panose="020B0609000101010101" pitchFamily="49" charset="-127"/>
+                <a:ea typeface="돋움체" panose="020B0609000101010101" pitchFamily="49" charset="-127"/>
+              </a:rPr>
+              <a:t>        </a:t>
+            </a:r>
+            <a:r>
+              <a:rPr lang="en-US" altLang="ko-KR" sz="1400" dirty="0">
+                <a:solidFill>
+                  <a:srgbClr val="0000FF"/>
+                </a:solidFill>
+                <a:latin typeface="돋움체" panose="020B0609000101010101" pitchFamily="49" charset="-127"/>
+                <a:ea typeface="돋움체" panose="020B0609000101010101" pitchFamily="49" charset="-127"/>
+              </a:rPr>
+              <a:t>void</a:t>
+            </a:r>
+            <a:r>
+              <a:rPr lang="en-US" altLang="ko-KR" sz="1400" dirty="0">
+                <a:solidFill>
+                  <a:srgbClr val="000000"/>
+                </a:solidFill>
+                <a:latin typeface="돋움체" panose="020B0609000101010101" pitchFamily="49" charset="-127"/>
+                <a:ea typeface="돋움체" panose="020B0609000101010101" pitchFamily="49" charset="-127"/>
+              </a:rPr>
+              <a:t> </a:t>
+            </a:r>
+            <a:r>
+              <a:rPr lang="en-US" altLang="ko-KR" sz="1400" dirty="0" err="1">
+                <a:solidFill>
+                  <a:srgbClr val="000000"/>
+                </a:solidFill>
+                <a:latin typeface="돋움체" panose="020B0609000101010101" pitchFamily="49" charset="-127"/>
+                <a:ea typeface="돋움체" panose="020B0609000101010101" pitchFamily="49" charset="-127"/>
+              </a:rPr>
+              <a:t>SomeLocalFunction</a:t>
+            </a:r>
+            <a:r>
+              <a:rPr lang="en-US" altLang="ko-KR" sz="1400" dirty="0">
+                <a:solidFill>
+                  <a:srgbClr val="000000"/>
+                </a:solidFill>
+                <a:latin typeface="돋움체" panose="020B0609000101010101" pitchFamily="49" charset="-127"/>
+                <a:ea typeface="돋움체" panose="020B0609000101010101" pitchFamily="49" charset="-127"/>
+              </a:rPr>
+              <a:t>(</a:t>
+            </a:r>
+            <a:r>
+              <a:rPr lang="en-US" altLang="ko-KR" sz="1400" dirty="0" err="1">
+                <a:solidFill>
+                  <a:srgbClr val="0000FF"/>
+                </a:solidFill>
+                <a:latin typeface="돋움체" panose="020B0609000101010101" pitchFamily="49" charset="-127"/>
+                <a:ea typeface="돋움체" panose="020B0609000101010101" pitchFamily="49" charset="-127"/>
+              </a:rPr>
+              <a:t>int</a:t>
+            </a:r>
+            <a:r>
+              <a:rPr lang="en-US" altLang="ko-KR" sz="1400" dirty="0">
+                <a:solidFill>
+                  <a:srgbClr val="000000"/>
+                </a:solidFill>
+                <a:latin typeface="돋움체" panose="020B0609000101010101" pitchFamily="49" charset="-127"/>
+                <a:ea typeface="돋움체" panose="020B0609000101010101" pitchFamily="49" charset="-127"/>
+              </a:rPr>
+              <a:t> a, </a:t>
+            </a:r>
+            <a:r>
+              <a:rPr lang="en-US" altLang="ko-KR" sz="1400" dirty="0" err="1">
+                <a:solidFill>
+                  <a:srgbClr val="0000FF"/>
+                </a:solidFill>
+                <a:latin typeface="돋움체" panose="020B0609000101010101" pitchFamily="49" charset="-127"/>
+                <a:ea typeface="돋움체" panose="020B0609000101010101" pitchFamily="49" charset="-127"/>
+              </a:rPr>
+              <a:t>int</a:t>
+            </a:r>
+            <a:r>
+              <a:rPr lang="en-US" altLang="ko-KR" sz="1400" dirty="0">
+                <a:solidFill>
+                  <a:srgbClr val="000000"/>
+                </a:solidFill>
+                <a:latin typeface="돋움체" panose="020B0609000101010101" pitchFamily="49" charset="-127"/>
+                <a:ea typeface="돋움체" panose="020B0609000101010101" pitchFamily="49" charset="-127"/>
+              </a:rPr>
+              <a:t> b)</a:t>
+            </a:r>
+          </a:p>
+          <a:p>
+            <a:r>
+              <a:rPr lang="ko-KR" altLang="en-US" sz="1400" dirty="0">
+                <a:solidFill>
+                  <a:srgbClr val="000000"/>
+                </a:solidFill>
+                <a:latin typeface="돋움체" panose="020B0609000101010101" pitchFamily="49" charset="-127"/>
+                <a:ea typeface="돋움체" panose="020B0609000101010101" pitchFamily="49" charset="-127"/>
+              </a:rPr>
+              <a:t>        </a:t>
+            </a:r>
+            <a:r>
+              <a:rPr lang="en-US" altLang="ko-KR" sz="1400" dirty="0">
+                <a:solidFill>
+                  <a:srgbClr val="000000"/>
+                </a:solidFill>
+                <a:latin typeface="돋움체" panose="020B0609000101010101" pitchFamily="49" charset="-127"/>
+                <a:ea typeface="돋움체" panose="020B0609000101010101" pitchFamily="49" charset="-127"/>
+              </a:rPr>
+              <a:t>{;</a:t>
+            </a:r>
+          </a:p>
+          <a:p>
+            <a:r>
+              <a:rPr lang="en-US" altLang="ko-KR" sz="1400" dirty="0">
+                <a:solidFill>
+                  <a:srgbClr val="000000"/>
+                </a:solidFill>
+                <a:latin typeface="돋움체" panose="020B0609000101010101" pitchFamily="49" charset="-127"/>
+                <a:ea typeface="돋움체" panose="020B0609000101010101" pitchFamily="49" charset="-127"/>
+              </a:rPr>
+              <a:t>            </a:t>
+            </a:r>
+            <a:r>
+              <a:rPr lang="en-US" altLang="ko-KR" sz="1400" dirty="0" err="1">
+                <a:solidFill>
+                  <a:srgbClr val="000000"/>
+                </a:solidFill>
+                <a:latin typeface="돋움체" panose="020B0609000101010101" pitchFamily="49" charset="-127"/>
+                <a:ea typeface="돋움체" panose="020B0609000101010101" pitchFamily="49" charset="-127"/>
+              </a:rPr>
+              <a:t>Console.WriteLine</a:t>
+            </a:r>
+            <a:r>
+              <a:rPr lang="en-US" altLang="ko-KR" sz="1400" dirty="0">
+                <a:solidFill>
+                  <a:srgbClr val="000000"/>
+                </a:solidFill>
+                <a:latin typeface="돋움체" panose="020B0609000101010101" pitchFamily="49" charset="-127"/>
+                <a:ea typeface="돋움체" panose="020B0609000101010101" pitchFamily="49" charset="-127"/>
+              </a:rPr>
+              <a:t>(</a:t>
+            </a:r>
+            <a:r>
+              <a:rPr lang="en-US" altLang="ko-KR" sz="1400" dirty="0">
+                <a:solidFill>
+                  <a:srgbClr val="A31515"/>
+                </a:solidFill>
+                <a:latin typeface="돋움체" panose="020B0609000101010101" pitchFamily="49" charset="-127"/>
+                <a:ea typeface="돋움체" panose="020B0609000101010101" pitchFamily="49" charset="-127"/>
+              </a:rPr>
+              <a:t>$"count : </a:t>
+            </a:r>
+            <a:r>
+              <a:rPr lang="en-US" altLang="ko-KR" sz="1400" dirty="0">
+                <a:solidFill>
+                  <a:srgbClr val="000000"/>
+                </a:solidFill>
+                <a:latin typeface="돋움체" panose="020B0609000101010101" pitchFamily="49" charset="-127"/>
+                <a:ea typeface="돋움체" panose="020B0609000101010101" pitchFamily="49" charset="-127"/>
+              </a:rPr>
+              <a:t>{++count}</a:t>
+            </a:r>
+            <a:r>
+              <a:rPr lang="en-US" altLang="ko-KR" sz="1400" dirty="0">
+                <a:solidFill>
+                  <a:srgbClr val="A31515"/>
+                </a:solidFill>
+                <a:latin typeface="돋움체" panose="020B0609000101010101" pitchFamily="49" charset="-127"/>
+                <a:ea typeface="돋움체" panose="020B0609000101010101" pitchFamily="49" charset="-127"/>
+              </a:rPr>
+              <a:t>"</a:t>
+            </a:r>
+            <a:r>
+              <a:rPr lang="en-US" altLang="ko-KR" sz="1400" dirty="0">
+                <a:solidFill>
+                  <a:srgbClr val="000000"/>
+                </a:solidFill>
+                <a:latin typeface="돋움체" panose="020B0609000101010101" pitchFamily="49" charset="-127"/>
+                <a:ea typeface="돋움체" panose="020B0609000101010101" pitchFamily="49" charset="-127"/>
+              </a:rPr>
+              <a:t>)</a:t>
+            </a:r>
+          </a:p>
+          <a:p>
+            <a:r>
+              <a:rPr lang="ko-KR" altLang="en-US" sz="1400" dirty="0">
+                <a:solidFill>
+                  <a:srgbClr val="000000"/>
+                </a:solidFill>
+                <a:latin typeface="돋움체" panose="020B0609000101010101" pitchFamily="49" charset="-127"/>
+                <a:ea typeface="돋움체" panose="020B0609000101010101" pitchFamily="49" charset="-127"/>
+              </a:rPr>
+              <a:t>        </a:t>
+            </a:r>
+            <a:r>
+              <a:rPr lang="en-US" altLang="ko-KR" sz="1400" dirty="0">
+                <a:solidFill>
+                  <a:srgbClr val="000000"/>
+                </a:solidFill>
+                <a:latin typeface="돋움체" panose="020B0609000101010101" pitchFamily="49" charset="-127"/>
+                <a:ea typeface="돋움체" panose="020B0609000101010101" pitchFamily="49" charset="-127"/>
+              </a:rPr>
+              <a:t>}</a:t>
+            </a:r>
+          </a:p>
+          <a:p>
+            <a:r>
+              <a:rPr lang="ko-KR" altLang="en-US" sz="1400" dirty="0">
+                <a:solidFill>
+                  <a:srgbClr val="000000"/>
+                </a:solidFill>
+                <a:latin typeface="돋움체" panose="020B0609000101010101" pitchFamily="49" charset="-127"/>
+                <a:ea typeface="돋움체" panose="020B0609000101010101" pitchFamily="49" charset="-127"/>
+              </a:rPr>
+              <a:t>    </a:t>
+            </a:r>
+            <a:r>
+              <a:rPr lang="en-US" altLang="ko-KR" sz="1400" dirty="0">
+                <a:solidFill>
+                  <a:srgbClr val="000000"/>
+                </a:solidFill>
+                <a:latin typeface="돋움체" panose="020B0609000101010101" pitchFamily="49" charset="-127"/>
+                <a:ea typeface="돋움체" panose="020B0609000101010101" pitchFamily="49" charset="-127"/>
+              </a:rPr>
+              <a:t>}</a:t>
+            </a:r>
+          </a:p>
+          <a:p>
+            <a:r>
+              <a:rPr lang="en-US" altLang="ko-KR" sz="1400" dirty="0">
+                <a:solidFill>
+                  <a:srgbClr val="000000"/>
+                </a:solidFill>
+                <a:latin typeface="돋움체" panose="020B0609000101010101" pitchFamily="49" charset="-127"/>
+                <a:ea typeface="돋움체" panose="020B0609000101010101" pitchFamily="49" charset="-127"/>
+              </a:rPr>
+              <a:t>}</a:t>
+            </a:r>
+          </a:p>
+        </p:txBody>
+      </p:sp>
+      <p:sp>
+        <p:nvSpPr>
+          <p:cNvPr id="2" name="TextBox 1"/>
+          <p:cNvSpPr txBox="1"/>
+          <p:nvPr/>
+        </p:nvSpPr>
+        <p:spPr>
+          <a:xfrm>
+            <a:off x="891395" y="1207698"/>
+            <a:ext cx="7085594" cy="923330"/>
+          </a:xfrm>
+          <a:prstGeom prst="rect">
+            <a:avLst/>
+          </a:prstGeom>
+          <a:noFill/>
+        </p:spPr>
+        <p:txBody>
+          <a:bodyPr wrap="none" rtlCol="0">
+            <a:spAutoFit/>
+          </a:bodyPr>
+          <a:lstStyle/>
+          <a:p>
+            <a:pPr marL="285750" indent="-285750">
+              <a:buFont typeface="Wingdings" panose="05000000000000000000" pitchFamily="2" charset="2"/>
+              <a:buChar char="ü"/>
+            </a:pPr>
+            <a:r>
+              <a:rPr lang="ko-KR" altLang="en-US" dirty="0" smtClean="0"/>
+              <a:t>로컬 함수란</a:t>
+            </a:r>
+            <a:r>
+              <a:rPr lang="en-US" altLang="ko-KR" dirty="0" smtClean="0"/>
+              <a:t>?</a:t>
+            </a:r>
+          </a:p>
+          <a:p>
+            <a:r>
+              <a:rPr lang="en-US" altLang="ko-KR" dirty="0"/>
+              <a:t> </a:t>
+            </a:r>
+            <a:r>
+              <a:rPr lang="en-US" altLang="ko-KR" dirty="0" smtClean="0"/>
+              <a:t>   </a:t>
+            </a:r>
+          </a:p>
+          <a:p>
+            <a:r>
+              <a:rPr lang="en-US" altLang="ko-KR" dirty="0"/>
+              <a:t> </a:t>
+            </a:r>
+            <a:r>
+              <a:rPr lang="en-US" altLang="ko-KR" dirty="0" smtClean="0"/>
+              <a:t>   </a:t>
+            </a:r>
+            <a:r>
+              <a:rPr lang="ko-KR" altLang="en-US" dirty="0" err="1" smtClean="0"/>
+              <a:t>메소드</a:t>
+            </a:r>
+            <a:r>
+              <a:rPr lang="ko-KR" altLang="en-US" dirty="0" smtClean="0"/>
+              <a:t> 안에서 선언되고 선언된 </a:t>
+            </a:r>
+            <a:r>
+              <a:rPr lang="ko-KR" altLang="en-US" dirty="0" err="1" smtClean="0"/>
+              <a:t>메소드</a:t>
+            </a:r>
+            <a:r>
+              <a:rPr lang="ko-KR" altLang="en-US" dirty="0" smtClean="0"/>
+              <a:t> 안에서만 사용되는 함수</a:t>
+            </a:r>
+            <a:endParaRPr lang="en-US" altLang="ko-KR" dirty="0" smtClean="0"/>
+          </a:p>
+        </p:txBody>
+      </p:sp>
+    </p:spTree>
+    <p:extLst>
+      <p:ext uri="{BB962C8B-B14F-4D97-AF65-F5344CB8AC3E}">
+        <p14:creationId xmlns:p14="http://schemas.microsoft.com/office/powerpoint/2010/main" val="994947980"/>
       </p:ext>
     </p:extLst>
   </p:cSld>
@@ -3363,8 +4778,8 @@
         </p:nvSpPr>
         <p:spPr>
           <a:xfrm>
-            <a:off x="6389298" y="727914"/>
-            <a:ext cx="5699186" cy="1200329"/>
+            <a:off x="6429555" y="1365705"/>
+            <a:ext cx="5699186" cy="2031325"/>
           </a:xfrm>
           <a:prstGeom prst="rect">
             <a:avLst/>
@@ -3377,6 +4792,10 @@
           </a:bodyPr>
           <a:lstStyle/>
           <a:p>
+            <a:pPr marL="285750" indent="-285750">
+              <a:buFont typeface="Wingdings" panose="05000000000000000000" pitchFamily="2" charset="2"/>
+              <a:buChar char="ü"/>
+            </a:pPr>
             <a:r>
               <a:rPr lang="en-US" altLang="ko-KR" dirty="0" smtClean="0"/>
               <a:t>return </a:t>
@@ -3416,8 +4835,41 @@
             </a:r>
             <a:r>
               <a:rPr lang="ko-KR" altLang="en-US" dirty="0" smtClean="0"/>
-              <a:t> 돌려주는 것</a:t>
-            </a:r>
+              <a:t> 돌려주는 </a:t>
+            </a:r>
+            <a:r>
+              <a:rPr lang="ko-KR" altLang="en-US" dirty="0" smtClean="0"/>
+              <a:t>것</a:t>
+            </a:r>
+            <a:endParaRPr lang="en-US" altLang="ko-KR" dirty="0" smtClean="0"/>
+          </a:p>
+          <a:p>
+            <a:endParaRPr lang="en-US" altLang="ko-KR" dirty="0"/>
+          </a:p>
+          <a:p>
+            <a:r>
+              <a:rPr lang="ko-KR" altLang="en-US" dirty="0" smtClean="0"/>
+              <a:t>반환 형식이 </a:t>
+            </a:r>
+            <a:r>
+              <a:rPr lang="en-US" altLang="ko-KR" dirty="0" smtClean="0"/>
+              <a:t>void</a:t>
+            </a:r>
+            <a:r>
+              <a:rPr lang="ko-KR" altLang="en-US" dirty="0" smtClean="0"/>
+              <a:t>인 경우에도 </a:t>
+            </a:r>
+            <a:r>
+              <a:rPr lang="en-US" altLang="ko-KR" dirty="0" smtClean="0"/>
+              <a:t>return</a:t>
+            </a:r>
+            <a:r>
+              <a:rPr lang="ko-KR" altLang="en-US" dirty="0" smtClean="0"/>
+              <a:t>은 사용가능</a:t>
+            </a:r>
+            <a:endParaRPr lang="en-US" altLang="ko-KR" dirty="0" smtClean="0"/>
+          </a:p>
+          <a:p>
             <a:endParaRPr lang="ko-KR" altLang="en-US" dirty="0"/>
           </a:p>
         </p:txBody>
@@ -3468,7 +4920,7 @@
                   <a:schemeClr val="tx1"/>
                 </a:solidFill>
               </a:rPr>
-              <a:t>재귀</a:t>
+              <a:t>재귀 호출</a:t>
             </a:r>
             <a:endParaRPr lang="ko-KR" altLang="en-US" dirty="0">
               <a:solidFill>
@@ -3515,44 +4967,6 @@
           <a:chExt cx="0" cy="0"/>
         </a:xfrm>
       </p:grpSpPr>
-      <p:sp>
-        <p:nvSpPr>
-          <p:cNvPr id="4" name="TextBox 3"/>
-          <p:cNvSpPr txBox="1"/>
-          <p:nvPr/>
-        </p:nvSpPr>
-        <p:spPr>
-          <a:xfrm>
-            <a:off x="293299" y="327804"/>
-            <a:ext cx="2722220" cy="400110"/>
-          </a:xfrm>
-          <a:prstGeom prst="rect">
-            <a:avLst/>
-          </a:prstGeom>
-          <a:noFill/>
-        </p:spPr>
-        <p:txBody>
-          <a:bodyPr wrap="none" rtlCol="0">
-            <a:spAutoFit/>
-          </a:bodyPr>
-          <a:lstStyle/>
-          <a:p>
-            <a:r>
-              <a:rPr lang="en-US" altLang="ko-KR" sz="2000" b="1" dirty="0"/>
-              <a:t>3</a:t>
-            </a:r>
-            <a:r>
-              <a:rPr lang="en-US" altLang="ko-KR" sz="2000" b="1" dirty="0" smtClean="0"/>
-              <a:t>. </a:t>
-            </a:r>
-            <a:r>
-              <a:rPr lang="ko-KR" altLang="en-US" sz="2000" b="1" dirty="0" smtClean="0"/>
-              <a:t>매개 변수에 대하여</a:t>
-            </a:r>
-            <a:endParaRPr lang="ko-KR" altLang="en-US" sz="2000" b="1" dirty="0"/>
-          </a:p>
-        </p:txBody>
-      </p:sp>
       <p:pic>
         <p:nvPicPr>
           <p:cNvPr id="2" name="그림 1"/>
@@ -3579,58 +4993,189 @@
       </p:pic>
       <p:grpSp>
         <p:nvGrpSpPr>
-          <p:cNvPr id="9" name="그룹 8"/>
+          <p:cNvPr id="7" name="그룹 6"/>
           <p:cNvGrpSpPr/>
           <p:nvPr/>
         </p:nvGrpSpPr>
         <p:grpSpPr>
           <a:xfrm>
-            <a:off x="4781338" y="478797"/>
-            <a:ext cx="2237116" cy="2658070"/>
-            <a:chOff x="7251939" y="41488"/>
-            <a:chExt cx="3358551" cy="3990523"/>
+            <a:off x="4822608" y="458368"/>
+            <a:ext cx="2205078" cy="2658070"/>
+            <a:chOff x="2915491" y="-66191"/>
+            <a:chExt cx="2205078" cy="2658070"/>
           </a:xfrm>
         </p:grpSpPr>
-        <p:pic>
-          <p:nvPicPr>
-            <p:cNvPr id="6" name="그림 5"/>
-            <p:cNvPicPr>
-              <a:picLocks noChangeAspect="1"/>
-            </p:cNvPicPr>
+        <p:grpSp>
+          <p:nvGrpSpPr>
+            <p:cNvPr id="9" name="그룹 8"/>
+            <p:cNvGrpSpPr/>
             <p:nvPr/>
-          </p:nvPicPr>
-          <p:blipFill>
-            <a:blip r:embed="rId3"/>
-            <a:stretch>
-              <a:fillRect/>
-            </a:stretch>
-          </p:blipFill>
-          <p:spPr>
+          </p:nvGrpSpPr>
+          <p:grpSpPr>
             <a:xfrm>
-              <a:off x="7300037" y="41488"/>
-              <a:ext cx="3310453" cy="3990523"/>
+              <a:off x="2915491" y="-66191"/>
+              <a:ext cx="2205078" cy="2658070"/>
+              <a:chOff x="7212779" y="55204"/>
+              <a:chExt cx="3310453" cy="3990523"/>
             </a:xfrm>
-            <a:prstGeom prst="rect">
-              <a:avLst/>
-            </a:prstGeom>
-          </p:spPr>
-        </p:pic>
+          </p:grpSpPr>
+          <p:pic>
+            <p:nvPicPr>
+              <p:cNvPr id="6" name="그림 5"/>
+              <p:cNvPicPr>
+                <a:picLocks noChangeAspect="1"/>
+              </p:cNvPicPr>
+              <p:nvPr/>
+            </p:nvPicPr>
+            <p:blipFill>
+              <a:blip r:embed="rId3"/>
+              <a:stretch>
+                <a:fillRect/>
+              </a:stretch>
+            </p:blipFill>
+            <p:spPr>
+              <a:xfrm>
+                <a:off x="7212779" y="55204"/>
+                <a:ext cx="3310453" cy="3990523"/>
+              </a:xfrm>
+              <a:prstGeom prst="rect">
+                <a:avLst/>
+              </a:prstGeom>
+            </p:spPr>
+          </p:pic>
+          <p:sp>
+            <p:nvSpPr>
+              <p:cNvPr id="5" name="직사각형 4"/>
+              <p:cNvSpPr/>
+              <p:nvPr/>
+            </p:nvSpPr>
+            <p:spPr>
+              <a:xfrm>
+                <a:off x="7251940" y="179510"/>
+                <a:ext cx="1224951" cy="470557"/>
+              </a:xfrm>
+              <a:prstGeom prst="rect">
+                <a:avLst/>
+              </a:prstGeom>
+              <a:solidFill>
+                <a:schemeClr val="bg1"/>
+              </a:solidFill>
+              <a:ln>
+                <a:noFill/>
+              </a:ln>
+            </p:spPr>
+            <p:style>
+              <a:lnRef idx="2">
+                <a:schemeClr val="accent1">
+                  <a:shade val="50000"/>
+                </a:schemeClr>
+              </a:lnRef>
+              <a:fillRef idx="1">
+                <a:schemeClr val="accent1"/>
+              </a:fillRef>
+              <a:effectRef idx="0">
+                <a:schemeClr val="accent1"/>
+              </a:effectRef>
+              <a:fontRef idx="minor">
+                <a:schemeClr val="lt1"/>
+              </a:fontRef>
+            </p:style>
+            <p:txBody>
+              <a:bodyPr rtlCol="0" anchor="ctr"/>
+              <a:lstStyle/>
+              <a:p>
+                <a:pPr algn="ctr"/>
+                <a:r>
+                  <a:rPr lang="en-US" altLang="ko-KR" dirty="0" smtClean="0">
+                    <a:solidFill>
+                      <a:schemeClr val="tx1"/>
+                    </a:solidFill>
+                  </a:rPr>
+                  <a:t>X</a:t>
+                </a:r>
+                <a:endParaRPr lang="ko-KR" altLang="en-US" dirty="0">
+                  <a:solidFill>
+                    <a:schemeClr val="tx1"/>
+                  </a:solidFill>
+                </a:endParaRPr>
+              </a:p>
+            </p:txBody>
+          </p:sp>
+          <p:sp>
+            <p:nvSpPr>
+              <p:cNvPr id="8" name="직사각형 7"/>
+              <p:cNvSpPr/>
+              <p:nvPr/>
+            </p:nvSpPr>
+            <p:spPr>
+              <a:xfrm>
+                <a:off x="7251939" y="1160046"/>
+                <a:ext cx="1224951" cy="470557"/>
+              </a:xfrm>
+              <a:prstGeom prst="rect">
+                <a:avLst/>
+              </a:prstGeom>
+              <a:solidFill>
+                <a:schemeClr val="bg1"/>
+              </a:solidFill>
+              <a:ln>
+                <a:noFill/>
+              </a:ln>
+            </p:spPr>
+            <p:style>
+              <a:lnRef idx="2">
+                <a:schemeClr val="accent1">
+                  <a:shade val="50000"/>
+                </a:schemeClr>
+              </a:lnRef>
+              <a:fillRef idx="1">
+                <a:schemeClr val="accent1"/>
+              </a:fillRef>
+              <a:effectRef idx="0">
+                <a:schemeClr val="accent1"/>
+              </a:effectRef>
+              <a:fontRef idx="minor">
+                <a:schemeClr val="lt1"/>
+              </a:fontRef>
+            </p:style>
+            <p:txBody>
+              <a:bodyPr rtlCol="0" anchor="ctr"/>
+              <a:lstStyle/>
+              <a:p>
+                <a:pPr algn="ctr"/>
+                <a:r>
+                  <a:rPr lang="en-US" altLang="ko-KR" dirty="0">
+                    <a:solidFill>
+                      <a:schemeClr val="tx1"/>
+                    </a:solidFill>
+                  </a:rPr>
+                  <a:t>y</a:t>
+                </a:r>
+                <a:endParaRPr lang="ko-KR" altLang="en-US" dirty="0">
+                  <a:solidFill>
+                    <a:schemeClr val="tx1"/>
+                  </a:solidFill>
+                </a:endParaRPr>
+              </a:p>
+            </p:txBody>
+          </p:sp>
+        </p:grpSp>
         <p:sp>
           <p:nvSpPr>
-            <p:cNvPr id="5" name="직사각형 4"/>
+            <p:cNvPr id="3" name="모서리가 둥근 직사각형 2"/>
             <p:cNvSpPr/>
             <p:nvPr/>
           </p:nvSpPr>
           <p:spPr>
             <a:xfrm>
-              <a:off x="7251940" y="179510"/>
-              <a:ext cx="1224951" cy="470557"/>
+              <a:off x="3941054" y="1262844"/>
+              <a:ext cx="902929" cy="330718"/>
             </a:xfrm>
-            <a:prstGeom prst="rect">
+            <a:prstGeom prst="roundRect">
               <a:avLst/>
             </a:prstGeom>
             <a:solidFill>
-              <a:schemeClr val="bg1"/>
+              <a:srgbClr val="F2F2F2"/>
             </a:solidFill>
             <a:ln>
               <a:noFill/>
@@ -3658,70 +5203,12 @@
             <a:p>
               <a:pPr algn="ctr"/>
               <a:r>
-                <a:rPr lang="en-US" altLang="ko-KR" dirty="0" smtClean="0">
+                <a:rPr lang="ko-KR" altLang="en-US" dirty="0" err="1" smtClean="0">
                   <a:solidFill>
                     <a:schemeClr val="tx1"/>
                   </a:solidFill>
                 </a:rPr>
-                <a:t>X</a:t>
-              </a:r>
-              <a:endParaRPr lang="ko-KR" altLang="en-US" dirty="0">
-                <a:solidFill>
-                  <a:schemeClr val="tx1"/>
-                </a:solidFill>
-              </a:endParaRPr>
-            </a:p>
-          </p:txBody>
-        </p:sp>
-        <p:sp>
-          <p:nvSpPr>
-            <p:cNvPr id="8" name="직사각형 7"/>
-            <p:cNvSpPr/>
-            <p:nvPr/>
-          </p:nvSpPr>
-          <p:spPr>
-            <a:xfrm>
-              <a:off x="7251939" y="1160046"/>
-              <a:ext cx="1224951" cy="470557"/>
-            </a:xfrm>
-            <a:prstGeom prst="rect">
-              <a:avLst/>
-            </a:prstGeom>
-            <a:solidFill>
-              <a:schemeClr val="bg1"/>
-            </a:solidFill>
-            <a:ln>
-              <a:noFill/>
-            </a:ln>
-          </p:spPr>
-          <p:style>
-            <a:lnRef idx="2">
-              <a:schemeClr val="accent1">
-                <a:shade val="50000"/>
-              </a:schemeClr>
-            </a:lnRef>
-            <a:fillRef idx="1">
-              <a:schemeClr val="accent1"/>
-            </a:fillRef>
-            <a:effectRef idx="0">
-              <a:schemeClr val="accent1"/>
-            </a:effectRef>
-            <a:fontRef idx="minor">
-              <a:schemeClr val="lt1"/>
-            </a:fontRef>
-          </p:style>
-          <p:txBody>
-            <a:bodyPr rtlCol="0" anchor="ctr"/>
-            <a:lstStyle/>
-            <a:p>
-              <a:pPr algn="ctr"/>
-              <a:r>
-                <a:rPr lang="en-US" altLang="ko-KR" dirty="0">
-                  <a:solidFill>
-                    <a:schemeClr val="tx1"/>
-                  </a:solidFill>
-                </a:rPr>
-                <a:t>y</a:t>
+                <a:t>메소드</a:t>
               </a:r>
               <a:endParaRPr lang="ko-KR" altLang="en-US" dirty="0">
                 <a:solidFill>
@@ -3732,6 +5219,44 @@
           </p:txBody>
         </p:sp>
       </p:grpSp>
+      <p:sp>
+        <p:nvSpPr>
+          <p:cNvPr id="4" name="TextBox 3"/>
+          <p:cNvSpPr txBox="1"/>
+          <p:nvPr/>
+        </p:nvSpPr>
+        <p:spPr>
+          <a:xfrm>
+            <a:off x="293299" y="327804"/>
+            <a:ext cx="2722220" cy="400110"/>
+          </a:xfrm>
+          <a:prstGeom prst="rect">
+            <a:avLst/>
+          </a:prstGeom>
+          <a:noFill/>
+        </p:spPr>
+        <p:txBody>
+          <a:bodyPr wrap="none" rtlCol="0">
+            <a:spAutoFit/>
+          </a:bodyPr>
+          <a:lstStyle/>
+          <a:p>
+            <a:r>
+              <a:rPr lang="en-US" altLang="ko-KR" sz="2000" b="1" dirty="0"/>
+              <a:t>3</a:t>
+            </a:r>
+            <a:r>
+              <a:rPr lang="en-US" altLang="ko-KR" sz="2000" b="1" dirty="0" smtClean="0"/>
+              <a:t>. </a:t>
+            </a:r>
+            <a:r>
+              <a:rPr lang="ko-KR" altLang="en-US" sz="2000" b="1" dirty="0" smtClean="0"/>
+              <a:t>매개 변수에 대하여</a:t>
+            </a:r>
+            <a:endParaRPr lang="ko-KR" altLang="en-US" sz="2000" b="1" dirty="0"/>
+          </a:p>
+        </p:txBody>
+      </p:sp>
       <p:sp>
         <p:nvSpPr>
           <p:cNvPr id="11" name="사각형 설명선 10"/>
@@ -4134,13 +5659,6 @@
               </a:rPr>
               <a:t>}</a:t>
             </a:r>
-            <a:endParaRPr lang="en-US" altLang="ko-KR" sz="1300" dirty="0" smtClean="0">
-              <a:solidFill>
-                <a:srgbClr val="000000"/>
-              </a:solidFill>
-              <a:latin typeface="돋움체" panose="020B0609000101010101" pitchFamily="49" charset="-127"/>
-              <a:ea typeface="돋움체" panose="020B0609000101010101" pitchFamily="49" charset="-127"/>
-            </a:endParaRPr>
           </a:p>
         </p:txBody>
       </p:sp>
@@ -4755,13 +6273,6 @@
                 </a:rPr>
                 <a:t>}</a:t>
               </a:r>
-              <a:endParaRPr lang="en-US" altLang="ko-KR" sz="1300" dirty="0" smtClean="0">
-                <a:solidFill>
-                  <a:srgbClr val="000000"/>
-                </a:solidFill>
-                <a:latin typeface="돋움체" panose="020B0609000101010101" pitchFamily="49" charset="-127"/>
-                <a:ea typeface="돋움체" panose="020B0609000101010101" pitchFamily="49" charset="-127"/>
-              </a:endParaRPr>
             </a:p>
           </p:txBody>
         </p:sp>
@@ -4980,6 +6491,85 @@
           </p:txBody>
         </p:sp>
       </p:grpSp>
+      <p:cxnSp>
+        <p:nvCxnSpPr>
+          <p:cNvPr id="22" name="꺾인 연결선 21"/>
+          <p:cNvCxnSpPr/>
+          <p:nvPr/>
+        </p:nvCxnSpPr>
+        <p:spPr>
+          <a:xfrm rot="5400000" flipH="1" flipV="1">
+            <a:off x="2507411" y="2202612"/>
+            <a:ext cx="1955321" cy="1334219"/>
+          </a:xfrm>
+          <a:prstGeom prst="bentConnector3">
+            <a:avLst>
+              <a:gd name="adj1" fmla="val -294"/>
+            </a:avLst>
+          </a:prstGeom>
+          <a:ln w="38100">
+            <a:tailEnd type="triangle"/>
+          </a:ln>
+        </p:spPr>
+        <p:style>
+          <a:lnRef idx="1">
+            <a:schemeClr val="accent1"/>
+          </a:lnRef>
+          <a:fillRef idx="0">
+            <a:schemeClr val="accent1"/>
+          </a:fillRef>
+          <a:effectRef idx="0">
+            <a:schemeClr val="accent1"/>
+          </a:effectRef>
+          <a:fontRef idx="minor">
+            <a:schemeClr val="tx1"/>
+          </a:fontRef>
+        </p:style>
+      </p:cxnSp>
+      <p:sp>
+        <p:nvSpPr>
+          <p:cNvPr id="28" name="TextBox 27"/>
+          <p:cNvSpPr txBox="1"/>
+          <p:nvPr/>
+        </p:nvSpPr>
+        <p:spPr>
+          <a:xfrm>
+            <a:off x="4890001" y="2593676"/>
+            <a:ext cx="7301999" cy="923330"/>
+          </a:xfrm>
+          <a:prstGeom prst="rect">
+            <a:avLst/>
+          </a:prstGeom>
+          <a:noFill/>
+        </p:spPr>
+        <p:txBody>
+          <a:bodyPr wrap="none" rtlCol="0">
+            <a:spAutoFit/>
+          </a:bodyPr>
+          <a:lstStyle/>
+          <a:p>
+            <a:r>
+              <a:rPr lang="ko-KR" altLang="en-US" dirty="0" smtClean="0"/>
+              <a:t>원본 변수를 직접 참조</a:t>
+            </a:r>
+            <a:endParaRPr lang="en-US" altLang="ko-KR" dirty="0" smtClean="0"/>
+          </a:p>
+          <a:p>
+            <a:endParaRPr lang="en-US" altLang="ko-KR" dirty="0" smtClean="0"/>
+          </a:p>
+          <a:p>
+            <a:r>
+              <a:rPr lang="ko-KR" altLang="en-US" dirty="0" err="1" smtClean="0"/>
+              <a:t>메소드</a:t>
+            </a:r>
+            <a:r>
+              <a:rPr lang="ko-KR" altLang="en-US" dirty="0" smtClean="0"/>
+              <a:t> 안에서 매개 변수를 수정하면 원본 변수에서도 수정이 이뤄짐</a:t>
+            </a:r>
+            <a:endParaRPr lang="ko-KR" altLang="en-US" dirty="0"/>
+          </a:p>
+        </p:txBody>
+      </p:sp>
     </p:spTree>
     <p:extLst>
       <p:ext uri="{BB962C8B-B14F-4D97-AF65-F5344CB8AC3E}">
@@ -5059,490 +6649,2999 @@
           </a:p>
         </p:txBody>
       </p:sp>
-      <p:grpSp>
-        <p:nvGrpSpPr>
-          <p:cNvPr id="3" name="그룹 2"/>
-          <p:cNvGrpSpPr/>
+      <p:sp>
+        <p:nvSpPr>
+          <p:cNvPr id="24" name="직사각형 23"/>
+          <p:cNvSpPr/>
           <p:nvPr/>
-        </p:nvGrpSpPr>
-        <p:grpSpPr>
+        </p:nvSpPr>
+        <p:spPr>
           <a:xfrm>
-            <a:off x="1047474" y="1535991"/>
-            <a:ext cx="6096000" cy="3103927"/>
-            <a:chOff x="926704" y="1489984"/>
-            <a:chExt cx="6096000" cy="3103927"/>
+            <a:off x="989965" y="1432474"/>
+            <a:ext cx="6096000" cy="2893100"/>
           </a:xfrm>
-        </p:grpSpPr>
-        <p:sp>
-          <p:nvSpPr>
-            <p:cNvPr id="24" name="직사각형 23"/>
-            <p:cNvSpPr/>
-            <p:nvPr/>
-          </p:nvSpPr>
-          <p:spPr>
-            <a:xfrm>
-              <a:off x="926704" y="1489984"/>
-              <a:ext cx="6096000" cy="1292662"/>
-            </a:xfrm>
-            <a:prstGeom prst="rect">
-              <a:avLst/>
-            </a:prstGeom>
-          </p:spPr>
-          <p:txBody>
-            <a:bodyPr>
-              <a:spAutoFit/>
-            </a:bodyPr>
-            <a:lstStyle/>
-            <a:p>
-              <a:r>
-                <a:rPr lang="en-US" altLang="ko-KR" sz="1300" dirty="0" smtClean="0">
-                  <a:solidFill>
-                    <a:srgbClr val="0000FF"/>
-                  </a:solidFill>
-                  <a:latin typeface="돋움체" panose="020B0609000101010101" pitchFamily="49" charset="-127"/>
-                  <a:ea typeface="돋움체" panose="020B0609000101010101" pitchFamily="49" charset="-127"/>
-                </a:rPr>
-                <a:t>public</a:t>
-              </a:r>
-              <a:r>
-                <a:rPr lang="en-US" altLang="ko-KR" sz="1300" dirty="0" smtClean="0">
-                  <a:solidFill>
-                    <a:srgbClr val="000000"/>
-                  </a:solidFill>
-                  <a:latin typeface="돋움체" panose="020B0609000101010101" pitchFamily="49" charset="-127"/>
-                  <a:ea typeface="돋움체" panose="020B0609000101010101" pitchFamily="49" charset="-127"/>
-                </a:rPr>
-                <a:t> </a:t>
-              </a:r>
-              <a:r>
-                <a:rPr lang="en-US" altLang="ko-KR" sz="1300" dirty="0" smtClean="0">
-                  <a:solidFill>
-                    <a:srgbClr val="0000FF"/>
-                  </a:solidFill>
-                  <a:latin typeface="돋움체" panose="020B0609000101010101" pitchFamily="49" charset="-127"/>
-                  <a:ea typeface="돋움체" panose="020B0609000101010101" pitchFamily="49" charset="-127"/>
-                </a:rPr>
-                <a:t>static</a:t>
-              </a:r>
-              <a:r>
-                <a:rPr lang="en-US" altLang="ko-KR" sz="1300" dirty="0" smtClean="0">
-                  <a:solidFill>
-                    <a:srgbClr val="000000"/>
-                  </a:solidFill>
-                  <a:latin typeface="돋움체" panose="020B0609000101010101" pitchFamily="49" charset="-127"/>
-                  <a:ea typeface="돋움체" panose="020B0609000101010101" pitchFamily="49" charset="-127"/>
-                </a:rPr>
-                <a:t> </a:t>
-              </a:r>
-              <a:r>
-                <a:rPr lang="en-US" altLang="ko-KR" sz="1300" dirty="0" smtClean="0">
-                  <a:solidFill>
-                    <a:srgbClr val="0000FF"/>
-                  </a:solidFill>
-                  <a:latin typeface="돋움체" panose="020B0609000101010101" pitchFamily="49" charset="-127"/>
-                  <a:ea typeface="돋움체" panose="020B0609000101010101" pitchFamily="49" charset="-127"/>
-                </a:rPr>
-                <a:t>void</a:t>
-              </a:r>
-              <a:r>
-                <a:rPr lang="en-US" altLang="ko-KR" sz="1300" dirty="0" smtClean="0">
-                  <a:solidFill>
-                    <a:srgbClr val="000000"/>
-                  </a:solidFill>
-                  <a:latin typeface="돋움체" panose="020B0609000101010101" pitchFamily="49" charset="-127"/>
-                  <a:ea typeface="돋움체" panose="020B0609000101010101" pitchFamily="49" charset="-127"/>
-                </a:rPr>
-                <a:t> Swap(</a:t>
-              </a:r>
-              <a:r>
-                <a:rPr lang="en-US" altLang="ko-KR" sz="1300" dirty="0" smtClean="0">
-                  <a:solidFill>
-                    <a:srgbClr val="0E0EFF"/>
-                  </a:solidFill>
-                  <a:latin typeface="돋움체" panose="020B0609000101010101" pitchFamily="49" charset="-127"/>
-                  <a:ea typeface="돋움체" panose="020B0609000101010101" pitchFamily="49" charset="-127"/>
-                </a:rPr>
-                <a:t>ref</a:t>
-              </a:r>
-              <a:r>
-                <a:rPr lang="en-US" altLang="ko-KR" sz="1300" dirty="0" smtClean="0">
-                  <a:solidFill>
-                    <a:srgbClr val="000000"/>
-                  </a:solidFill>
-                  <a:latin typeface="돋움체" panose="020B0609000101010101" pitchFamily="49" charset="-127"/>
-                  <a:ea typeface="돋움체" panose="020B0609000101010101" pitchFamily="49" charset="-127"/>
-                </a:rPr>
-                <a:t> </a:t>
-              </a:r>
-              <a:r>
-                <a:rPr lang="en-US" altLang="ko-KR" sz="1300" dirty="0" err="1" smtClean="0">
-                  <a:solidFill>
-                    <a:srgbClr val="0000FF"/>
-                  </a:solidFill>
-                  <a:latin typeface="돋움체" panose="020B0609000101010101" pitchFamily="49" charset="-127"/>
-                  <a:ea typeface="돋움체" panose="020B0609000101010101" pitchFamily="49" charset="-127"/>
-                </a:rPr>
-                <a:t>int</a:t>
-              </a:r>
-              <a:r>
-                <a:rPr lang="en-US" altLang="ko-KR" sz="1300" dirty="0" smtClean="0">
-                  <a:solidFill>
-                    <a:srgbClr val="000000"/>
-                  </a:solidFill>
-                  <a:latin typeface="돋움체" panose="020B0609000101010101" pitchFamily="49" charset="-127"/>
-                  <a:ea typeface="돋움체" panose="020B0609000101010101" pitchFamily="49" charset="-127"/>
-                </a:rPr>
-                <a:t> a, </a:t>
-              </a:r>
-              <a:r>
-                <a:rPr lang="en-US" altLang="ko-KR" sz="1300" dirty="0" smtClean="0">
-                  <a:solidFill>
-                    <a:srgbClr val="0E0EFF"/>
-                  </a:solidFill>
-                  <a:latin typeface="돋움체" panose="020B0609000101010101" pitchFamily="49" charset="-127"/>
-                  <a:ea typeface="돋움체" panose="020B0609000101010101" pitchFamily="49" charset="-127"/>
-                </a:rPr>
-                <a:t>ref</a:t>
-              </a:r>
-              <a:r>
-                <a:rPr lang="en-US" altLang="ko-KR" sz="1300" dirty="0" smtClean="0">
-                  <a:solidFill>
-                    <a:srgbClr val="000000"/>
-                  </a:solidFill>
-                  <a:latin typeface="돋움체" panose="020B0609000101010101" pitchFamily="49" charset="-127"/>
-                  <a:ea typeface="돋움체" panose="020B0609000101010101" pitchFamily="49" charset="-127"/>
-                </a:rPr>
-                <a:t> </a:t>
-              </a:r>
-              <a:r>
-                <a:rPr lang="en-US" altLang="ko-KR" sz="1300" dirty="0" err="1" smtClean="0">
-                  <a:solidFill>
-                    <a:srgbClr val="0000FF"/>
-                  </a:solidFill>
-                  <a:latin typeface="돋움체" panose="020B0609000101010101" pitchFamily="49" charset="-127"/>
-                  <a:ea typeface="돋움체" panose="020B0609000101010101" pitchFamily="49" charset="-127"/>
-                </a:rPr>
-                <a:t>int</a:t>
-              </a:r>
-              <a:r>
-                <a:rPr lang="en-US" altLang="ko-KR" sz="1300" dirty="0" smtClean="0">
-                  <a:solidFill>
-                    <a:srgbClr val="000000"/>
-                  </a:solidFill>
-                  <a:latin typeface="돋움체" panose="020B0609000101010101" pitchFamily="49" charset="-127"/>
-                  <a:ea typeface="돋움체" panose="020B0609000101010101" pitchFamily="49" charset="-127"/>
-                </a:rPr>
-                <a:t> b)</a:t>
-              </a:r>
-            </a:p>
-            <a:p>
-              <a:r>
-                <a:rPr lang="en-US" altLang="ko-KR" sz="1300" dirty="0" smtClean="0">
-                  <a:solidFill>
-                    <a:srgbClr val="000000"/>
-                  </a:solidFill>
-                  <a:latin typeface="돋움체" panose="020B0609000101010101" pitchFamily="49" charset="-127"/>
-                  <a:ea typeface="돋움체" panose="020B0609000101010101" pitchFamily="49" charset="-127"/>
-                </a:rPr>
-                <a:t>{</a:t>
-              </a:r>
-            </a:p>
-            <a:p>
-              <a:r>
-                <a:rPr lang="en-US" altLang="ko-KR" sz="1300" dirty="0" smtClean="0">
-                  <a:solidFill>
-                    <a:srgbClr val="000000"/>
-                  </a:solidFill>
-                  <a:latin typeface="돋움체" panose="020B0609000101010101" pitchFamily="49" charset="-127"/>
-                  <a:ea typeface="돋움체" panose="020B0609000101010101" pitchFamily="49" charset="-127"/>
-                </a:rPr>
-                <a:t>    </a:t>
-              </a:r>
-              <a:r>
-                <a:rPr lang="en-US" altLang="ko-KR" sz="1300" dirty="0" err="1" smtClean="0">
-                  <a:solidFill>
-                    <a:srgbClr val="0000FF"/>
-                  </a:solidFill>
-                  <a:latin typeface="돋움체" panose="020B0609000101010101" pitchFamily="49" charset="-127"/>
-                  <a:ea typeface="돋움체" panose="020B0609000101010101" pitchFamily="49" charset="-127"/>
-                </a:rPr>
-                <a:t>int</a:t>
-              </a:r>
-              <a:r>
-                <a:rPr lang="en-US" altLang="ko-KR" sz="1300" dirty="0" smtClean="0">
-                  <a:solidFill>
-                    <a:srgbClr val="000000"/>
-                  </a:solidFill>
-                  <a:latin typeface="돋움체" panose="020B0609000101010101" pitchFamily="49" charset="-127"/>
-                  <a:ea typeface="돋움체" panose="020B0609000101010101" pitchFamily="49" charset="-127"/>
-                </a:rPr>
-                <a:t> temp = b;</a:t>
-              </a:r>
-            </a:p>
-            <a:p>
-              <a:r>
-                <a:rPr lang="en-US" altLang="ko-KR" sz="1300" dirty="0" smtClean="0">
-                  <a:solidFill>
-                    <a:srgbClr val="000000"/>
-                  </a:solidFill>
-                  <a:latin typeface="돋움체" panose="020B0609000101010101" pitchFamily="49" charset="-127"/>
-                  <a:ea typeface="돋움체" panose="020B0609000101010101" pitchFamily="49" charset="-127"/>
-                </a:rPr>
-                <a:t>    b = a;</a:t>
-              </a:r>
-            </a:p>
-            <a:p>
-              <a:r>
-                <a:rPr lang="en-US" altLang="ko-KR" sz="1300" dirty="0" smtClean="0">
-                  <a:solidFill>
-                    <a:srgbClr val="000000"/>
-                  </a:solidFill>
-                  <a:latin typeface="돋움체" panose="020B0609000101010101" pitchFamily="49" charset="-127"/>
-                  <a:ea typeface="돋움체" panose="020B0609000101010101" pitchFamily="49" charset="-127"/>
-                </a:rPr>
-                <a:t>    a = temp;</a:t>
-              </a:r>
-            </a:p>
-            <a:p>
-              <a:r>
-                <a:rPr lang="en-US" altLang="ko-KR" sz="1300" dirty="0" smtClean="0">
-                  <a:solidFill>
-                    <a:srgbClr val="000000"/>
-                  </a:solidFill>
-                  <a:latin typeface="돋움체" panose="020B0609000101010101" pitchFamily="49" charset="-127"/>
-                  <a:ea typeface="돋움체" panose="020B0609000101010101" pitchFamily="49" charset="-127"/>
-                </a:rPr>
-                <a:t>}</a:t>
-              </a:r>
-              <a:endParaRPr lang="en-US" altLang="ko-KR" sz="1300" dirty="0" smtClean="0">
-                <a:solidFill>
-                  <a:srgbClr val="000000"/>
-                </a:solidFill>
-                <a:latin typeface="돋움체" panose="020B0609000101010101" pitchFamily="49" charset="-127"/>
-                <a:ea typeface="돋움체" panose="020B0609000101010101" pitchFamily="49" charset="-127"/>
-              </a:endParaRPr>
-            </a:p>
-          </p:txBody>
-        </p:sp>
-        <p:sp>
-          <p:nvSpPr>
-            <p:cNvPr id="25" name="직사각형 24"/>
-            <p:cNvSpPr/>
-            <p:nvPr/>
-          </p:nvSpPr>
-          <p:spPr>
-            <a:xfrm>
-              <a:off x="926704" y="3101195"/>
-              <a:ext cx="6096000" cy="1492716"/>
-            </a:xfrm>
-            <a:prstGeom prst="rect">
-              <a:avLst/>
-            </a:prstGeom>
-          </p:spPr>
-          <p:txBody>
-            <a:bodyPr>
-              <a:spAutoFit/>
-            </a:bodyPr>
-            <a:lstStyle/>
-            <a:p>
-              <a:r>
-                <a:rPr lang="en-US" altLang="ko-KR" sz="1300" dirty="0" smtClean="0">
-                  <a:solidFill>
-                    <a:srgbClr val="0000FF"/>
-                  </a:solidFill>
-                  <a:latin typeface="돋움체" panose="020B0609000101010101" pitchFamily="49" charset="-127"/>
-                  <a:ea typeface="돋움체" panose="020B0609000101010101" pitchFamily="49" charset="-127"/>
-                </a:rPr>
-                <a:t>static</a:t>
-              </a:r>
-              <a:r>
-                <a:rPr lang="en-US" altLang="ko-KR" sz="1300" dirty="0" smtClean="0">
-                  <a:solidFill>
-                    <a:srgbClr val="000000"/>
-                  </a:solidFill>
-                  <a:latin typeface="돋움체" panose="020B0609000101010101" pitchFamily="49" charset="-127"/>
-                  <a:ea typeface="돋움체" panose="020B0609000101010101" pitchFamily="49" charset="-127"/>
-                </a:rPr>
-                <a:t> </a:t>
-              </a:r>
-              <a:r>
-                <a:rPr lang="en-US" altLang="ko-KR" sz="1300" dirty="0" smtClean="0">
-                  <a:solidFill>
-                    <a:srgbClr val="0000FF"/>
-                  </a:solidFill>
-                  <a:latin typeface="돋움체" panose="020B0609000101010101" pitchFamily="49" charset="-127"/>
-                  <a:ea typeface="돋움체" panose="020B0609000101010101" pitchFamily="49" charset="-127"/>
-                </a:rPr>
-                <a:t>void</a:t>
-              </a:r>
-              <a:r>
-                <a:rPr lang="en-US" altLang="ko-KR" sz="1300" dirty="0" smtClean="0">
-                  <a:solidFill>
-                    <a:srgbClr val="000000"/>
-                  </a:solidFill>
-                  <a:latin typeface="돋움체" panose="020B0609000101010101" pitchFamily="49" charset="-127"/>
-                  <a:ea typeface="돋움체" panose="020B0609000101010101" pitchFamily="49" charset="-127"/>
-                </a:rPr>
-                <a:t> Main(</a:t>
-              </a:r>
-              <a:r>
-                <a:rPr lang="en-US" altLang="ko-KR" sz="1300" dirty="0" smtClean="0">
-                  <a:solidFill>
-                    <a:srgbClr val="0000FF"/>
-                  </a:solidFill>
-                  <a:latin typeface="돋움체" panose="020B0609000101010101" pitchFamily="49" charset="-127"/>
-                  <a:ea typeface="돋움체" panose="020B0609000101010101" pitchFamily="49" charset="-127"/>
-                </a:rPr>
-                <a:t>string</a:t>
-              </a:r>
-              <a:r>
-                <a:rPr lang="en-US" altLang="ko-KR" sz="1300" dirty="0" smtClean="0">
-                  <a:solidFill>
-                    <a:srgbClr val="000000"/>
-                  </a:solidFill>
-                  <a:latin typeface="돋움체" panose="020B0609000101010101" pitchFamily="49" charset="-127"/>
-                  <a:ea typeface="돋움체" panose="020B0609000101010101" pitchFamily="49" charset="-127"/>
-                </a:rPr>
-                <a:t>[] </a:t>
-              </a:r>
-              <a:r>
-                <a:rPr lang="en-US" altLang="ko-KR" sz="1300" dirty="0" err="1" smtClean="0">
-                  <a:solidFill>
-                    <a:srgbClr val="000000"/>
-                  </a:solidFill>
-                  <a:latin typeface="돋움체" panose="020B0609000101010101" pitchFamily="49" charset="-127"/>
-                  <a:ea typeface="돋움체" panose="020B0609000101010101" pitchFamily="49" charset="-127"/>
-                </a:rPr>
-                <a:t>args</a:t>
-              </a:r>
-              <a:r>
-                <a:rPr lang="en-US" altLang="ko-KR" sz="1300" dirty="0" smtClean="0">
-                  <a:solidFill>
-                    <a:srgbClr val="000000"/>
-                  </a:solidFill>
-                  <a:latin typeface="돋움체" panose="020B0609000101010101" pitchFamily="49" charset="-127"/>
-                  <a:ea typeface="돋움체" panose="020B0609000101010101" pitchFamily="49" charset="-127"/>
-                </a:rPr>
-                <a:t>)</a:t>
-              </a:r>
-            </a:p>
-            <a:p>
-              <a:r>
-                <a:rPr lang="en-US" altLang="ko-KR" sz="1300" dirty="0" smtClean="0">
-                  <a:solidFill>
-                    <a:srgbClr val="000000"/>
-                  </a:solidFill>
-                  <a:latin typeface="돋움체" panose="020B0609000101010101" pitchFamily="49" charset="-127"/>
-                  <a:ea typeface="돋움체" panose="020B0609000101010101" pitchFamily="49" charset="-127"/>
-                </a:rPr>
-                <a:t>{</a:t>
-              </a:r>
-            </a:p>
-            <a:p>
-              <a:r>
-                <a:rPr lang="en-US" altLang="ko-KR" sz="1300" dirty="0" smtClean="0">
-                  <a:solidFill>
-                    <a:srgbClr val="000000"/>
-                  </a:solidFill>
-                  <a:latin typeface="돋움체" panose="020B0609000101010101" pitchFamily="49" charset="-127"/>
-                  <a:ea typeface="돋움체" panose="020B0609000101010101" pitchFamily="49" charset="-127"/>
-                </a:rPr>
-                <a:t>    </a:t>
-              </a:r>
-              <a:r>
-                <a:rPr lang="en-US" altLang="ko-KR" sz="1300" dirty="0" err="1" smtClean="0">
-                  <a:solidFill>
-                    <a:srgbClr val="0000FF"/>
-                  </a:solidFill>
-                  <a:latin typeface="돋움체" panose="020B0609000101010101" pitchFamily="49" charset="-127"/>
-                  <a:ea typeface="돋움체" panose="020B0609000101010101" pitchFamily="49" charset="-127"/>
-                </a:rPr>
-                <a:t>int</a:t>
-              </a:r>
-              <a:r>
-                <a:rPr lang="en-US" altLang="ko-KR" sz="1300" dirty="0" smtClean="0">
-                  <a:solidFill>
-                    <a:srgbClr val="000000"/>
-                  </a:solidFill>
-                  <a:latin typeface="돋움체" panose="020B0609000101010101" pitchFamily="49" charset="-127"/>
-                  <a:ea typeface="돋움체" panose="020B0609000101010101" pitchFamily="49" charset="-127"/>
-                </a:rPr>
-                <a:t> x = 3;</a:t>
-              </a:r>
-            </a:p>
-            <a:p>
-              <a:r>
-                <a:rPr lang="en-US" altLang="ko-KR" sz="1300" dirty="0" smtClean="0">
-                  <a:solidFill>
-                    <a:srgbClr val="000000"/>
-                  </a:solidFill>
-                  <a:latin typeface="돋움체" panose="020B0609000101010101" pitchFamily="49" charset="-127"/>
-                  <a:ea typeface="돋움체" panose="020B0609000101010101" pitchFamily="49" charset="-127"/>
-                </a:rPr>
-                <a:t>    </a:t>
-              </a:r>
-              <a:r>
-                <a:rPr lang="en-US" altLang="ko-KR" sz="1300" dirty="0" err="1" smtClean="0">
-                  <a:solidFill>
-                    <a:srgbClr val="0000FF"/>
-                  </a:solidFill>
-                  <a:latin typeface="돋움체" panose="020B0609000101010101" pitchFamily="49" charset="-127"/>
-                  <a:ea typeface="돋움체" panose="020B0609000101010101" pitchFamily="49" charset="-127"/>
-                </a:rPr>
-                <a:t>int</a:t>
-              </a:r>
-              <a:r>
-                <a:rPr lang="en-US" altLang="ko-KR" sz="1300" dirty="0" smtClean="0">
-                  <a:solidFill>
-                    <a:srgbClr val="000000"/>
-                  </a:solidFill>
-                  <a:latin typeface="돋움체" panose="020B0609000101010101" pitchFamily="49" charset="-127"/>
-                  <a:ea typeface="돋움체" panose="020B0609000101010101" pitchFamily="49" charset="-127"/>
-                </a:rPr>
-                <a:t> y = 4;</a:t>
-              </a:r>
-            </a:p>
-            <a:p>
-              <a:endParaRPr lang="ko-KR" altLang="en-US" sz="1300" dirty="0" smtClean="0">
-                <a:solidFill>
-                  <a:srgbClr val="000000"/>
-                </a:solidFill>
-                <a:latin typeface="돋움체" panose="020B0609000101010101" pitchFamily="49" charset="-127"/>
-                <a:ea typeface="돋움체" panose="020B0609000101010101" pitchFamily="49" charset="-127"/>
-              </a:endParaRPr>
-            </a:p>
-            <a:p>
-              <a:r>
-                <a:rPr lang="en-US" altLang="ko-KR" sz="1300" dirty="0" smtClean="0">
-                  <a:solidFill>
-                    <a:srgbClr val="000000"/>
-                  </a:solidFill>
-                  <a:latin typeface="돋움체" panose="020B0609000101010101" pitchFamily="49" charset="-127"/>
-                  <a:ea typeface="돋움체" panose="020B0609000101010101" pitchFamily="49" charset="-127"/>
-                </a:rPr>
-                <a:t>    Swap(ref x, ref y);</a:t>
-              </a:r>
-            </a:p>
-            <a:p>
-              <a:r>
-                <a:rPr lang="en-US" altLang="ko-KR" sz="1300" dirty="0" smtClean="0">
-                  <a:solidFill>
-                    <a:srgbClr val="000000"/>
-                  </a:solidFill>
-                  <a:latin typeface="돋움체" panose="020B0609000101010101" pitchFamily="49" charset="-127"/>
-                  <a:ea typeface="돋움체" panose="020B0609000101010101" pitchFamily="49" charset="-127"/>
-                </a:rPr>
-                <a:t>}</a:t>
-              </a:r>
-              <a:endParaRPr lang="ko-KR" altLang="en-US" sz="1300" dirty="0"/>
-            </a:p>
-          </p:txBody>
-        </p:sp>
-      </p:grpSp>
+          <a:prstGeom prst="rect">
+            <a:avLst/>
+          </a:prstGeom>
+        </p:spPr>
+        <p:txBody>
+          <a:bodyPr>
+            <a:spAutoFit/>
+          </a:bodyPr>
+          <a:lstStyle/>
+          <a:p>
+            <a:r>
+              <a:rPr lang="en-US" altLang="ko-KR" sz="1400" dirty="0">
+                <a:solidFill>
+                  <a:srgbClr val="0000FF"/>
+                </a:solidFill>
+                <a:latin typeface="돋움체" panose="020B0609000101010101" pitchFamily="49" charset="-127"/>
+                <a:ea typeface="돋움체" panose="020B0609000101010101" pitchFamily="49" charset="-127"/>
+              </a:rPr>
+              <a:t>class</a:t>
+            </a:r>
+            <a:r>
+              <a:rPr lang="en-US" altLang="ko-KR" sz="1400" dirty="0">
+                <a:solidFill>
+                  <a:srgbClr val="000000"/>
+                </a:solidFill>
+                <a:latin typeface="돋움체" panose="020B0609000101010101" pitchFamily="49" charset="-127"/>
+                <a:ea typeface="돋움체" panose="020B0609000101010101" pitchFamily="49" charset="-127"/>
+              </a:rPr>
+              <a:t> </a:t>
+            </a:r>
+            <a:r>
+              <a:rPr lang="en-US" altLang="ko-KR" sz="1400" dirty="0" err="1">
+                <a:solidFill>
+                  <a:srgbClr val="2B91AF"/>
+                </a:solidFill>
+                <a:latin typeface="돋움체" panose="020B0609000101010101" pitchFamily="49" charset="-127"/>
+                <a:ea typeface="돋움체" panose="020B0609000101010101" pitchFamily="49" charset="-127"/>
+              </a:rPr>
+              <a:t>SomeClass</a:t>
+            </a:r>
+            <a:endParaRPr lang="en-US" altLang="ko-KR" sz="1400" dirty="0">
+              <a:solidFill>
+                <a:srgbClr val="000000"/>
+              </a:solidFill>
+              <a:latin typeface="돋움체" panose="020B0609000101010101" pitchFamily="49" charset="-127"/>
+              <a:ea typeface="돋움체" panose="020B0609000101010101" pitchFamily="49" charset="-127"/>
+            </a:endParaRPr>
+          </a:p>
+          <a:p>
+            <a:r>
+              <a:rPr lang="en-US" altLang="ko-KR" sz="1400" dirty="0">
+                <a:solidFill>
+                  <a:srgbClr val="000000"/>
+                </a:solidFill>
+                <a:latin typeface="돋움체" panose="020B0609000101010101" pitchFamily="49" charset="-127"/>
+                <a:ea typeface="돋움체" panose="020B0609000101010101" pitchFamily="49" charset="-127"/>
+              </a:rPr>
+              <a:t>{</a:t>
+            </a:r>
+          </a:p>
+          <a:p>
+            <a:r>
+              <a:rPr lang="en-US" altLang="ko-KR" sz="1400" dirty="0">
+                <a:solidFill>
+                  <a:srgbClr val="000000"/>
+                </a:solidFill>
+                <a:latin typeface="돋움체" panose="020B0609000101010101" pitchFamily="49" charset="-127"/>
+                <a:ea typeface="돋움체" panose="020B0609000101010101" pitchFamily="49" charset="-127"/>
+              </a:rPr>
+              <a:t>    </a:t>
+            </a:r>
+            <a:r>
+              <a:rPr lang="en-US" altLang="ko-KR" sz="1400" dirty="0" err="1">
+                <a:solidFill>
+                  <a:srgbClr val="0000FF"/>
+                </a:solidFill>
+                <a:latin typeface="돋움체" panose="020B0609000101010101" pitchFamily="49" charset="-127"/>
+                <a:ea typeface="돋움체" panose="020B0609000101010101" pitchFamily="49" charset="-127"/>
+              </a:rPr>
+              <a:t>int</a:t>
+            </a:r>
+            <a:r>
+              <a:rPr lang="en-US" altLang="ko-KR" sz="1400" dirty="0">
+                <a:solidFill>
+                  <a:srgbClr val="000000"/>
+                </a:solidFill>
+                <a:latin typeface="돋움체" panose="020B0609000101010101" pitchFamily="49" charset="-127"/>
+                <a:ea typeface="돋움체" panose="020B0609000101010101" pitchFamily="49" charset="-127"/>
+              </a:rPr>
+              <a:t> </a:t>
+            </a:r>
+            <a:r>
+              <a:rPr lang="en-US" altLang="ko-KR" sz="1400" dirty="0" err="1">
+                <a:solidFill>
+                  <a:srgbClr val="000000"/>
+                </a:solidFill>
+                <a:latin typeface="돋움체" panose="020B0609000101010101" pitchFamily="49" charset="-127"/>
+                <a:ea typeface="돋움체" panose="020B0609000101010101" pitchFamily="49" charset="-127"/>
+              </a:rPr>
+              <a:t>SomeValue</a:t>
+            </a:r>
+            <a:r>
+              <a:rPr lang="en-US" altLang="ko-KR" sz="1400" dirty="0">
+                <a:solidFill>
+                  <a:srgbClr val="000000"/>
+                </a:solidFill>
+                <a:latin typeface="돋움체" panose="020B0609000101010101" pitchFamily="49" charset="-127"/>
+                <a:ea typeface="돋움체" panose="020B0609000101010101" pitchFamily="49" charset="-127"/>
+              </a:rPr>
+              <a:t> = 10;</a:t>
+            </a:r>
+          </a:p>
+          <a:p>
+            <a:endParaRPr lang="ko-KR" altLang="en-US" sz="1400" dirty="0">
+              <a:solidFill>
+                <a:srgbClr val="000000"/>
+              </a:solidFill>
+              <a:latin typeface="돋움체" panose="020B0609000101010101" pitchFamily="49" charset="-127"/>
+              <a:ea typeface="돋움체" panose="020B0609000101010101" pitchFamily="49" charset="-127"/>
+            </a:endParaRPr>
+          </a:p>
+          <a:p>
+            <a:r>
+              <a:rPr lang="en-US" altLang="ko-KR" sz="1400" dirty="0">
+                <a:solidFill>
+                  <a:srgbClr val="000000"/>
+                </a:solidFill>
+                <a:latin typeface="돋움체" panose="020B0609000101010101" pitchFamily="49" charset="-127"/>
+                <a:ea typeface="돋움체" panose="020B0609000101010101" pitchFamily="49" charset="-127"/>
+              </a:rPr>
+              <a:t>    </a:t>
+            </a:r>
+            <a:r>
+              <a:rPr lang="en-US" altLang="ko-KR" sz="1400" dirty="0">
+                <a:solidFill>
+                  <a:srgbClr val="0000FF"/>
+                </a:solidFill>
+                <a:latin typeface="돋움체" panose="020B0609000101010101" pitchFamily="49" charset="-127"/>
+                <a:ea typeface="돋움체" panose="020B0609000101010101" pitchFamily="49" charset="-127"/>
+              </a:rPr>
+              <a:t>public</a:t>
+            </a:r>
+            <a:r>
+              <a:rPr lang="en-US" altLang="ko-KR" sz="1400" dirty="0">
+                <a:solidFill>
+                  <a:srgbClr val="000000"/>
+                </a:solidFill>
+                <a:latin typeface="돋움체" panose="020B0609000101010101" pitchFamily="49" charset="-127"/>
+                <a:ea typeface="돋움체" panose="020B0609000101010101" pitchFamily="49" charset="-127"/>
+              </a:rPr>
+              <a:t> </a:t>
+            </a:r>
+            <a:r>
+              <a:rPr lang="en-US" altLang="ko-KR" sz="1400" dirty="0">
+                <a:solidFill>
+                  <a:srgbClr val="0000FF"/>
+                </a:solidFill>
+                <a:latin typeface="돋움체" panose="020B0609000101010101" pitchFamily="49" charset="-127"/>
+                <a:ea typeface="돋움체" panose="020B0609000101010101" pitchFamily="49" charset="-127"/>
+              </a:rPr>
+              <a:t>ref</a:t>
+            </a:r>
+            <a:r>
+              <a:rPr lang="en-US" altLang="ko-KR" sz="1400" dirty="0">
+                <a:solidFill>
+                  <a:srgbClr val="000000"/>
+                </a:solidFill>
+                <a:latin typeface="돋움체" panose="020B0609000101010101" pitchFamily="49" charset="-127"/>
+                <a:ea typeface="돋움체" panose="020B0609000101010101" pitchFamily="49" charset="-127"/>
+              </a:rPr>
+              <a:t> </a:t>
+            </a:r>
+            <a:r>
+              <a:rPr lang="en-US" altLang="ko-KR" sz="1400" dirty="0" err="1">
+                <a:solidFill>
+                  <a:srgbClr val="0000FF"/>
+                </a:solidFill>
+                <a:latin typeface="돋움체" panose="020B0609000101010101" pitchFamily="49" charset="-127"/>
+                <a:ea typeface="돋움체" panose="020B0609000101010101" pitchFamily="49" charset="-127"/>
+              </a:rPr>
+              <a:t>int</a:t>
+            </a:r>
+            <a:r>
+              <a:rPr lang="en-US" altLang="ko-KR" sz="1400" dirty="0">
+                <a:solidFill>
+                  <a:srgbClr val="000000"/>
+                </a:solidFill>
+                <a:latin typeface="돋움체" panose="020B0609000101010101" pitchFamily="49" charset="-127"/>
+                <a:ea typeface="돋움체" panose="020B0609000101010101" pitchFamily="49" charset="-127"/>
+              </a:rPr>
+              <a:t> </a:t>
+            </a:r>
+            <a:r>
+              <a:rPr lang="en-US" altLang="ko-KR" sz="1400" dirty="0" err="1">
+                <a:solidFill>
+                  <a:srgbClr val="000000"/>
+                </a:solidFill>
+                <a:latin typeface="돋움체" panose="020B0609000101010101" pitchFamily="49" charset="-127"/>
+                <a:ea typeface="돋움체" panose="020B0609000101010101" pitchFamily="49" charset="-127"/>
+              </a:rPr>
+              <a:t>SomeMethod</a:t>
+            </a:r>
+            <a:r>
+              <a:rPr lang="en-US" altLang="ko-KR" sz="1400" dirty="0">
+                <a:solidFill>
+                  <a:srgbClr val="000000"/>
+                </a:solidFill>
+                <a:latin typeface="돋움체" panose="020B0609000101010101" pitchFamily="49" charset="-127"/>
+                <a:ea typeface="돋움체" panose="020B0609000101010101" pitchFamily="49" charset="-127"/>
+              </a:rPr>
+              <a:t>()</a:t>
+            </a:r>
+          </a:p>
+          <a:p>
+            <a:r>
+              <a:rPr lang="ko-KR" altLang="en-US" sz="1400" dirty="0">
+                <a:solidFill>
+                  <a:srgbClr val="000000"/>
+                </a:solidFill>
+                <a:latin typeface="돋움체" panose="020B0609000101010101" pitchFamily="49" charset="-127"/>
+                <a:ea typeface="돋움체" panose="020B0609000101010101" pitchFamily="49" charset="-127"/>
+              </a:rPr>
+              <a:t>    </a:t>
+            </a:r>
+            <a:r>
+              <a:rPr lang="en-US" altLang="ko-KR" sz="1400" dirty="0">
+                <a:solidFill>
+                  <a:srgbClr val="000000"/>
+                </a:solidFill>
+                <a:latin typeface="돋움체" panose="020B0609000101010101" pitchFamily="49" charset="-127"/>
+                <a:ea typeface="돋움체" panose="020B0609000101010101" pitchFamily="49" charset="-127"/>
+              </a:rPr>
+              <a:t>{</a:t>
+            </a:r>
+          </a:p>
+          <a:p>
+            <a:r>
+              <a:rPr lang="en-US" altLang="ko-KR" sz="1400" dirty="0">
+                <a:solidFill>
+                  <a:srgbClr val="000000"/>
+                </a:solidFill>
+                <a:latin typeface="돋움체" panose="020B0609000101010101" pitchFamily="49" charset="-127"/>
+                <a:ea typeface="돋움체" panose="020B0609000101010101" pitchFamily="49" charset="-127"/>
+              </a:rPr>
+              <a:t>        </a:t>
+            </a:r>
+            <a:r>
+              <a:rPr lang="en-US" altLang="ko-KR" sz="1400" dirty="0">
+                <a:solidFill>
+                  <a:srgbClr val="0000FF"/>
+                </a:solidFill>
+                <a:latin typeface="돋움체" panose="020B0609000101010101" pitchFamily="49" charset="-127"/>
+                <a:ea typeface="돋움체" panose="020B0609000101010101" pitchFamily="49" charset="-127"/>
+              </a:rPr>
+              <a:t>return</a:t>
+            </a:r>
+            <a:r>
+              <a:rPr lang="en-US" altLang="ko-KR" sz="1400" dirty="0">
+                <a:solidFill>
+                  <a:srgbClr val="000000"/>
+                </a:solidFill>
+                <a:latin typeface="돋움체" panose="020B0609000101010101" pitchFamily="49" charset="-127"/>
+                <a:ea typeface="돋움체" panose="020B0609000101010101" pitchFamily="49" charset="-127"/>
+              </a:rPr>
+              <a:t> </a:t>
+            </a:r>
+            <a:r>
+              <a:rPr lang="en-US" altLang="ko-KR" sz="1400" dirty="0">
+                <a:solidFill>
+                  <a:srgbClr val="0000FF"/>
+                </a:solidFill>
+                <a:latin typeface="돋움체" panose="020B0609000101010101" pitchFamily="49" charset="-127"/>
+                <a:ea typeface="돋움체" panose="020B0609000101010101" pitchFamily="49" charset="-127"/>
+              </a:rPr>
+              <a:t>ref</a:t>
+            </a:r>
+            <a:r>
+              <a:rPr lang="en-US" altLang="ko-KR" sz="1400" dirty="0">
+                <a:solidFill>
+                  <a:srgbClr val="000000"/>
+                </a:solidFill>
+                <a:latin typeface="돋움체" panose="020B0609000101010101" pitchFamily="49" charset="-127"/>
+                <a:ea typeface="돋움체" panose="020B0609000101010101" pitchFamily="49" charset="-127"/>
+              </a:rPr>
+              <a:t> </a:t>
+            </a:r>
+            <a:r>
+              <a:rPr lang="en-US" altLang="ko-KR" sz="1400" dirty="0" err="1">
+                <a:solidFill>
+                  <a:srgbClr val="000000"/>
+                </a:solidFill>
+                <a:latin typeface="돋움체" panose="020B0609000101010101" pitchFamily="49" charset="-127"/>
+                <a:ea typeface="돋움체" panose="020B0609000101010101" pitchFamily="49" charset="-127"/>
+              </a:rPr>
+              <a:t>SomeValue</a:t>
+            </a:r>
+            <a:r>
+              <a:rPr lang="en-US" altLang="ko-KR" sz="1400" dirty="0">
+                <a:solidFill>
+                  <a:srgbClr val="000000"/>
+                </a:solidFill>
+                <a:latin typeface="돋움체" panose="020B0609000101010101" pitchFamily="49" charset="-127"/>
+                <a:ea typeface="돋움체" panose="020B0609000101010101" pitchFamily="49" charset="-127"/>
+              </a:rPr>
+              <a:t>;</a:t>
+            </a:r>
+          </a:p>
+          <a:p>
+            <a:r>
+              <a:rPr lang="ko-KR" altLang="en-US" sz="1400" dirty="0">
+                <a:solidFill>
+                  <a:srgbClr val="000000"/>
+                </a:solidFill>
+                <a:latin typeface="돋움체" panose="020B0609000101010101" pitchFamily="49" charset="-127"/>
+                <a:ea typeface="돋움체" panose="020B0609000101010101" pitchFamily="49" charset="-127"/>
+              </a:rPr>
+              <a:t>    </a:t>
+            </a:r>
+            <a:r>
+              <a:rPr lang="en-US" altLang="ko-KR" sz="1400" dirty="0">
+                <a:solidFill>
+                  <a:srgbClr val="000000"/>
+                </a:solidFill>
+                <a:latin typeface="돋움체" panose="020B0609000101010101" pitchFamily="49" charset="-127"/>
+                <a:ea typeface="돋움체" panose="020B0609000101010101" pitchFamily="49" charset="-127"/>
+              </a:rPr>
+              <a:t>}</a:t>
+            </a:r>
+          </a:p>
+          <a:p>
+            <a:r>
+              <a:rPr lang="en-US" altLang="ko-KR" sz="1400" dirty="0" smtClean="0">
+                <a:solidFill>
+                  <a:srgbClr val="000000"/>
+                </a:solidFill>
+                <a:latin typeface="돋움체" panose="020B0609000101010101" pitchFamily="49" charset="-127"/>
+                <a:ea typeface="돋움체" panose="020B0609000101010101" pitchFamily="49" charset="-127"/>
+              </a:rPr>
+              <a:t>}</a:t>
+            </a:r>
+          </a:p>
+          <a:p>
+            <a:endParaRPr lang="en-US" altLang="ko-KR" sz="1400" dirty="0" smtClean="0">
+              <a:solidFill>
+                <a:srgbClr val="000000"/>
+              </a:solidFill>
+              <a:latin typeface="돋움체" panose="020B0609000101010101" pitchFamily="49" charset="-127"/>
+              <a:ea typeface="돋움체" panose="020B0609000101010101" pitchFamily="49" charset="-127"/>
+            </a:endParaRPr>
+          </a:p>
+          <a:p>
+            <a:endParaRPr lang="en-US" altLang="ko-KR" sz="1400" dirty="0">
+              <a:solidFill>
+                <a:srgbClr val="000000"/>
+              </a:solidFill>
+              <a:latin typeface="돋움체" panose="020B0609000101010101" pitchFamily="49" charset="-127"/>
+              <a:ea typeface="돋움체" panose="020B0609000101010101" pitchFamily="49" charset="-127"/>
+            </a:endParaRPr>
+          </a:p>
+          <a:p>
+            <a:r>
+              <a:rPr lang="en-US" altLang="ko-KR" sz="1400" dirty="0" err="1">
+                <a:solidFill>
+                  <a:srgbClr val="000000"/>
+                </a:solidFill>
+                <a:latin typeface="돋움체" panose="020B0609000101010101" pitchFamily="49" charset="-127"/>
+                <a:ea typeface="돋움체" panose="020B0609000101010101" pitchFamily="49" charset="-127"/>
+              </a:rPr>
+              <a:t>SomeClass</a:t>
+            </a:r>
+            <a:r>
+              <a:rPr lang="en-US" altLang="ko-KR" sz="1400" dirty="0">
+                <a:solidFill>
+                  <a:srgbClr val="000000"/>
+                </a:solidFill>
+                <a:latin typeface="돋움체" panose="020B0609000101010101" pitchFamily="49" charset="-127"/>
+                <a:ea typeface="돋움체" panose="020B0609000101010101" pitchFamily="49" charset="-127"/>
+              </a:rPr>
+              <a:t> </a:t>
+            </a:r>
+            <a:r>
+              <a:rPr lang="en-US" altLang="ko-KR" sz="1400" dirty="0" err="1">
+                <a:solidFill>
+                  <a:srgbClr val="000000"/>
+                </a:solidFill>
+                <a:latin typeface="돋움체" panose="020B0609000101010101" pitchFamily="49" charset="-127"/>
+                <a:ea typeface="돋움체" panose="020B0609000101010101" pitchFamily="49" charset="-127"/>
+              </a:rPr>
+              <a:t>obj</a:t>
+            </a:r>
+            <a:r>
+              <a:rPr lang="en-US" altLang="ko-KR" sz="1400" dirty="0">
+                <a:solidFill>
+                  <a:srgbClr val="000000"/>
+                </a:solidFill>
+                <a:latin typeface="돋움체" panose="020B0609000101010101" pitchFamily="49" charset="-127"/>
+                <a:ea typeface="돋움체" panose="020B0609000101010101" pitchFamily="49" charset="-127"/>
+              </a:rPr>
+              <a:t> = </a:t>
+            </a:r>
+            <a:r>
+              <a:rPr lang="en-US" altLang="ko-KR" sz="1400" dirty="0">
+                <a:solidFill>
+                  <a:srgbClr val="0000FF"/>
+                </a:solidFill>
+                <a:latin typeface="돋움체" panose="020B0609000101010101" pitchFamily="49" charset="-127"/>
+                <a:ea typeface="돋움체" panose="020B0609000101010101" pitchFamily="49" charset="-127"/>
+              </a:rPr>
+              <a:t>new</a:t>
+            </a:r>
+            <a:r>
+              <a:rPr lang="en-US" altLang="ko-KR" sz="1400" dirty="0">
+                <a:solidFill>
+                  <a:srgbClr val="000000"/>
+                </a:solidFill>
+                <a:latin typeface="돋움체" panose="020B0609000101010101" pitchFamily="49" charset="-127"/>
+                <a:ea typeface="돋움체" panose="020B0609000101010101" pitchFamily="49" charset="-127"/>
+              </a:rPr>
+              <a:t> </a:t>
+            </a:r>
+            <a:r>
+              <a:rPr lang="en-US" altLang="ko-KR" sz="1400" dirty="0" err="1">
+                <a:solidFill>
+                  <a:srgbClr val="000000"/>
+                </a:solidFill>
+                <a:latin typeface="돋움체" panose="020B0609000101010101" pitchFamily="49" charset="-127"/>
+                <a:ea typeface="돋움체" panose="020B0609000101010101" pitchFamily="49" charset="-127"/>
+              </a:rPr>
+              <a:t>SomeClass</a:t>
+            </a:r>
+            <a:r>
+              <a:rPr lang="en-US" altLang="ko-KR" sz="1400" dirty="0">
+                <a:solidFill>
+                  <a:srgbClr val="000000"/>
+                </a:solidFill>
+                <a:latin typeface="돋움체" panose="020B0609000101010101" pitchFamily="49" charset="-127"/>
+                <a:ea typeface="돋움체" panose="020B0609000101010101" pitchFamily="49" charset="-127"/>
+              </a:rPr>
+              <a:t>();</a:t>
+            </a:r>
+          </a:p>
+          <a:p>
+            <a:r>
+              <a:rPr lang="en-US" altLang="ko-KR" sz="1400" dirty="0" err="1">
+                <a:solidFill>
+                  <a:srgbClr val="0000FF"/>
+                </a:solidFill>
+                <a:latin typeface="돋움체" panose="020B0609000101010101" pitchFamily="49" charset="-127"/>
+                <a:ea typeface="돋움체" panose="020B0609000101010101" pitchFamily="49" charset="-127"/>
+              </a:rPr>
+              <a:t>int</a:t>
+            </a:r>
+            <a:r>
+              <a:rPr lang="en-US" altLang="ko-KR" sz="1400" dirty="0">
+                <a:solidFill>
+                  <a:srgbClr val="000000"/>
+                </a:solidFill>
+                <a:latin typeface="돋움체" panose="020B0609000101010101" pitchFamily="49" charset="-127"/>
+                <a:ea typeface="돋움체" panose="020B0609000101010101" pitchFamily="49" charset="-127"/>
+              </a:rPr>
+              <a:t> result = </a:t>
+            </a:r>
+            <a:r>
+              <a:rPr lang="en-US" altLang="ko-KR" sz="1400" dirty="0" err="1">
+                <a:solidFill>
+                  <a:srgbClr val="0000FF"/>
+                </a:solidFill>
+                <a:latin typeface="돋움체" panose="020B0609000101010101" pitchFamily="49" charset="-127"/>
+                <a:ea typeface="돋움체" panose="020B0609000101010101" pitchFamily="49" charset="-127"/>
+              </a:rPr>
+              <a:t>object</a:t>
+            </a:r>
+            <a:r>
+              <a:rPr lang="en-US" altLang="ko-KR" sz="1400" dirty="0" err="1">
+                <a:solidFill>
+                  <a:srgbClr val="000000"/>
+                </a:solidFill>
+                <a:latin typeface="돋움체" panose="020B0609000101010101" pitchFamily="49" charset="-127"/>
+                <a:ea typeface="돋움체" panose="020B0609000101010101" pitchFamily="49" charset="-127"/>
+              </a:rPr>
+              <a:t>.SomeMethod</a:t>
+            </a:r>
+            <a:r>
+              <a:rPr lang="en-US" altLang="ko-KR" sz="1400" dirty="0">
+                <a:solidFill>
+                  <a:srgbClr val="000000"/>
+                </a:solidFill>
+                <a:latin typeface="돋움체" panose="020B0609000101010101" pitchFamily="49" charset="-127"/>
+                <a:ea typeface="돋움체" panose="020B0609000101010101" pitchFamily="49" charset="-127"/>
+              </a:rPr>
+              <a:t>();</a:t>
+            </a:r>
+          </a:p>
+        </p:txBody>
+      </p:sp>
     </p:spTree>
     <p:extLst>
       <p:ext uri="{BB962C8B-B14F-4D97-AF65-F5344CB8AC3E}">
         <p14:creationId xmlns:p14="http://schemas.microsoft.com/office/powerpoint/2010/main" val="3928812462"/>
+      </p:ext>
+    </p:extLst>
+  </p:cSld>
+  <p:clrMapOvr>
+    <a:masterClrMapping/>
+  </p:clrMapOvr>
+  <p:timing>
+    <p:tnLst>
+      <p:par>
+        <p:cTn id="1" dur="indefinite" restart="never" nodeType="tmRoot"/>
+      </p:par>
+    </p:tnLst>
+  </p:timing>
+</p:sld>
+</file>
+
+<file path=ppt/slides/slide6.xml><?xml version="1.0" encoding="utf-8"?>
+<p:sld xmlns:a="http://schemas.openxmlformats.org/drawingml/2006/main" xmlns:r="http://schemas.openxmlformats.org/officeDocument/2006/relationships" xmlns:p="http://schemas.openxmlformats.org/presentationml/2006/main">
+  <p:cSld>
+    <p:spTree>
+      <p:nvGrpSpPr>
+        <p:cNvPr id="1" name=""/>
+        <p:cNvGrpSpPr/>
+        <p:nvPr/>
+      </p:nvGrpSpPr>
+      <p:grpSpPr>
+        <a:xfrm>
+          <a:off x="0" y="0"/>
+          <a:ext cx="0" cy="0"/>
+          <a:chOff x="0" y="0"/>
+          <a:chExt cx="0" cy="0"/>
+        </a:xfrm>
+      </p:grpSpPr>
+      <p:sp>
+        <p:nvSpPr>
+          <p:cNvPr id="4" name="TextBox 3"/>
+          <p:cNvSpPr txBox="1"/>
+          <p:nvPr/>
+        </p:nvSpPr>
+        <p:spPr>
+          <a:xfrm>
+            <a:off x="293299" y="327804"/>
+            <a:ext cx="2811988" cy="400110"/>
+          </a:xfrm>
+          <a:prstGeom prst="rect">
+            <a:avLst/>
+          </a:prstGeom>
+          <a:noFill/>
+        </p:spPr>
+        <p:txBody>
+          <a:bodyPr wrap="none" rtlCol="0">
+            <a:spAutoFit/>
+          </a:bodyPr>
+          <a:lstStyle/>
+          <a:p>
+            <a:r>
+              <a:rPr lang="en-US" altLang="ko-KR" sz="2000" b="1" dirty="0"/>
+              <a:t>6</a:t>
+            </a:r>
+            <a:r>
+              <a:rPr lang="en-US" altLang="ko-KR" sz="2000" b="1" dirty="0" smtClean="0"/>
+              <a:t>. </a:t>
+            </a:r>
+            <a:r>
+              <a:rPr lang="ko-KR" altLang="en-US" sz="2000" b="1" dirty="0" smtClean="0"/>
+              <a:t>출력 전용 매개 변수</a:t>
+            </a:r>
+            <a:endParaRPr lang="ko-KR" altLang="en-US" sz="2000" b="1" dirty="0"/>
+          </a:p>
+        </p:txBody>
+      </p:sp>
+      <p:sp>
+        <p:nvSpPr>
+          <p:cNvPr id="24" name="직사각형 23"/>
+          <p:cNvSpPr/>
+          <p:nvPr/>
+        </p:nvSpPr>
+        <p:spPr>
+          <a:xfrm>
+            <a:off x="989162" y="2427387"/>
+            <a:ext cx="6096000" cy="4185761"/>
+          </a:xfrm>
+          <a:prstGeom prst="rect">
+            <a:avLst/>
+          </a:prstGeom>
+        </p:spPr>
+        <p:txBody>
+          <a:bodyPr>
+            <a:spAutoFit/>
+          </a:bodyPr>
+          <a:lstStyle/>
+          <a:p>
+            <a:r>
+              <a:rPr lang="en-US" altLang="ko-KR" sz="1400" dirty="0">
+                <a:solidFill>
+                  <a:srgbClr val="0000FF"/>
+                </a:solidFill>
+                <a:latin typeface="돋움체" panose="020B0609000101010101" pitchFamily="49" charset="-127"/>
+                <a:ea typeface="돋움체" panose="020B0609000101010101" pitchFamily="49" charset="-127"/>
+              </a:rPr>
+              <a:t>void</a:t>
+            </a:r>
+            <a:r>
+              <a:rPr lang="en-US" altLang="ko-KR" sz="1400" dirty="0">
+                <a:solidFill>
+                  <a:srgbClr val="000000"/>
+                </a:solidFill>
+                <a:latin typeface="돋움체" panose="020B0609000101010101" pitchFamily="49" charset="-127"/>
+                <a:ea typeface="돋움체" panose="020B0609000101010101" pitchFamily="49" charset="-127"/>
+              </a:rPr>
+              <a:t> Divide(</a:t>
+            </a:r>
+            <a:r>
+              <a:rPr lang="en-US" altLang="ko-KR" sz="1400" dirty="0" err="1">
+                <a:solidFill>
+                  <a:srgbClr val="0000FF"/>
+                </a:solidFill>
+                <a:latin typeface="돋움체" panose="020B0609000101010101" pitchFamily="49" charset="-127"/>
+                <a:ea typeface="돋움체" panose="020B0609000101010101" pitchFamily="49" charset="-127"/>
+              </a:rPr>
+              <a:t>int</a:t>
+            </a:r>
+            <a:r>
+              <a:rPr lang="en-US" altLang="ko-KR" sz="1400" dirty="0">
+                <a:solidFill>
+                  <a:srgbClr val="000000"/>
+                </a:solidFill>
+                <a:latin typeface="돋움체" panose="020B0609000101010101" pitchFamily="49" charset="-127"/>
+                <a:ea typeface="돋움체" panose="020B0609000101010101" pitchFamily="49" charset="-127"/>
+              </a:rPr>
+              <a:t> a, </a:t>
+            </a:r>
+            <a:r>
+              <a:rPr lang="en-US" altLang="ko-KR" sz="1400" dirty="0" err="1">
+                <a:solidFill>
+                  <a:srgbClr val="0000FF"/>
+                </a:solidFill>
+                <a:latin typeface="돋움체" panose="020B0609000101010101" pitchFamily="49" charset="-127"/>
+                <a:ea typeface="돋움체" panose="020B0609000101010101" pitchFamily="49" charset="-127"/>
+              </a:rPr>
+              <a:t>int</a:t>
+            </a:r>
+            <a:r>
+              <a:rPr lang="en-US" altLang="ko-KR" sz="1400" dirty="0">
+                <a:solidFill>
+                  <a:srgbClr val="000000"/>
+                </a:solidFill>
+                <a:latin typeface="돋움체" panose="020B0609000101010101" pitchFamily="49" charset="-127"/>
+                <a:ea typeface="돋움체" panose="020B0609000101010101" pitchFamily="49" charset="-127"/>
+              </a:rPr>
+              <a:t> b, </a:t>
+            </a:r>
+            <a:r>
+              <a:rPr lang="en-US" altLang="ko-KR" sz="1400" dirty="0">
+                <a:solidFill>
+                  <a:srgbClr val="0000FF"/>
+                </a:solidFill>
+                <a:latin typeface="돋움체" panose="020B0609000101010101" pitchFamily="49" charset="-127"/>
+                <a:ea typeface="돋움체" panose="020B0609000101010101" pitchFamily="49" charset="-127"/>
+              </a:rPr>
+              <a:t>ref</a:t>
+            </a:r>
+            <a:r>
+              <a:rPr lang="en-US" altLang="ko-KR" sz="1400" dirty="0">
+                <a:solidFill>
+                  <a:srgbClr val="000000"/>
+                </a:solidFill>
+                <a:latin typeface="돋움체" panose="020B0609000101010101" pitchFamily="49" charset="-127"/>
+                <a:ea typeface="돋움체" panose="020B0609000101010101" pitchFamily="49" charset="-127"/>
+              </a:rPr>
+              <a:t> </a:t>
+            </a:r>
+            <a:r>
+              <a:rPr lang="en-US" altLang="ko-KR" sz="1400" dirty="0" err="1">
+                <a:solidFill>
+                  <a:srgbClr val="0000FF"/>
+                </a:solidFill>
+                <a:latin typeface="돋움체" panose="020B0609000101010101" pitchFamily="49" charset="-127"/>
+                <a:ea typeface="돋움체" panose="020B0609000101010101" pitchFamily="49" charset="-127"/>
+              </a:rPr>
+              <a:t>int</a:t>
+            </a:r>
+            <a:r>
+              <a:rPr lang="en-US" altLang="ko-KR" sz="1400" dirty="0">
+                <a:solidFill>
+                  <a:srgbClr val="000000"/>
+                </a:solidFill>
+                <a:latin typeface="돋움체" panose="020B0609000101010101" pitchFamily="49" charset="-127"/>
+                <a:ea typeface="돋움체" panose="020B0609000101010101" pitchFamily="49" charset="-127"/>
+              </a:rPr>
+              <a:t> quotient, </a:t>
+            </a:r>
+            <a:r>
+              <a:rPr lang="en-US" altLang="ko-KR" sz="1400" dirty="0">
+                <a:solidFill>
+                  <a:srgbClr val="0000FF"/>
+                </a:solidFill>
+                <a:latin typeface="돋움체" panose="020B0609000101010101" pitchFamily="49" charset="-127"/>
+                <a:ea typeface="돋움체" panose="020B0609000101010101" pitchFamily="49" charset="-127"/>
+              </a:rPr>
+              <a:t>ref</a:t>
+            </a:r>
+            <a:r>
+              <a:rPr lang="en-US" altLang="ko-KR" sz="1400" dirty="0">
+                <a:solidFill>
+                  <a:srgbClr val="000000"/>
+                </a:solidFill>
+                <a:latin typeface="돋움체" panose="020B0609000101010101" pitchFamily="49" charset="-127"/>
+                <a:ea typeface="돋움체" panose="020B0609000101010101" pitchFamily="49" charset="-127"/>
+              </a:rPr>
+              <a:t> </a:t>
+            </a:r>
+            <a:r>
+              <a:rPr lang="en-US" altLang="ko-KR" sz="1400" dirty="0" err="1">
+                <a:solidFill>
+                  <a:srgbClr val="0000FF"/>
+                </a:solidFill>
+                <a:latin typeface="돋움체" panose="020B0609000101010101" pitchFamily="49" charset="-127"/>
+                <a:ea typeface="돋움체" panose="020B0609000101010101" pitchFamily="49" charset="-127"/>
+              </a:rPr>
+              <a:t>int</a:t>
+            </a:r>
+            <a:r>
+              <a:rPr lang="en-US" altLang="ko-KR" sz="1400" dirty="0">
+                <a:solidFill>
+                  <a:srgbClr val="000000"/>
+                </a:solidFill>
+                <a:latin typeface="돋움체" panose="020B0609000101010101" pitchFamily="49" charset="-127"/>
+                <a:ea typeface="돋움체" panose="020B0609000101010101" pitchFamily="49" charset="-127"/>
+              </a:rPr>
+              <a:t> remainder)</a:t>
+            </a:r>
+          </a:p>
+          <a:p>
+            <a:r>
+              <a:rPr lang="en-US" altLang="ko-KR" sz="1400" dirty="0">
+                <a:solidFill>
+                  <a:srgbClr val="000000"/>
+                </a:solidFill>
+                <a:latin typeface="돋움체" panose="020B0609000101010101" pitchFamily="49" charset="-127"/>
+                <a:ea typeface="돋움체" panose="020B0609000101010101" pitchFamily="49" charset="-127"/>
+              </a:rPr>
+              <a:t>{</a:t>
+            </a:r>
+          </a:p>
+          <a:p>
+            <a:r>
+              <a:rPr lang="en-US" altLang="ko-KR" sz="1400" dirty="0">
+                <a:solidFill>
+                  <a:srgbClr val="000000"/>
+                </a:solidFill>
+                <a:latin typeface="돋움체" panose="020B0609000101010101" pitchFamily="49" charset="-127"/>
+                <a:ea typeface="돋움체" panose="020B0609000101010101" pitchFamily="49" charset="-127"/>
+              </a:rPr>
+              <a:t>    quotient = a / b;</a:t>
+            </a:r>
+          </a:p>
+          <a:p>
+            <a:r>
+              <a:rPr lang="en-US" altLang="ko-KR" sz="1400" dirty="0">
+                <a:solidFill>
+                  <a:srgbClr val="000000"/>
+                </a:solidFill>
+                <a:latin typeface="돋움체" panose="020B0609000101010101" pitchFamily="49" charset="-127"/>
+                <a:ea typeface="돋움체" panose="020B0609000101010101" pitchFamily="49" charset="-127"/>
+              </a:rPr>
+              <a:t>    remainder = a % b;</a:t>
+            </a:r>
+          </a:p>
+          <a:p>
+            <a:r>
+              <a:rPr lang="en-US" altLang="ko-KR" sz="1400" dirty="0" smtClean="0">
+                <a:solidFill>
+                  <a:srgbClr val="000000"/>
+                </a:solidFill>
+                <a:latin typeface="돋움체" panose="020B0609000101010101" pitchFamily="49" charset="-127"/>
+                <a:ea typeface="돋움체" panose="020B0609000101010101" pitchFamily="49" charset="-127"/>
+              </a:rPr>
+              <a:t>}</a:t>
+            </a:r>
+          </a:p>
+          <a:p>
+            <a:endParaRPr lang="en-US" altLang="ko-KR" sz="1400" dirty="0">
+              <a:solidFill>
+                <a:srgbClr val="000000"/>
+              </a:solidFill>
+              <a:latin typeface="돋움체" panose="020B0609000101010101" pitchFamily="49" charset="-127"/>
+              <a:ea typeface="돋움체" panose="020B0609000101010101" pitchFamily="49" charset="-127"/>
+            </a:endParaRPr>
+          </a:p>
+          <a:p>
+            <a:r>
+              <a:rPr lang="en-US" altLang="ko-KR" sz="1400" dirty="0" smtClean="0">
+                <a:solidFill>
+                  <a:srgbClr val="000000"/>
+                </a:solidFill>
+                <a:latin typeface="돋움체" panose="020B0609000101010101" pitchFamily="49" charset="-127"/>
+                <a:ea typeface="돋움체" panose="020B0609000101010101" pitchFamily="49" charset="-127"/>
+              </a:rPr>
+              <a:t>Divide(a, b, ref c, ref d)</a:t>
+            </a:r>
+            <a:endParaRPr lang="en-US" altLang="ko-KR" sz="1400" dirty="0">
+              <a:solidFill>
+                <a:srgbClr val="000000"/>
+              </a:solidFill>
+              <a:latin typeface="돋움체" panose="020B0609000101010101" pitchFamily="49" charset="-127"/>
+              <a:ea typeface="돋움체" panose="020B0609000101010101" pitchFamily="49" charset="-127"/>
+            </a:endParaRPr>
+          </a:p>
+          <a:p>
+            <a:endParaRPr lang="en-US" altLang="ko-KR" sz="1400" dirty="0" smtClean="0">
+              <a:solidFill>
+                <a:srgbClr val="000000"/>
+              </a:solidFill>
+              <a:latin typeface="돋움체" panose="020B0609000101010101" pitchFamily="49" charset="-127"/>
+              <a:ea typeface="돋움체" panose="020B0609000101010101" pitchFamily="49" charset="-127"/>
+            </a:endParaRPr>
+          </a:p>
+          <a:p>
+            <a:endParaRPr lang="en-US" altLang="ko-KR" sz="1400" dirty="0">
+              <a:solidFill>
+                <a:srgbClr val="000000"/>
+              </a:solidFill>
+              <a:latin typeface="돋움체" panose="020B0609000101010101" pitchFamily="49" charset="-127"/>
+              <a:ea typeface="돋움체" panose="020B0609000101010101" pitchFamily="49" charset="-127"/>
+            </a:endParaRPr>
+          </a:p>
+          <a:p>
+            <a:endParaRPr lang="en-US" altLang="ko-KR" sz="1400" dirty="0" smtClean="0">
+              <a:solidFill>
+                <a:srgbClr val="000000"/>
+              </a:solidFill>
+              <a:latin typeface="돋움체" panose="020B0609000101010101" pitchFamily="49" charset="-127"/>
+              <a:ea typeface="돋움체" panose="020B0609000101010101" pitchFamily="49" charset="-127"/>
+            </a:endParaRPr>
+          </a:p>
+          <a:p>
+            <a:endParaRPr lang="en-US" altLang="ko-KR" sz="1400" dirty="0" smtClean="0">
+              <a:solidFill>
+                <a:srgbClr val="000000"/>
+              </a:solidFill>
+              <a:latin typeface="돋움체" panose="020B0609000101010101" pitchFamily="49" charset="-127"/>
+              <a:ea typeface="돋움체" panose="020B0609000101010101" pitchFamily="49" charset="-127"/>
+            </a:endParaRPr>
+          </a:p>
+          <a:p>
+            <a:r>
+              <a:rPr lang="en-US" altLang="ko-KR" sz="1400" dirty="0">
+                <a:solidFill>
+                  <a:srgbClr val="0000FF"/>
+                </a:solidFill>
+                <a:latin typeface="돋움체" panose="020B0609000101010101" pitchFamily="49" charset="-127"/>
+                <a:ea typeface="돋움체" panose="020B0609000101010101" pitchFamily="49" charset="-127"/>
+              </a:rPr>
+              <a:t>void</a:t>
+            </a:r>
+            <a:r>
+              <a:rPr lang="en-US" altLang="ko-KR" sz="1400" dirty="0">
+                <a:solidFill>
+                  <a:srgbClr val="000000"/>
+                </a:solidFill>
+                <a:latin typeface="돋움체" panose="020B0609000101010101" pitchFamily="49" charset="-127"/>
+                <a:ea typeface="돋움체" panose="020B0609000101010101" pitchFamily="49" charset="-127"/>
+              </a:rPr>
+              <a:t> Divide(</a:t>
+            </a:r>
+            <a:r>
+              <a:rPr lang="en-US" altLang="ko-KR" sz="1400" dirty="0" err="1">
+                <a:solidFill>
+                  <a:srgbClr val="0000FF"/>
+                </a:solidFill>
+                <a:latin typeface="돋움체" panose="020B0609000101010101" pitchFamily="49" charset="-127"/>
+                <a:ea typeface="돋움체" panose="020B0609000101010101" pitchFamily="49" charset="-127"/>
+              </a:rPr>
+              <a:t>int</a:t>
+            </a:r>
+            <a:r>
+              <a:rPr lang="en-US" altLang="ko-KR" sz="1400" dirty="0">
+                <a:solidFill>
+                  <a:srgbClr val="000000"/>
+                </a:solidFill>
+                <a:latin typeface="돋움체" panose="020B0609000101010101" pitchFamily="49" charset="-127"/>
+                <a:ea typeface="돋움체" panose="020B0609000101010101" pitchFamily="49" charset="-127"/>
+              </a:rPr>
+              <a:t> a, </a:t>
+            </a:r>
+            <a:r>
+              <a:rPr lang="en-US" altLang="ko-KR" sz="1400" dirty="0" err="1">
+                <a:solidFill>
+                  <a:srgbClr val="0000FF"/>
+                </a:solidFill>
+                <a:latin typeface="돋움체" panose="020B0609000101010101" pitchFamily="49" charset="-127"/>
+                <a:ea typeface="돋움체" panose="020B0609000101010101" pitchFamily="49" charset="-127"/>
+              </a:rPr>
+              <a:t>int</a:t>
+            </a:r>
+            <a:r>
+              <a:rPr lang="en-US" altLang="ko-KR" sz="1400" dirty="0">
+                <a:solidFill>
+                  <a:srgbClr val="000000"/>
+                </a:solidFill>
+                <a:latin typeface="돋움체" panose="020B0609000101010101" pitchFamily="49" charset="-127"/>
+                <a:ea typeface="돋움체" panose="020B0609000101010101" pitchFamily="49" charset="-127"/>
+              </a:rPr>
+              <a:t> b, </a:t>
+            </a:r>
+            <a:r>
+              <a:rPr lang="en-US" altLang="ko-KR" sz="1400" dirty="0" smtClean="0">
+                <a:solidFill>
+                  <a:srgbClr val="0000FF"/>
+                </a:solidFill>
+                <a:latin typeface="돋움체" panose="020B0609000101010101" pitchFamily="49" charset="-127"/>
+                <a:ea typeface="돋움체" panose="020B0609000101010101" pitchFamily="49" charset="-127"/>
+              </a:rPr>
+              <a:t>out</a:t>
+            </a:r>
+            <a:r>
+              <a:rPr lang="ko-KR" altLang="en-US" sz="1400" dirty="0">
+                <a:solidFill>
+                  <a:srgbClr val="0000FF"/>
+                </a:solidFill>
+                <a:latin typeface="돋움체" panose="020B0609000101010101" pitchFamily="49" charset="-127"/>
+                <a:ea typeface="돋움체" panose="020B0609000101010101" pitchFamily="49" charset="-127"/>
+              </a:rPr>
+              <a:t> </a:t>
+            </a:r>
+            <a:r>
+              <a:rPr lang="en-US" altLang="ko-KR" sz="1400" dirty="0" err="1" smtClean="0">
+                <a:solidFill>
+                  <a:srgbClr val="0000FF"/>
+                </a:solidFill>
+                <a:latin typeface="돋움체" panose="020B0609000101010101" pitchFamily="49" charset="-127"/>
+                <a:ea typeface="돋움체" panose="020B0609000101010101" pitchFamily="49" charset="-127"/>
+              </a:rPr>
+              <a:t>int</a:t>
+            </a:r>
+            <a:r>
+              <a:rPr lang="en-US" altLang="ko-KR" sz="1400" dirty="0" smtClean="0">
+                <a:solidFill>
+                  <a:srgbClr val="000000"/>
+                </a:solidFill>
+                <a:latin typeface="돋움체" panose="020B0609000101010101" pitchFamily="49" charset="-127"/>
+                <a:ea typeface="돋움체" panose="020B0609000101010101" pitchFamily="49" charset="-127"/>
+              </a:rPr>
+              <a:t> </a:t>
+            </a:r>
+            <a:r>
+              <a:rPr lang="en-US" altLang="ko-KR" sz="1400" dirty="0">
+                <a:solidFill>
+                  <a:srgbClr val="000000"/>
+                </a:solidFill>
+                <a:latin typeface="돋움체" panose="020B0609000101010101" pitchFamily="49" charset="-127"/>
+                <a:ea typeface="돋움체" panose="020B0609000101010101" pitchFamily="49" charset="-127"/>
+              </a:rPr>
+              <a:t>quotient, </a:t>
+            </a:r>
+            <a:r>
+              <a:rPr lang="en-US" altLang="ko-KR" sz="1400" dirty="0" smtClean="0">
+                <a:solidFill>
+                  <a:srgbClr val="0000FF"/>
+                </a:solidFill>
+                <a:latin typeface="돋움체" panose="020B0609000101010101" pitchFamily="49" charset="-127"/>
+                <a:ea typeface="돋움체" panose="020B0609000101010101" pitchFamily="49" charset="-127"/>
+              </a:rPr>
+              <a:t>out </a:t>
+            </a:r>
+            <a:r>
+              <a:rPr lang="en-US" altLang="ko-KR" sz="1400" dirty="0" err="1" smtClean="0">
+                <a:solidFill>
+                  <a:srgbClr val="0000FF"/>
+                </a:solidFill>
+                <a:latin typeface="돋움체" panose="020B0609000101010101" pitchFamily="49" charset="-127"/>
+                <a:ea typeface="돋움체" panose="020B0609000101010101" pitchFamily="49" charset="-127"/>
+              </a:rPr>
+              <a:t>int</a:t>
+            </a:r>
+            <a:r>
+              <a:rPr lang="en-US" altLang="ko-KR" sz="1400" dirty="0" smtClean="0">
+                <a:solidFill>
+                  <a:srgbClr val="000000"/>
+                </a:solidFill>
+                <a:latin typeface="돋움체" panose="020B0609000101010101" pitchFamily="49" charset="-127"/>
+                <a:ea typeface="돋움체" panose="020B0609000101010101" pitchFamily="49" charset="-127"/>
+              </a:rPr>
+              <a:t> </a:t>
+            </a:r>
+            <a:r>
+              <a:rPr lang="en-US" altLang="ko-KR" sz="1400" dirty="0">
+                <a:solidFill>
+                  <a:srgbClr val="000000"/>
+                </a:solidFill>
+                <a:latin typeface="돋움체" panose="020B0609000101010101" pitchFamily="49" charset="-127"/>
+                <a:ea typeface="돋움체" panose="020B0609000101010101" pitchFamily="49" charset="-127"/>
+              </a:rPr>
+              <a:t>remainder)</a:t>
+            </a:r>
+          </a:p>
+          <a:p>
+            <a:r>
+              <a:rPr lang="en-US" altLang="ko-KR" sz="1400" dirty="0">
+                <a:solidFill>
+                  <a:srgbClr val="000000"/>
+                </a:solidFill>
+                <a:latin typeface="돋움체" panose="020B0609000101010101" pitchFamily="49" charset="-127"/>
+                <a:ea typeface="돋움체" panose="020B0609000101010101" pitchFamily="49" charset="-127"/>
+              </a:rPr>
+              <a:t>{</a:t>
+            </a:r>
+          </a:p>
+          <a:p>
+            <a:r>
+              <a:rPr lang="en-US" altLang="ko-KR" sz="1400" dirty="0">
+                <a:solidFill>
+                  <a:srgbClr val="000000"/>
+                </a:solidFill>
+                <a:latin typeface="돋움체" panose="020B0609000101010101" pitchFamily="49" charset="-127"/>
+                <a:ea typeface="돋움체" panose="020B0609000101010101" pitchFamily="49" charset="-127"/>
+              </a:rPr>
+              <a:t>    quotient = a / b;</a:t>
+            </a:r>
+          </a:p>
+          <a:p>
+            <a:r>
+              <a:rPr lang="en-US" altLang="ko-KR" sz="1400" dirty="0">
+                <a:solidFill>
+                  <a:srgbClr val="000000"/>
+                </a:solidFill>
+                <a:latin typeface="돋움체" panose="020B0609000101010101" pitchFamily="49" charset="-127"/>
+                <a:ea typeface="돋움체" panose="020B0609000101010101" pitchFamily="49" charset="-127"/>
+              </a:rPr>
+              <a:t>    remainder = a % b;</a:t>
+            </a:r>
+          </a:p>
+          <a:p>
+            <a:r>
+              <a:rPr lang="en-US" altLang="ko-KR" sz="1400" dirty="0" smtClean="0">
+                <a:solidFill>
+                  <a:srgbClr val="000000"/>
+                </a:solidFill>
+                <a:latin typeface="돋움체" panose="020B0609000101010101" pitchFamily="49" charset="-127"/>
+                <a:ea typeface="돋움체" panose="020B0609000101010101" pitchFamily="49" charset="-127"/>
+              </a:rPr>
+              <a:t>}</a:t>
+            </a:r>
+          </a:p>
+          <a:p>
+            <a:endParaRPr lang="en-US" altLang="ko-KR" sz="1400" dirty="0">
+              <a:solidFill>
+                <a:srgbClr val="000000"/>
+              </a:solidFill>
+              <a:latin typeface="돋움체" panose="020B0609000101010101" pitchFamily="49" charset="-127"/>
+              <a:ea typeface="돋움체" panose="020B0609000101010101" pitchFamily="49" charset="-127"/>
+            </a:endParaRPr>
+          </a:p>
+          <a:p>
+            <a:r>
+              <a:rPr lang="en-US" altLang="ko-KR" sz="1400" dirty="0" smtClean="0">
+                <a:solidFill>
+                  <a:srgbClr val="000000"/>
+                </a:solidFill>
+                <a:latin typeface="돋움체" panose="020B0609000101010101" pitchFamily="49" charset="-127"/>
+                <a:ea typeface="돋움체" panose="020B0609000101010101" pitchFamily="49" charset="-127"/>
+              </a:rPr>
+              <a:t>Divide(a, b, out c, out d)</a:t>
+            </a:r>
+            <a:endParaRPr lang="en-US" altLang="ko-KR" sz="1400" dirty="0">
+              <a:solidFill>
+                <a:srgbClr val="000000"/>
+              </a:solidFill>
+              <a:latin typeface="돋움체" panose="020B0609000101010101" pitchFamily="49" charset="-127"/>
+              <a:ea typeface="돋움체" panose="020B0609000101010101" pitchFamily="49" charset="-127"/>
+            </a:endParaRPr>
+          </a:p>
+          <a:p>
+            <a:endParaRPr lang="en-US" altLang="ko-KR" sz="1400" dirty="0">
+              <a:solidFill>
+                <a:srgbClr val="000000"/>
+              </a:solidFill>
+              <a:latin typeface="돋움체" panose="020B0609000101010101" pitchFamily="49" charset="-127"/>
+              <a:ea typeface="돋움체" panose="020B0609000101010101" pitchFamily="49" charset="-127"/>
+            </a:endParaRPr>
+          </a:p>
+        </p:txBody>
+      </p:sp>
+      <p:sp>
+        <p:nvSpPr>
+          <p:cNvPr id="2" name="TextBox 1"/>
+          <p:cNvSpPr txBox="1"/>
+          <p:nvPr/>
+        </p:nvSpPr>
+        <p:spPr>
+          <a:xfrm>
+            <a:off x="856890" y="1036323"/>
+            <a:ext cx="9177512" cy="1200329"/>
+          </a:xfrm>
+          <a:prstGeom prst="rect">
+            <a:avLst/>
+          </a:prstGeom>
+          <a:noFill/>
+        </p:spPr>
+        <p:txBody>
+          <a:bodyPr wrap="none" rtlCol="0">
+            <a:spAutoFit/>
+          </a:bodyPr>
+          <a:lstStyle/>
+          <a:p>
+            <a:pPr marL="285750" indent="-285750">
+              <a:buFont typeface="Wingdings" panose="05000000000000000000" pitchFamily="2" charset="2"/>
+              <a:buChar char="ü"/>
+            </a:pPr>
+            <a:r>
+              <a:rPr lang="en-US" altLang="ko-KR" dirty="0" smtClean="0"/>
+              <a:t>out </a:t>
+            </a:r>
+            <a:r>
+              <a:rPr lang="ko-KR" altLang="en-US" dirty="0" smtClean="0"/>
+              <a:t>키워드의 사용</a:t>
+            </a:r>
+            <a:endParaRPr lang="en-US" altLang="ko-KR" dirty="0" smtClean="0"/>
+          </a:p>
+          <a:p>
+            <a:pPr marL="285750" indent="-285750">
+              <a:buFont typeface="Wingdings" panose="05000000000000000000" pitchFamily="2" charset="2"/>
+              <a:buChar char="ü"/>
+            </a:pPr>
+            <a:endParaRPr lang="en-US" altLang="ko-KR" dirty="0"/>
+          </a:p>
+          <a:p>
+            <a:r>
+              <a:rPr lang="en-US" altLang="ko-KR" dirty="0"/>
+              <a:t> </a:t>
+            </a:r>
+            <a:r>
+              <a:rPr lang="en-US" altLang="ko-KR" dirty="0" smtClean="0"/>
+              <a:t>   </a:t>
+            </a:r>
+            <a:r>
+              <a:rPr lang="ko-KR" altLang="en-US" dirty="0" err="1" smtClean="0"/>
+              <a:t>메소드의</a:t>
+            </a:r>
+            <a:r>
+              <a:rPr lang="ko-KR" altLang="en-US" dirty="0" smtClean="0"/>
+              <a:t> </a:t>
+            </a:r>
+            <a:r>
+              <a:rPr lang="ko-KR" altLang="en-US" dirty="0" err="1" smtClean="0"/>
+              <a:t>선언부와</a:t>
+            </a:r>
+            <a:r>
+              <a:rPr lang="ko-KR" altLang="en-US" dirty="0" smtClean="0"/>
+              <a:t> </a:t>
+            </a:r>
+            <a:r>
+              <a:rPr lang="ko-KR" altLang="en-US" dirty="0" err="1" smtClean="0"/>
+              <a:t>호출부에</a:t>
+            </a:r>
+            <a:r>
+              <a:rPr lang="ko-KR" altLang="en-US" dirty="0" smtClean="0"/>
+              <a:t> </a:t>
+            </a:r>
+            <a:r>
+              <a:rPr lang="en-US" altLang="ko-KR" dirty="0" smtClean="0"/>
+              <a:t>ref </a:t>
+            </a:r>
+            <a:r>
+              <a:rPr lang="ko-KR" altLang="en-US" dirty="0" smtClean="0"/>
+              <a:t>키워드 대신 </a:t>
+            </a:r>
+            <a:r>
+              <a:rPr lang="en-US" altLang="ko-KR" dirty="0" smtClean="0"/>
+              <a:t>out </a:t>
+            </a:r>
+            <a:r>
+              <a:rPr lang="ko-KR" altLang="en-US" dirty="0" smtClean="0"/>
+              <a:t>키워드 사용</a:t>
+            </a:r>
+            <a:endParaRPr lang="en-US" altLang="ko-KR" dirty="0" smtClean="0"/>
+          </a:p>
+          <a:p>
+            <a:r>
+              <a:rPr lang="en-US" altLang="ko-KR" dirty="0"/>
+              <a:t> </a:t>
+            </a:r>
+            <a:r>
+              <a:rPr lang="en-US" altLang="ko-KR" dirty="0" smtClean="0"/>
+              <a:t>   </a:t>
+            </a:r>
+            <a:r>
+              <a:rPr lang="ko-KR" altLang="en-US" dirty="0" err="1" smtClean="0"/>
+              <a:t>메소드가</a:t>
+            </a:r>
+            <a:r>
+              <a:rPr lang="ko-KR" altLang="en-US" dirty="0" smtClean="0"/>
+              <a:t> 해당 매개 변수에 결과를 저장하지 않으면 컴파일러가 에러 메시지를 출력</a:t>
+            </a:r>
+            <a:endParaRPr lang="en-US" altLang="ko-KR" dirty="0" smtClean="0"/>
+          </a:p>
+        </p:txBody>
+      </p:sp>
+    </p:spTree>
+    <p:extLst>
+      <p:ext uri="{BB962C8B-B14F-4D97-AF65-F5344CB8AC3E}">
+        <p14:creationId xmlns:p14="http://schemas.microsoft.com/office/powerpoint/2010/main" val="922379074"/>
+      </p:ext>
+    </p:extLst>
+  </p:cSld>
+  <p:clrMapOvr>
+    <a:masterClrMapping/>
+  </p:clrMapOvr>
+  <p:timing>
+    <p:tnLst>
+      <p:par>
+        <p:cTn id="1" dur="indefinite" restart="never" nodeType="tmRoot"/>
+      </p:par>
+    </p:tnLst>
+  </p:timing>
+</p:sld>
+</file>
+
+<file path=ppt/slides/slide7.xml><?xml version="1.0" encoding="utf-8"?>
+<p:sld xmlns:a="http://schemas.openxmlformats.org/drawingml/2006/main" xmlns:r="http://schemas.openxmlformats.org/officeDocument/2006/relationships" xmlns:p="http://schemas.openxmlformats.org/presentationml/2006/main">
+  <p:cSld>
+    <p:spTree>
+      <p:nvGrpSpPr>
+        <p:cNvPr id="1" name=""/>
+        <p:cNvGrpSpPr/>
+        <p:nvPr/>
+      </p:nvGrpSpPr>
+      <p:grpSpPr>
+        <a:xfrm>
+          <a:off x="0" y="0"/>
+          <a:ext cx="0" cy="0"/>
+          <a:chOff x="0" y="0"/>
+          <a:chExt cx="0" cy="0"/>
+        </a:xfrm>
+      </p:grpSpPr>
+      <p:sp>
+        <p:nvSpPr>
+          <p:cNvPr id="4" name="TextBox 3"/>
+          <p:cNvSpPr txBox="1"/>
+          <p:nvPr/>
+        </p:nvSpPr>
+        <p:spPr>
+          <a:xfrm>
+            <a:off x="293299" y="327804"/>
+            <a:ext cx="2375971" cy="400110"/>
+          </a:xfrm>
+          <a:prstGeom prst="rect">
+            <a:avLst/>
+          </a:prstGeom>
+          <a:noFill/>
+        </p:spPr>
+        <p:txBody>
+          <a:bodyPr wrap="none" rtlCol="0">
+            <a:spAutoFit/>
+          </a:bodyPr>
+          <a:lstStyle/>
+          <a:p>
+            <a:r>
+              <a:rPr lang="en-US" altLang="ko-KR" sz="2000" b="1" dirty="0"/>
+              <a:t>7</a:t>
+            </a:r>
+            <a:r>
+              <a:rPr lang="en-US" altLang="ko-KR" sz="2000" b="1" dirty="0" smtClean="0"/>
+              <a:t>. </a:t>
+            </a:r>
+            <a:r>
+              <a:rPr lang="ko-KR" altLang="en-US" sz="2000" b="1" dirty="0" err="1" smtClean="0"/>
+              <a:t>메소드</a:t>
+            </a:r>
+            <a:r>
+              <a:rPr lang="ko-KR" altLang="en-US" sz="2000" b="1" dirty="0" smtClean="0"/>
+              <a:t> 오버로딩</a:t>
+            </a:r>
+            <a:endParaRPr lang="ko-KR" altLang="en-US" sz="2000" b="1" dirty="0"/>
+          </a:p>
+        </p:txBody>
+      </p:sp>
+      <p:sp>
+        <p:nvSpPr>
+          <p:cNvPr id="24" name="직사각형 23"/>
+          <p:cNvSpPr/>
+          <p:nvPr/>
+        </p:nvSpPr>
+        <p:spPr>
+          <a:xfrm>
+            <a:off x="989162" y="2427387"/>
+            <a:ext cx="6096000" cy="3108543"/>
+          </a:xfrm>
+          <a:prstGeom prst="rect">
+            <a:avLst/>
+          </a:prstGeom>
+        </p:spPr>
+        <p:txBody>
+          <a:bodyPr>
+            <a:spAutoFit/>
+          </a:bodyPr>
+          <a:lstStyle/>
+          <a:p>
+            <a:r>
+              <a:rPr lang="fr-FR" altLang="ko-KR" sz="1400" dirty="0">
+                <a:solidFill>
+                  <a:srgbClr val="0000FF"/>
+                </a:solidFill>
+                <a:latin typeface="돋움체" panose="020B0609000101010101" pitchFamily="49" charset="-127"/>
+                <a:ea typeface="돋움체" panose="020B0609000101010101" pitchFamily="49" charset="-127"/>
+              </a:rPr>
+              <a:t>int</a:t>
+            </a:r>
+            <a:r>
+              <a:rPr lang="fr-FR" altLang="ko-KR" sz="1400" dirty="0">
+                <a:solidFill>
+                  <a:srgbClr val="000000"/>
+                </a:solidFill>
+                <a:latin typeface="돋움체" panose="020B0609000101010101" pitchFamily="49" charset="-127"/>
+                <a:ea typeface="돋움체" panose="020B0609000101010101" pitchFamily="49" charset="-127"/>
+              </a:rPr>
+              <a:t> Plus(</a:t>
+            </a:r>
+            <a:r>
+              <a:rPr lang="fr-FR" altLang="ko-KR" sz="1400" dirty="0">
+                <a:solidFill>
+                  <a:srgbClr val="0000FF"/>
+                </a:solidFill>
+                <a:latin typeface="돋움체" panose="020B0609000101010101" pitchFamily="49" charset="-127"/>
+                <a:ea typeface="돋움체" panose="020B0609000101010101" pitchFamily="49" charset="-127"/>
+              </a:rPr>
+              <a:t>int</a:t>
+            </a:r>
+            <a:r>
+              <a:rPr lang="fr-FR" altLang="ko-KR" sz="1400" dirty="0">
+                <a:solidFill>
+                  <a:srgbClr val="000000"/>
+                </a:solidFill>
+                <a:latin typeface="돋움체" panose="020B0609000101010101" pitchFamily="49" charset="-127"/>
+                <a:ea typeface="돋움체" panose="020B0609000101010101" pitchFamily="49" charset="-127"/>
+              </a:rPr>
+              <a:t> a, </a:t>
+            </a:r>
+            <a:r>
+              <a:rPr lang="fr-FR" altLang="ko-KR" sz="1400" dirty="0">
+                <a:solidFill>
+                  <a:srgbClr val="0000FF"/>
+                </a:solidFill>
+                <a:latin typeface="돋움체" panose="020B0609000101010101" pitchFamily="49" charset="-127"/>
+                <a:ea typeface="돋움체" panose="020B0609000101010101" pitchFamily="49" charset="-127"/>
+              </a:rPr>
+              <a:t>int</a:t>
+            </a:r>
+            <a:r>
+              <a:rPr lang="fr-FR" altLang="ko-KR" sz="1400" dirty="0">
+                <a:solidFill>
+                  <a:srgbClr val="000000"/>
+                </a:solidFill>
+                <a:latin typeface="돋움체" panose="020B0609000101010101" pitchFamily="49" charset="-127"/>
+                <a:ea typeface="돋움체" panose="020B0609000101010101" pitchFamily="49" charset="-127"/>
+              </a:rPr>
+              <a:t> b )</a:t>
+            </a:r>
+          </a:p>
+          <a:p>
+            <a:r>
+              <a:rPr lang="en-US" altLang="ko-KR" sz="1400" dirty="0">
+                <a:solidFill>
+                  <a:srgbClr val="000000"/>
+                </a:solidFill>
+                <a:latin typeface="돋움체" panose="020B0609000101010101" pitchFamily="49" charset="-127"/>
+                <a:ea typeface="돋움체" panose="020B0609000101010101" pitchFamily="49" charset="-127"/>
+              </a:rPr>
+              <a:t>{</a:t>
+            </a:r>
+          </a:p>
+          <a:p>
+            <a:r>
+              <a:rPr lang="en-US" altLang="ko-KR" sz="1400" dirty="0">
+                <a:solidFill>
+                  <a:srgbClr val="000000"/>
+                </a:solidFill>
+                <a:latin typeface="돋움체" panose="020B0609000101010101" pitchFamily="49" charset="-127"/>
+                <a:ea typeface="돋움체" panose="020B0609000101010101" pitchFamily="49" charset="-127"/>
+              </a:rPr>
+              <a:t>    </a:t>
+            </a:r>
+            <a:r>
+              <a:rPr lang="en-US" altLang="ko-KR" sz="1400" dirty="0">
+                <a:solidFill>
+                  <a:srgbClr val="0000FF"/>
+                </a:solidFill>
+                <a:latin typeface="돋움체" panose="020B0609000101010101" pitchFamily="49" charset="-127"/>
+                <a:ea typeface="돋움체" panose="020B0609000101010101" pitchFamily="49" charset="-127"/>
+              </a:rPr>
+              <a:t>return</a:t>
+            </a:r>
+            <a:r>
+              <a:rPr lang="en-US" altLang="ko-KR" sz="1400" dirty="0">
+                <a:solidFill>
+                  <a:srgbClr val="000000"/>
+                </a:solidFill>
+                <a:latin typeface="돋움체" panose="020B0609000101010101" pitchFamily="49" charset="-127"/>
+                <a:ea typeface="돋움체" panose="020B0609000101010101" pitchFamily="49" charset="-127"/>
+              </a:rPr>
+              <a:t> a + b;</a:t>
+            </a:r>
+          </a:p>
+          <a:p>
+            <a:r>
+              <a:rPr lang="en-US" altLang="ko-KR" sz="1400" dirty="0" smtClean="0">
+                <a:solidFill>
+                  <a:srgbClr val="000000"/>
+                </a:solidFill>
+                <a:latin typeface="돋움체" panose="020B0609000101010101" pitchFamily="49" charset="-127"/>
+                <a:ea typeface="돋움체" panose="020B0609000101010101" pitchFamily="49" charset="-127"/>
+              </a:rPr>
+              <a:t>}</a:t>
+            </a:r>
+          </a:p>
+          <a:p>
+            <a:endParaRPr lang="en-US" altLang="ko-KR" sz="1400" dirty="0">
+              <a:solidFill>
+                <a:srgbClr val="000000"/>
+              </a:solidFill>
+              <a:latin typeface="돋움체" panose="020B0609000101010101" pitchFamily="49" charset="-127"/>
+              <a:ea typeface="돋움체" panose="020B0609000101010101" pitchFamily="49" charset="-127"/>
+            </a:endParaRPr>
+          </a:p>
+          <a:p>
+            <a:r>
+              <a:rPr lang="fr-FR" altLang="ko-KR" sz="1400" dirty="0">
+                <a:solidFill>
+                  <a:srgbClr val="0000FF"/>
+                </a:solidFill>
+                <a:latin typeface="돋움체" panose="020B0609000101010101" pitchFamily="49" charset="-127"/>
+                <a:ea typeface="돋움체" panose="020B0609000101010101" pitchFamily="49" charset="-127"/>
+              </a:rPr>
+              <a:t>int</a:t>
+            </a:r>
+            <a:r>
+              <a:rPr lang="fr-FR" altLang="ko-KR" sz="1400" dirty="0">
+                <a:solidFill>
+                  <a:srgbClr val="000000"/>
+                </a:solidFill>
+                <a:latin typeface="돋움체" panose="020B0609000101010101" pitchFamily="49" charset="-127"/>
+                <a:ea typeface="돋움체" panose="020B0609000101010101" pitchFamily="49" charset="-127"/>
+              </a:rPr>
+              <a:t> Plus(</a:t>
+            </a:r>
+            <a:r>
+              <a:rPr lang="fr-FR" altLang="ko-KR" sz="1400" dirty="0">
+                <a:solidFill>
+                  <a:srgbClr val="0000FF"/>
+                </a:solidFill>
+                <a:latin typeface="돋움체" panose="020B0609000101010101" pitchFamily="49" charset="-127"/>
+                <a:ea typeface="돋움체" panose="020B0609000101010101" pitchFamily="49" charset="-127"/>
+              </a:rPr>
+              <a:t>int</a:t>
+            </a:r>
+            <a:r>
+              <a:rPr lang="fr-FR" altLang="ko-KR" sz="1400" dirty="0">
+                <a:solidFill>
+                  <a:srgbClr val="000000"/>
+                </a:solidFill>
+                <a:latin typeface="돋움체" panose="020B0609000101010101" pitchFamily="49" charset="-127"/>
+                <a:ea typeface="돋움체" panose="020B0609000101010101" pitchFamily="49" charset="-127"/>
+              </a:rPr>
+              <a:t> a, </a:t>
+            </a:r>
+            <a:r>
+              <a:rPr lang="fr-FR" altLang="ko-KR" sz="1400" dirty="0">
+                <a:solidFill>
+                  <a:srgbClr val="0000FF"/>
+                </a:solidFill>
+                <a:latin typeface="돋움체" panose="020B0609000101010101" pitchFamily="49" charset="-127"/>
+                <a:ea typeface="돋움체" panose="020B0609000101010101" pitchFamily="49" charset="-127"/>
+              </a:rPr>
+              <a:t>int</a:t>
+            </a:r>
+            <a:r>
+              <a:rPr lang="fr-FR" altLang="ko-KR" sz="1400" dirty="0">
+                <a:solidFill>
+                  <a:srgbClr val="000000"/>
+                </a:solidFill>
+                <a:latin typeface="돋움체" panose="020B0609000101010101" pitchFamily="49" charset="-127"/>
+                <a:ea typeface="돋움체" panose="020B0609000101010101" pitchFamily="49" charset="-127"/>
+              </a:rPr>
+              <a:t> b, </a:t>
+            </a:r>
+            <a:r>
+              <a:rPr lang="fr-FR" altLang="ko-KR" sz="1400" dirty="0">
+                <a:solidFill>
+                  <a:srgbClr val="0000FF"/>
+                </a:solidFill>
+                <a:latin typeface="돋움체" panose="020B0609000101010101" pitchFamily="49" charset="-127"/>
+                <a:ea typeface="돋움체" panose="020B0609000101010101" pitchFamily="49" charset="-127"/>
+              </a:rPr>
+              <a:t>int</a:t>
+            </a:r>
+            <a:r>
+              <a:rPr lang="fr-FR" altLang="ko-KR" sz="1400" dirty="0">
+                <a:solidFill>
+                  <a:srgbClr val="000000"/>
+                </a:solidFill>
+                <a:latin typeface="돋움체" panose="020B0609000101010101" pitchFamily="49" charset="-127"/>
+                <a:ea typeface="돋움체" panose="020B0609000101010101" pitchFamily="49" charset="-127"/>
+              </a:rPr>
+              <a:t> c)</a:t>
+            </a:r>
+          </a:p>
+          <a:p>
+            <a:r>
+              <a:rPr lang="en-US" altLang="ko-KR" sz="1400" dirty="0">
+                <a:solidFill>
+                  <a:srgbClr val="000000"/>
+                </a:solidFill>
+                <a:latin typeface="돋움체" panose="020B0609000101010101" pitchFamily="49" charset="-127"/>
+                <a:ea typeface="돋움체" panose="020B0609000101010101" pitchFamily="49" charset="-127"/>
+              </a:rPr>
+              <a:t>{</a:t>
+            </a:r>
+          </a:p>
+          <a:p>
+            <a:r>
+              <a:rPr lang="en-US" altLang="ko-KR" sz="1400" dirty="0">
+                <a:solidFill>
+                  <a:srgbClr val="000000"/>
+                </a:solidFill>
+                <a:latin typeface="돋움체" panose="020B0609000101010101" pitchFamily="49" charset="-127"/>
+                <a:ea typeface="돋움체" panose="020B0609000101010101" pitchFamily="49" charset="-127"/>
+              </a:rPr>
+              <a:t>    </a:t>
+            </a:r>
+            <a:r>
+              <a:rPr lang="en-US" altLang="ko-KR" sz="1400" dirty="0">
+                <a:solidFill>
+                  <a:srgbClr val="0000FF"/>
+                </a:solidFill>
+                <a:latin typeface="돋움체" panose="020B0609000101010101" pitchFamily="49" charset="-127"/>
+                <a:ea typeface="돋움체" panose="020B0609000101010101" pitchFamily="49" charset="-127"/>
+              </a:rPr>
+              <a:t>return</a:t>
+            </a:r>
+            <a:r>
+              <a:rPr lang="en-US" altLang="ko-KR" sz="1400" dirty="0">
+                <a:solidFill>
+                  <a:srgbClr val="000000"/>
+                </a:solidFill>
+                <a:latin typeface="돋움체" panose="020B0609000101010101" pitchFamily="49" charset="-127"/>
+                <a:ea typeface="돋움체" panose="020B0609000101010101" pitchFamily="49" charset="-127"/>
+              </a:rPr>
+              <a:t> a + b + c;</a:t>
+            </a:r>
+          </a:p>
+          <a:p>
+            <a:r>
+              <a:rPr lang="en-US" altLang="ko-KR" sz="1400" dirty="0">
+                <a:solidFill>
+                  <a:srgbClr val="000000"/>
+                </a:solidFill>
+                <a:latin typeface="돋움체" panose="020B0609000101010101" pitchFamily="49" charset="-127"/>
+                <a:ea typeface="돋움체" panose="020B0609000101010101" pitchFamily="49" charset="-127"/>
+              </a:rPr>
+              <a:t>}</a:t>
+            </a:r>
+          </a:p>
+          <a:p>
+            <a:endParaRPr lang="ko-KR" altLang="en-US" sz="1400" dirty="0">
+              <a:solidFill>
+                <a:srgbClr val="000000"/>
+              </a:solidFill>
+              <a:latin typeface="돋움체" panose="020B0609000101010101" pitchFamily="49" charset="-127"/>
+              <a:ea typeface="돋움체" panose="020B0609000101010101" pitchFamily="49" charset="-127"/>
+            </a:endParaRPr>
+          </a:p>
+          <a:p>
+            <a:r>
+              <a:rPr lang="fr-FR" altLang="ko-KR" sz="1400" dirty="0">
+                <a:solidFill>
+                  <a:srgbClr val="0000FF"/>
+                </a:solidFill>
+                <a:latin typeface="돋움체" panose="020B0609000101010101" pitchFamily="49" charset="-127"/>
+                <a:ea typeface="돋움체" panose="020B0609000101010101" pitchFamily="49" charset="-127"/>
+              </a:rPr>
+              <a:t>double</a:t>
+            </a:r>
+            <a:r>
+              <a:rPr lang="fr-FR" altLang="ko-KR" sz="1400" dirty="0">
+                <a:solidFill>
+                  <a:srgbClr val="000000"/>
+                </a:solidFill>
+                <a:latin typeface="돋움체" panose="020B0609000101010101" pitchFamily="49" charset="-127"/>
+                <a:ea typeface="돋움체" panose="020B0609000101010101" pitchFamily="49" charset="-127"/>
+              </a:rPr>
+              <a:t> Plus(</a:t>
+            </a:r>
+            <a:r>
+              <a:rPr lang="fr-FR" altLang="ko-KR" sz="1400" dirty="0">
+                <a:solidFill>
+                  <a:srgbClr val="0000FF"/>
+                </a:solidFill>
+                <a:latin typeface="돋움체" panose="020B0609000101010101" pitchFamily="49" charset="-127"/>
+                <a:ea typeface="돋움체" panose="020B0609000101010101" pitchFamily="49" charset="-127"/>
+              </a:rPr>
+              <a:t>double</a:t>
+            </a:r>
+            <a:r>
+              <a:rPr lang="fr-FR" altLang="ko-KR" sz="1400" dirty="0">
+                <a:solidFill>
+                  <a:srgbClr val="000000"/>
+                </a:solidFill>
+                <a:latin typeface="돋움체" panose="020B0609000101010101" pitchFamily="49" charset="-127"/>
+                <a:ea typeface="돋움체" panose="020B0609000101010101" pitchFamily="49" charset="-127"/>
+              </a:rPr>
+              <a:t> a, </a:t>
+            </a:r>
+            <a:r>
+              <a:rPr lang="fr-FR" altLang="ko-KR" sz="1400" dirty="0">
+                <a:solidFill>
+                  <a:srgbClr val="0000FF"/>
+                </a:solidFill>
+                <a:latin typeface="돋움체" panose="020B0609000101010101" pitchFamily="49" charset="-127"/>
+                <a:ea typeface="돋움체" panose="020B0609000101010101" pitchFamily="49" charset="-127"/>
+              </a:rPr>
+              <a:t>double</a:t>
+            </a:r>
+            <a:r>
+              <a:rPr lang="fr-FR" altLang="ko-KR" sz="1400" dirty="0">
+                <a:solidFill>
+                  <a:srgbClr val="000000"/>
+                </a:solidFill>
+                <a:latin typeface="돋움체" panose="020B0609000101010101" pitchFamily="49" charset="-127"/>
+                <a:ea typeface="돋움체" panose="020B0609000101010101" pitchFamily="49" charset="-127"/>
+              </a:rPr>
+              <a:t> b)</a:t>
+            </a:r>
+          </a:p>
+          <a:p>
+            <a:r>
+              <a:rPr lang="en-US" altLang="ko-KR" sz="1400" dirty="0">
+                <a:solidFill>
+                  <a:srgbClr val="000000"/>
+                </a:solidFill>
+                <a:latin typeface="돋움체" panose="020B0609000101010101" pitchFamily="49" charset="-127"/>
+                <a:ea typeface="돋움체" panose="020B0609000101010101" pitchFamily="49" charset="-127"/>
+              </a:rPr>
+              <a:t>{</a:t>
+            </a:r>
+          </a:p>
+          <a:p>
+            <a:r>
+              <a:rPr lang="en-US" altLang="ko-KR" sz="1400" dirty="0">
+                <a:solidFill>
+                  <a:srgbClr val="000000"/>
+                </a:solidFill>
+                <a:latin typeface="돋움체" panose="020B0609000101010101" pitchFamily="49" charset="-127"/>
+                <a:ea typeface="돋움체" panose="020B0609000101010101" pitchFamily="49" charset="-127"/>
+              </a:rPr>
+              <a:t>    </a:t>
+            </a:r>
+            <a:r>
+              <a:rPr lang="en-US" altLang="ko-KR" sz="1400" dirty="0">
+                <a:solidFill>
+                  <a:srgbClr val="0000FF"/>
+                </a:solidFill>
+                <a:latin typeface="돋움체" panose="020B0609000101010101" pitchFamily="49" charset="-127"/>
+                <a:ea typeface="돋움체" panose="020B0609000101010101" pitchFamily="49" charset="-127"/>
+              </a:rPr>
+              <a:t>return</a:t>
+            </a:r>
+            <a:r>
+              <a:rPr lang="en-US" altLang="ko-KR" sz="1400" dirty="0">
+                <a:solidFill>
+                  <a:srgbClr val="000000"/>
+                </a:solidFill>
+                <a:latin typeface="돋움체" panose="020B0609000101010101" pitchFamily="49" charset="-127"/>
+                <a:ea typeface="돋움체" panose="020B0609000101010101" pitchFamily="49" charset="-127"/>
+              </a:rPr>
+              <a:t> a + b;</a:t>
+            </a:r>
+          </a:p>
+          <a:p>
+            <a:r>
+              <a:rPr lang="en-US" altLang="ko-KR" sz="1400" dirty="0">
+                <a:solidFill>
+                  <a:srgbClr val="000000"/>
+                </a:solidFill>
+                <a:latin typeface="돋움체" panose="020B0609000101010101" pitchFamily="49" charset="-127"/>
+                <a:ea typeface="돋움체" panose="020B0609000101010101" pitchFamily="49" charset="-127"/>
+              </a:rPr>
+              <a:t>}</a:t>
+            </a:r>
+          </a:p>
+        </p:txBody>
+      </p:sp>
+      <p:sp>
+        <p:nvSpPr>
+          <p:cNvPr id="2" name="TextBox 1"/>
+          <p:cNvSpPr txBox="1"/>
+          <p:nvPr/>
+        </p:nvSpPr>
+        <p:spPr>
+          <a:xfrm>
+            <a:off x="989162" y="1213449"/>
+            <a:ext cx="5700600" cy="923330"/>
+          </a:xfrm>
+          <a:prstGeom prst="rect">
+            <a:avLst/>
+          </a:prstGeom>
+          <a:noFill/>
+        </p:spPr>
+        <p:txBody>
+          <a:bodyPr wrap="none" rtlCol="0">
+            <a:spAutoFit/>
+          </a:bodyPr>
+          <a:lstStyle/>
+          <a:p>
+            <a:pPr marL="285750" indent="-285750">
+              <a:buFont typeface="Wingdings" panose="05000000000000000000" pitchFamily="2" charset="2"/>
+              <a:buChar char="ü"/>
+            </a:pPr>
+            <a:r>
+              <a:rPr lang="ko-KR" altLang="en-US" dirty="0" err="1" smtClean="0"/>
+              <a:t>메소드</a:t>
+            </a:r>
+            <a:r>
+              <a:rPr lang="ko-KR" altLang="en-US" dirty="0" smtClean="0"/>
+              <a:t> 오버로딩 이란</a:t>
+            </a:r>
+            <a:r>
+              <a:rPr lang="en-US" altLang="ko-KR" dirty="0" smtClean="0"/>
+              <a:t>?</a:t>
+            </a:r>
+          </a:p>
+          <a:p>
+            <a:pPr marL="285750" indent="-285750">
+              <a:buFont typeface="Wingdings" panose="05000000000000000000" pitchFamily="2" charset="2"/>
+              <a:buChar char="ü"/>
+            </a:pPr>
+            <a:endParaRPr lang="en-US" altLang="ko-KR" dirty="0"/>
+          </a:p>
+          <a:p>
+            <a:r>
+              <a:rPr lang="en-US" altLang="ko-KR" dirty="0"/>
+              <a:t> </a:t>
+            </a:r>
+            <a:r>
+              <a:rPr lang="en-US" altLang="ko-KR" dirty="0" smtClean="0"/>
+              <a:t>   </a:t>
+            </a:r>
+            <a:r>
+              <a:rPr lang="ko-KR" altLang="en-US" dirty="0" smtClean="0"/>
+              <a:t>하나의 </a:t>
+            </a:r>
+            <a:r>
+              <a:rPr lang="ko-KR" altLang="en-US" dirty="0" err="1" smtClean="0"/>
+              <a:t>메소드</a:t>
+            </a:r>
+            <a:r>
+              <a:rPr lang="ko-KR" altLang="en-US" dirty="0" smtClean="0"/>
+              <a:t> 이름에 여러 개의 구현을 올리는 것</a:t>
+            </a:r>
+            <a:endParaRPr lang="en-US" altLang="ko-KR" dirty="0" smtClean="0"/>
+          </a:p>
+        </p:txBody>
+      </p:sp>
+    </p:spTree>
+    <p:extLst>
+      <p:ext uri="{BB962C8B-B14F-4D97-AF65-F5344CB8AC3E}">
+        <p14:creationId xmlns:p14="http://schemas.microsoft.com/office/powerpoint/2010/main" val="3443540387"/>
+      </p:ext>
+    </p:extLst>
+  </p:cSld>
+  <p:clrMapOvr>
+    <a:masterClrMapping/>
+  </p:clrMapOvr>
+  <p:timing>
+    <p:tnLst>
+      <p:par>
+        <p:cTn id="1" dur="indefinite" restart="never" nodeType="tmRoot"/>
+      </p:par>
+    </p:tnLst>
+  </p:timing>
+</p:sld>
+</file>
+
+<file path=ppt/slides/slide8.xml><?xml version="1.0" encoding="utf-8"?>
+<p:sld xmlns:a="http://schemas.openxmlformats.org/drawingml/2006/main" xmlns:r="http://schemas.openxmlformats.org/officeDocument/2006/relationships" xmlns:p="http://schemas.openxmlformats.org/presentationml/2006/main">
+  <p:cSld>
+    <p:spTree>
+      <p:nvGrpSpPr>
+        <p:cNvPr id="1" name=""/>
+        <p:cNvGrpSpPr/>
+        <p:nvPr/>
+      </p:nvGrpSpPr>
+      <p:grpSpPr>
+        <a:xfrm>
+          <a:off x="0" y="0"/>
+          <a:ext cx="0" cy="0"/>
+          <a:chOff x="0" y="0"/>
+          <a:chExt cx="0" cy="0"/>
+        </a:xfrm>
+      </p:grpSpPr>
+      <p:sp>
+        <p:nvSpPr>
+          <p:cNvPr id="4" name="TextBox 3"/>
+          <p:cNvSpPr txBox="1"/>
+          <p:nvPr/>
+        </p:nvSpPr>
+        <p:spPr>
+          <a:xfrm>
+            <a:off x="293299" y="327804"/>
+            <a:ext cx="2632452" cy="400110"/>
+          </a:xfrm>
+          <a:prstGeom prst="rect">
+            <a:avLst/>
+          </a:prstGeom>
+          <a:noFill/>
+        </p:spPr>
+        <p:txBody>
+          <a:bodyPr wrap="none" rtlCol="0">
+            <a:spAutoFit/>
+          </a:bodyPr>
+          <a:lstStyle/>
+          <a:p>
+            <a:r>
+              <a:rPr lang="en-US" altLang="ko-KR" sz="2000" b="1" dirty="0"/>
+              <a:t>8</a:t>
+            </a:r>
+            <a:r>
+              <a:rPr lang="en-US" altLang="ko-KR" sz="2000" b="1" dirty="0" smtClean="0"/>
+              <a:t>. </a:t>
+            </a:r>
+            <a:r>
+              <a:rPr lang="ko-KR" altLang="en-US" sz="2000" b="1" dirty="0" smtClean="0"/>
+              <a:t>가변길이</a:t>
+            </a:r>
+            <a:r>
+              <a:rPr lang="en-US" altLang="ko-KR" sz="2000" b="1" dirty="0" smtClean="0"/>
+              <a:t> </a:t>
+            </a:r>
+            <a:r>
+              <a:rPr lang="ko-KR" altLang="en-US" sz="2000" b="1" dirty="0" smtClean="0"/>
+              <a:t>매개변수</a:t>
+            </a:r>
+            <a:endParaRPr lang="ko-KR" altLang="en-US" sz="2000" b="1" dirty="0"/>
+          </a:p>
+        </p:txBody>
+      </p:sp>
+      <p:sp>
+        <p:nvSpPr>
+          <p:cNvPr id="24" name="직사각형 23"/>
+          <p:cNvSpPr/>
+          <p:nvPr/>
+        </p:nvSpPr>
+        <p:spPr>
+          <a:xfrm>
+            <a:off x="1207697" y="3344042"/>
+            <a:ext cx="6096000" cy="3108543"/>
+          </a:xfrm>
+          <a:prstGeom prst="rect">
+            <a:avLst/>
+          </a:prstGeom>
+        </p:spPr>
+        <p:txBody>
+          <a:bodyPr>
+            <a:spAutoFit/>
+          </a:bodyPr>
+          <a:lstStyle/>
+          <a:p>
+            <a:r>
+              <a:rPr lang="fr-FR" altLang="ko-KR" sz="1400" dirty="0">
+                <a:solidFill>
+                  <a:srgbClr val="0000FF"/>
+                </a:solidFill>
+                <a:latin typeface="돋움체" panose="020B0609000101010101" pitchFamily="49" charset="-127"/>
+                <a:ea typeface="돋움체" panose="020B0609000101010101" pitchFamily="49" charset="-127"/>
+              </a:rPr>
+              <a:t>int</a:t>
+            </a:r>
+            <a:r>
+              <a:rPr lang="fr-FR" altLang="ko-KR" sz="1400" dirty="0">
+                <a:solidFill>
+                  <a:srgbClr val="000000"/>
+                </a:solidFill>
+                <a:latin typeface="돋움체" panose="020B0609000101010101" pitchFamily="49" charset="-127"/>
+                <a:ea typeface="돋움체" panose="020B0609000101010101" pitchFamily="49" charset="-127"/>
+              </a:rPr>
+              <a:t> Plus(</a:t>
+            </a:r>
+            <a:r>
+              <a:rPr lang="fr-FR" altLang="ko-KR" sz="1400" dirty="0">
+                <a:solidFill>
+                  <a:srgbClr val="0000FF"/>
+                </a:solidFill>
+                <a:latin typeface="돋움체" panose="020B0609000101010101" pitchFamily="49" charset="-127"/>
+                <a:ea typeface="돋움체" panose="020B0609000101010101" pitchFamily="49" charset="-127"/>
+              </a:rPr>
+              <a:t>int</a:t>
+            </a:r>
+            <a:r>
+              <a:rPr lang="fr-FR" altLang="ko-KR" sz="1400" dirty="0">
+                <a:solidFill>
+                  <a:srgbClr val="000000"/>
+                </a:solidFill>
+                <a:latin typeface="돋움체" panose="020B0609000101010101" pitchFamily="49" charset="-127"/>
+                <a:ea typeface="돋움체" panose="020B0609000101010101" pitchFamily="49" charset="-127"/>
+              </a:rPr>
+              <a:t> a, </a:t>
+            </a:r>
+            <a:r>
+              <a:rPr lang="fr-FR" altLang="ko-KR" sz="1400" dirty="0">
+                <a:solidFill>
+                  <a:srgbClr val="0000FF"/>
+                </a:solidFill>
+                <a:latin typeface="돋움체" panose="020B0609000101010101" pitchFamily="49" charset="-127"/>
+                <a:ea typeface="돋움체" panose="020B0609000101010101" pitchFamily="49" charset="-127"/>
+              </a:rPr>
+              <a:t>int</a:t>
+            </a:r>
+            <a:r>
+              <a:rPr lang="fr-FR" altLang="ko-KR" sz="1400" dirty="0">
+                <a:solidFill>
+                  <a:srgbClr val="000000"/>
+                </a:solidFill>
+                <a:latin typeface="돋움체" panose="020B0609000101010101" pitchFamily="49" charset="-127"/>
+                <a:ea typeface="돋움체" panose="020B0609000101010101" pitchFamily="49" charset="-127"/>
+              </a:rPr>
+              <a:t> b )</a:t>
+            </a:r>
+          </a:p>
+          <a:p>
+            <a:r>
+              <a:rPr lang="en-US" altLang="ko-KR" sz="1400" dirty="0">
+                <a:solidFill>
+                  <a:srgbClr val="000000"/>
+                </a:solidFill>
+                <a:latin typeface="돋움체" panose="020B0609000101010101" pitchFamily="49" charset="-127"/>
+                <a:ea typeface="돋움체" panose="020B0609000101010101" pitchFamily="49" charset="-127"/>
+              </a:rPr>
+              <a:t>{</a:t>
+            </a:r>
+          </a:p>
+          <a:p>
+            <a:r>
+              <a:rPr lang="en-US" altLang="ko-KR" sz="1400" dirty="0">
+                <a:solidFill>
+                  <a:srgbClr val="000000"/>
+                </a:solidFill>
+                <a:latin typeface="돋움체" panose="020B0609000101010101" pitchFamily="49" charset="-127"/>
+                <a:ea typeface="돋움체" panose="020B0609000101010101" pitchFamily="49" charset="-127"/>
+              </a:rPr>
+              <a:t>    </a:t>
+            </a:r>
+            <a:r>
+              <a:rPr lang="en-US" altLang="ko-KR" sz="1400" dirty="0">
+                <a:solidFill>
+                  <a:srgbClr val="0000FF"/>
+                </a:solidFill>
+                <a:latin typeface="돋움체" panose="020B0609000101010101" pitchFamily="49" charset="-127"/>
+                <a:ea typeface="돋움체" panose="020B0609000101010101" pitchFamily="49" charset="-127"/>
+              </a:rPr>
+              <a:t>return</a:t>
+            </a:r>
+            <a:r>
+              <a:rPr lang="en-US" altLang="ko-KR" sz="1400" dirty="0">
+                <a:solidFill>
+                  <a:srgbClr val="000000"/>
+                </a:solidFill>
+                <a:latin typeface="돋움체" panose="020B0609000101010101" pitchFamily="49" charset="-127"/>
+                <a:ea typeface="돋움체" panose="020B0609000101010101" pitchFamily="49" charset="-127"/>
+              </a:rPr>
+              <a:t> a + b;</a:t>
+            </a:r>
+          </a:p>
+          <a:p>
+            <a:r>
+              <a:rPr lang="en-US" altLang="ko-KR" sz="1400" dirty="0" smtClean="0">
+                <a:solidFill>
+                  <a:srgbClr val="000000"/>
+                </a:solidFill>
+                <a:latin typeface="돋움체" panose="020B0609000101010101" pitchFamily="49" charset="-127"/>
+                <a:ea typeface="돋움체" panose="020B0609000101010101" pitchFamily="49" charset="-127"/>
+              </a:rPr>
+              <a:t>}</a:t>
+            </a:r>
+          </a:p>
+          <a:p>
+            <a:endParaRPr lang="en-US" altLang="ko-KR" sz="1400" dirty="0">
+              <a:solidFill>
+                <a:srgbClr val="000000"/>
+              </a:solidFill>
+              <a:latin typeface="돋움체" panose="020B0609000101010101" pitchFamily="49" charset="-127"/>
+              <a:ea typeface="돋움체" panose="020B0609000101010101" pitchFamily="49" charset="-127"/>
+            </a:endParaRPr>
+          </a:p>
+          <a:p>
+            <a:r>
+              <a:rPr lang="fr-FR" altLang="ko-KR" sz="1400" dirty="0">
+                <a:solidFill>
+                  <a:srgbClr val="0000FF"/>
+                </a:solidFill>
+                <a:latin typeface="돋움체" panose="020B0609000101010101" pitchFamily="49" charset="-127"/>
+                <a:ea typeface="돋움체" panose="020B0609000101010101" pitchFamily="49" charset="-127"/>
+              </a:rPr>
+              <a:t>int</a:t>
+            </a:r>
+            <a:r>
+              <a:rPr lang="fr-FR" altLang="ko-KR" sz="1400" dirty="0">
+                <a:solidFill>
+                  <a:srgbClr val="000000"/>
+                </a:solidFill>
+                <a:latin typeface="돋움체" panose="020B0609000101010101" pitchFamily="49" charset="-127"/>
+                <a:ea typeface="돋움체" panose="020B0609000101010101" pitchFamily="49" charset="-127"/>
+              </a:rPr>
+              <a:t> Plus(</a:t>
+            </a:r>
+            <a:r>
+              <a:rPr lang="fr-FR" altLang="ko-KR" sz="1400" dirty="0">
+                <a:solidFill>
+                  <a:srgbClr val="0000FF"/>
+                </a:solidFill>
+                <a:latin typeface="돋움체" panose="020B0609000101010101" pitchFamily="49" charset="-127"/>
+                <a:ea typeface="돋움체" panose="020B0609000101010101" pitchFamily="49" charset="-127"/>
+              </a:rPr>
+              <a:t>int</a:t>
+            </a:r>
+            <a:r>
+              <a:rPr lang="fr-FR" altLang="ko-KR" sz="1400" dirty="0">
+                <a:solidFill>
+                  <a:srgbClr val="000000"/>
+                </a:solidFill>
+                <a:latin typeface="돋움체" panose="020B0609000101010101" pitchFamily="49" charset="-127"/>
+                <a:ea typeface="돋움체" panose="020B0609000101010101" pitchFamily="49" charset="-127"/>
+              </a:rPr>
+              <a:t> a, </a:t>
+            </a:r>
+            <a:r>
+              <a:rPr lang="fr-FR" altLang="ko-KR" sz="1400" dirty="0">
+                <a:solidFill>
+                  <a:srgbClr val="0000FF"/>
+                </a:solidFill>
+                <a:latin typeface="돋움체" panose="020B0609000101010101" pitchFamily="49" charset="-127"/>
+                <a:ea typeface="돋움체" panose="020B0609000101010101" pitchFamily="49" charset="-127"/>
+              </a:rPr>
+              <a:t>int</a:t>
+            </a:r>
+            <a:r>
+              <a:rPr lang="fr-FR" altLang="ko-KR" sz="1400" dirty="0">
+                <a:solidFill>
+                  <a:srgbClr val="000000"/>
+                </a:solidFill>
+                <a:latin typeface="돋움체" panose="020B0609000101010101" pitchFamily="49" charset="-127"/>
+                <a:ea typeface="돋움체" panose="020B0609000101010101" pitchFamily="49" charset="-127"/>
+              </a:rPr>
+              <a:t> b, </a:t>
+            </a:r>
+            <a:r>
+              <a:rPr lang="fr-FR" altLang="ko-KR" sz="1400" dirty="0">
+                <a:solidFill>
+                  <a:srgbClr val="0000FF"/>
+                </a:solidFill>
+                <a:latin typeface="돋움체" panose="020B0609000101010101" pitchFamily="49" charset="-127"/>
+                <a:ea typeface="돋움체" panose="020B0609000101010101" pitchFamily="49" charset="-127"/>
+              </a:rPr>
+              <a:t>int</a:t>
+            </a:r>
+            <a:r>
+              <a:rPr lang="fr-FR" altLang="ko-KR" sz="1400" dirty="0">
+                <a:solidFill>
+                  <a:srgbClr val="000000"/>
+                </a:solidFill>
+                <a:latin typeface="돋움체" panose="020B0609000101010101" pitchFamily="49" charset="-127"/>
+                <a:ea typeface="돋움체" panose="020B0609000101010101" pitchFamily="49" charset="-127"/>
+              </a:rPr>
+              <a:t> c)</a:t>
+            </a:r>
+          </a:p>
+          <a:p>
+            <a:r>
+              <a:rPr lang="en-US" altLang="ko-KR" sz="1400" dirty="0">
+                <a:solidFill>
+                  <a:srgbClr val="000000"/>
+                </a:solidFill>
+                <a:latin typeface="돋움체" panose="020B0609000101010101" pitchFamily="49" charset="-127"/>
+                <a:ea typeface="돋움체" panose="020B0609000101010101" pitchFamily="49" charset="-127"/>
+              </a:rPr>
+              <a:t>{</a:t>
+            </a:r>
+          </a:p>
+          <a:p>
+            <a:r>
+              <a:rPr lang="en-US" altLang="ko-KR" sz="1400" dirty="0">
+                <a:solidFill>
+                  <a:srgbClr val="000000"/>
+                </a:solidFill>
+                <a:latin typeface="돋움체" panose="020B0609000101010101" pitchFamily="49" charset="-127"/>
+                <a:ea typeface="돋움체" panose="020B0609000101010101" pitchFamily="49" charset="-127"/>
+              </a:rPr>
+              <a:t>    </a:t>
+            </a:r>
+            <a:r>
+              <a:rPr lang="en-US" altLang="ko-KR" sz="1400" dirty="0">
+                <a:solidFill>
+                  <a:srgbClr val="0000FF"/>
+                </a:solidFill>
+                <a:latin typeface="돋움체" panose="020B0609000101010101" pitchFamily="49" charset="-127"/>
+                <a:ea typeface="돋움체" panose="020B0609000101010101" pitchFamily="49" charset="-127"/>
+              </a:rPr>
+              <a:t>return</a:t>
+            </a:r>
+            <a:r>
+              <a:rPr lang="en-US" altLang="ko-KR" sz="1400" dirty="0">
+                <a:solidFill>
+                  <a:srgbClr val="000000"/>
+                </a:solidFill>
+                <a:latin typeface="돋움체" panose="020B0609000101010101" pitchFamily="49" charset="-127"/>
+                <a:ea typeface="돋움체" panose="020B0609000101010101" pitchFamily="49" charset="-127"/>
+              </a:rPr>
+              <a:t> a + b + c;</a:t>
+            </a:r>
+          </a:p>
+          <a:p>
+            <a:r>
+              <a:rPr lang="en-US" altLang="ko-KR" sz="1400" dirty="0">
+                <a:solidFill>
+                  <a:srgbClr val="000000"/>
+                </a:solidFill>
+                <a:latin typeface="돋움체" panose="020B0609000101010101" pitchFamily="49" charset="-127"/>
+                <a:ea typeface="돋움체" panose="020B0609000101010101" pitchFamily="49" charset="-127"/>
+              </a:rPr>
+              <a:t>}</a:t>
+            </a:r>
+          </a:p>
+          <a:p>
+            <a:endParaRPr lang="ko-KR" altLang="en-US" sz="1400" dirty="0">
+              <a:solidFill>
+                <a:srgbClr val="000000"/>
+              </a:solidFill>
+              <a:latin typeface="돋움체" panose="020B0609000101010101" pitchFamily="49" charset="-127"/>
+              <a:ea typeface="돋움체" panose="020B0609000101010101" pitchFamily="49" charset="-127"/>
+            </a:endParaRPr>
+          </a:p>
+          <a:p>
+            <a:r>
+              <a:rPr lang="fr-FR" altLang="ko-KR" sz="1400" dirty="0">
+                <a:solidFill>
+                  <a:srgbClr val="0000FF"/>
+                </a:solidFill>
+                <a:latin typeface="돋움체" panose="020B0609000101010101" pitchFamily="49" charset="-127"/>
+                <a:ea typeface="돋움체" panose="020B0609000101010101" pitchFamily="49" charset="-127"/>
+              </a:rPr>
+              <a:t>double</a:t>
+            </a:r>
+            <a:r>
+              <a:rPr lang="fr-FR" altLang="ko-KR" sz="1400" dirty="0">
+                <a:solidFill>
+                  <a:srgbClr val="000000"/>
+                </a:solidFill>
+                <a:latin typeface="돋움체" panose="020B0609000101010101" pitchFamily="49" charset="-127"/>
+                <a:ea typeface="돋움체" panose="020B0609000101010101" pitchFamily="49" charset="-127"/>
+              </a:rPr>
+              <a:t> Plus(</a:t>
+            </a:r>
+            <a:r>
+              <a:rPr lang="fr-FR" altLang="ko-KR" sz="1400" dirty="0">
+                <a:solidFill>
+                  <a:srgbClr val="0000FF"/>
+                </a:solidFill>
+                <a:latin typeface="돋움체" panose="020B0609000101010101" pitchFamily="49" charset="-127"/>
+                <a:ea typeface="돋움체" panose="020B0609000101010101" pitchFamily="49" charset="-127"/>
+              </a:rPr>
+              <a:t>double</a:t>
+            </a:r>
+            <a:r>
+              <a:rPr lang="fr-FR" altLang="ko-KR" sz="1400" dirty="0">
+                <a:solidFill>
+                  <a:srgbClr val="000000"/>
+                </a:solidFill>
+                <a:latin typeface="돋움체" panose="020B0609000101010101" pitchFamily="49" charset="-127"/>
+                <a:ea typeface="돋움체" panose="020B0609000101010101" pitchFamily="49" charset="-127"/>
+              </a:rPr>
+              <a:t> a, </a:t>
+            </a:r>
+            <a:r>
+              <a:rPr lang="fr-FR" altLang="ko-KR" sz="1400" dirty="0">
+                <a:solidFill>
+                  <a:srgbClr val="0000FF"/>
+                </a:solidFill>
+                <a:latin typeface="돋움체" panose="020B0609000101010101" pitchFamily="49" charset="-127"/>
+                <a:ea typeface="돋움체" panose="020B0609000101010101" pitchFamily="49" charset="-127"/>
+              </a:rPr>
+              <a:t>double</a:t>
+            </a:r>
+            <a:r>
+              <a:rPr lang="fr-FR" altLang="ko-KR" sz="1400" dirty="0">
+                <a:solidFill>
+                  <a:srgbClr val="000000"/>
+                </a:solidFill>
+                <a:latin typeface="돋움체" panose="020B0609000101010101" pitchFamily="49" charset="-127"/>
+                <a:ea typeface="돋움체" panose="020B0609000101010101" pitchFamily="49" charset="-127"/>
+              </a:rPr>
+              <a:t> b)</a:t>
+            </a:r>
+          </a:p>
+          <a:p>
+            <a:r>
+              <a:rPr lang="en-US" altLang="ko-KR" sz="1400" dirty="0">
+                <a:solidFill>
+                  <a:srgbClr val="000000"/>
+                </a:solidFill>
+                <a:latin typeface="돋움체" panose="020B0609000101010101" pitchFamily="49" charset="-127"/>
+                <a:ea typeface="돋움체" panose="020B0609000101010101" pitchFamily="49" charset="-127"/>
+              </a:rPr>
+              <a:t>{</a:t>
+            </a:r>
+          </a:p>
+          <a:p>
+            <a:r>
+              <a:rPr lang="en-US" altLang="ko-KR" sz="1400" dirty="0">
+                <a:solidFill>
+                  <a:srgbClr val="000000"/>
+                </a:solidFill>
+                <a:latin typeface="돋움체" panose="020B0609000101010101" pitchFamily="49" charset="-127"/>
+                <a:ea typeface="돋움체" panose="020B0609000101010101" pitchFamily="49" charset="-127"/>
+              </a:rPr>
+              <a:t>    </a:t>
+            </a:r>
+            <a:r>
+              <a:rPr lang="en-US" altLang="ko-KR" sz="1400" dirty="0">
+                <a:solidFill>
+                  <a:srgbClr val="0000FF"/>
+                </a:solidFill>
+                <a:latin typeface="돋움체" panose="020B0609000101010101" pitchFamily="49" charset="-127"/>
+                <a:ea typeface="돋움체" panose="020B0609000101010101" pitchFamily="49" charset="-127"/>
+              </a:rPr>
+              <a:t>return</a:t>
+            </a:r>
+            <a:r>
+              <a:rPr lang="en-US" altLang="ko-KR" sz="1400" dirty="0">
+                <a:solidFill>
+                  <a:srgbClr val="000000"/>
+                </a:solidFill>
+                <a:latin typeface="돋움체" panose="020B0609000101010101" pitchFamily="49" charset="-127"/>
+                <a:ea typeface="돋움체" panose="020B0609000101010101" pitchFamily="49" charset="-127"/>
+              </a:rPr>
+              <a:t> a + b;</a:t>
+            </a:r>
+          </a:p>
+          <a:p>
+            <a:r>
+              <a:rPr lang="en-US" altLang="ko-KR" sz="1400" dirty="0">
+                <a:solidFill>
+                  <a:srgbClr val="000000"/>
+                </a:solidFill>
+                <a:latin typeface="돋움체" panose="020B0609000101010101" pitchFamily="49" charset="-127"/>
+                <a:ea typeface="돋움체" panose="020B0609000101010101" pitchFamily="49" charset="-127"/>
+              </a:rPr>
+              <a:t>}</a:t>
+            </a:r>
+          </a:p>
+        </p:txBody>
+      </p:sp>
+      <p:sp>
+        <p:nvSpPr>
+          <p:cNvPr id="2" name="TextBox 1"/>
+          <p:cNvSpPr txBox="1"/>
+          <p:nvPr/>
+        </p:nvSpPr>
+        <p:spPr>
+          <a:xfrm>
+            <a:off x="891395" y="1207698"/>
+            <a:ext cx="9727343" cy="1754326"/>
+          </a:xfrm>
+          <a:prstGeom prst="rect">
+            <a:avLst/>
+          </a:prstGeom>
+          <a:noFill/>
+        </p:spPr>
+        <p:txBody>
+          <a:bodyPr wrap="none" rtlCol="0">
+            <a:spAutoFit/>
+          </a:bodyPr>
+          <a:lstStyle/>
+          <a:p>
+            <a:pPr marL="285750" indent="-285750">
+              <a:buFont typeface="Wingdings" panose="05000000000000000000" pitchFamily="2" charset="2"/>
+              <a:buChar char="ü"/>
+            </a:pPr>
+            <a:r>
+              <a:rPr lang="ko-KR" altLang="en-US" dirty="0" smtClean="0"/>
+              <a:t>가변길이 매개 변수란</a:t>
+            </a:r>
+            <a:r>
+              <a:rPr lang="en-US" altLang="ko-KR" dirty="0" smtClean="0"/>
+              <a:t>?</a:t>
+            </a:r>
+          </a:p>
+          <a:p>
+            <a:pPr marL="285750" indent="-285750">
+              <a:buFont typeface="Wingdings" panose="05000000000000000000" pitchFamily="2" charset="2"/>
+              <a:buChar char="ü"/>
+            </a:pPr>
+            <a:endParaRPr lang="en-US" altLang="ko-KR" dirty="0" smtClean="0"/>
+          </a:p>
+          <a:p>
+            <a:r>
+              <a:rPr lang="en-US" altLang="ko-KR" dirty="0"/>
+              <a:t> </a:t>
+            </a:r>
+            <a:r>
+              <a:rPr lang="en-US" altLang="ko-KR" dirty="0" smtClean="0"/>
+              <a:t>   </a:t>
+            </a:r>
+            <a:r>
+              <a:rPr lang="ko-KR" altLang="en-US" dirty="0" smtClean="0"/>
+              <a:t>그 개수가 유연하게 변할 수 있는 매개 변수</a:t>
+            </a:r>
+            <a:endParaRPr lang="en-US" altLang="ko-KR" dirty="0" smtClean="0"/>
+          </a:p>
+          <a:p>
+            <a:endParaRPr lang="en-US" altLang="ko-KR" dirty="0"/>
+          </a:p>
+          <a:p>
+            <a:r>
+              <a:rPr lang="en-US" altLang="ko-KR" dirty="0"/>
+              <a:t> </a:t>
+            </a:r>
+            <a:r>
+              <a:rPr lang="en-US" altLang="ko-KR" dirty="0" smtClean="0"/>
+              <a:t>   </a:t>
+            </a:r>
+            <a:r>
+              <a:rPr lang="ko-KR" altLang="en-US" dirty="0" smtClean="0"/>
+              <a:t>매개 변수의 </a:t>
+            </a:r>
+            <a:r>
+              <a:rPr lang="en-US" altLang="ko-KR" dirty="0" smtClean="0"/>
+              <a:t>“</a:t>
+            </a:r>
+            <a:r>
+              <a:rPr lang="ko-KR" altLang="en-US" dirty="0" smtClean="0"/>
+              <a:t>수</a:t>
+            </a:r>
+            <a:r>
+              <a:rPr lang="en-US" altLang="ko-KR" dirty="0" smtClean="0"/>
+              <a:t>＂</a:t>
+            </a:r>
+            <a:r>
+              <a:rPr lang="ko-KR" altLang="en-US" dirty="0" smtClean="0"/>
+              <a:t>가 다르다는 이유로 </a:t>
+            </a:r>
+            <a:r>
+              <a:rPr lang="ko-KR" altLang="en-US" dirty="0" err="1" smtClean="0"/>
+              <a:t>메소드</a:t>
+            </a:r>
+            <a:r>
+              <a:rPr lang="ko-KR" altLang="en-US" dirty="0" smtClean="0"/>
+              <a:t> 오버로딩을 하고 싶을 때 </a:t>
+            </a:r>
+            <a:endParaRPr lang="en-US" altLang="ko-KR" dirty="0"/>
+          </a:p>
+          <a:p>
+            <a:r>
+              <a:rPr lang="en-US" altLang="ko-KR" dirty="0"/>
+              <a:t> </a:t>
+            </a:r>
+            <a:r>
+              <a:rPr lang="en-US" altLang="ko-KR" dirty="0" smtClean="0"/>
+              <a:t>   “</a:t>
+            </a:r>
+            <a:r>
+              <a:rPr lang="ko-KR" altLang="en-US" dirty="0" smtClean="0"/>
+              <a:t>가변길이 매개 변수</a:t>
+            </a:r>
+            <a:r>
+              <a:rPr lang="en-US" altLang="ko-KR" dirty="0" smtClean="0"/>
+              <a:t>＂</a:t>
+            </a:r>
+            <a:r>
+              <a:rPr lang="ko-KR" altLang="en-US" dirty="0" smtClean="0"/>
+              <a:t>라는 기능을 제공해 </a:t>
+            </a:r>
+            <a:r>
+              <a:rPr lang="ko-KR" altLang="en-US" dirty="0" err="1" smtClean="0"/>
+              <a:t>메소드를</a:t>
+            </a:r>
+            <a:r>
+              <a:rPr lang="ko-KR" altLang="en-US" dirty="0" smtClean="0"/>
+              <a:t> </a:t>
+            </a:r>
+            <a:r>
+              <a:rPr lang="ko-KR" altLang="en-US" dirty="0" err="1" smtClean="0"/>
+              <a:t>오버로딩하지</a:t>
+            </a:r>
+            <a:r>
+              <a:rPr lang="ko-KR" altLang="en-US" dirty="0" smtClean="0"/>
+              <a:t> 않고도 구현할 수 있다</a:t>
+            </a:r>
+            <a:endParaRPr lang="en-US" altLang="ko-KR" dirty="0" smtClean="0"/>
+          </a:p>
+        </p:txBody>
+      </p:sp>
+    </p:spTree>
+    <p:extLst>
+      <p:ext uri="{BB962C8B-B14F-4D97-AF65-F5344CB8AC3E}">
+        <p14:creationId xmlns:p14="http://schemas.microsoft.com/office/powerpoint/2010/main" val="3106838258"/>
+      </p:ext>
+    </p:extLst>
+  </p:cSld>
+  <p:clrMapOvr>
+    <a:masterClrMapping/>
+  </p:clrMapOvr>
+  <p:timing>
+    <p:tnLst>
+      <p:par>
+        <p:cTn id="1" dur="indefinite" restart="never" nodeType="tmRoot"/>
+      </p:par>
+    </p:tnLst>
+  </p:timing>
+</p:sld>
+</file>
+
+<file path=ppt/slides/slide9.xml><?xml version="1.0" encoding="utf-8"?>
+<p:sld xmlns:a="http://schemas.openxmlformats.org/drawingml/2006/main" xmlns:r="http://schemas.openxmlformats.org/officeDocument/2006/relationships" xmlns:p="http://schemas.openxmlformats.org/presentationml/2006/main">
+  <p:cSld>
+    <p:spTree>
+      <p:nvGrpSpPr>
+        <p:cNvPr id="1" name=""/>
+        <p:cNvGrpSpPr/>
+        <p:nvPr/>
+      </p:nvGrpSpPr>
+      <p:grpSpPr>
+        <a:xfrm>
+          <a:off x="0" y="0"/>
+          <a:ext cx="0" cy="0"/>
+          <a:chOff x="0" y="0"/>
+          <a:chExt cx="0" cy="0"/>
+        </a:xfrm>
+      </p:grpSpPr>
+      <p:sp>
+        <p:nvSpPr>
+          <p:cNvPr id="4" name="TextBox 3"/>
+          <p:cNvSpPr txBox="1"/>
+          <p:nvPr/>
+        </p:nvSpPr>
+        <p:spPr>
+          <a:xfrm>
+            <a:off x="293299" y="327804"/>
+            <a:ext cx="2465740" cy="400110"/>
+          </a:xfrm>
+          <a:prstGeom prst="rect">
+            <a:avLst/>
+          </a:prstGeom>
+          <a:noFill/>
+        </p:spPr>
+        <p:txBody>
+          <a:bodyPr wrap="none" rtlCol="0">
+            <a:spAutoFit/>
+          </a:bodyPr>
+          <a:lstStyle/>
+          <a:p>
+            <a:r>
+              <a:rPr lang="en-US" altLang="ko-KR" sz="2000" b="1" dirty="0"/>
+              <a:t>9</a:t>
+            </a:r>
+            <a:r>
+              <a:rPr lang="en-US" altLang="ko-KR" sz="2000" b="1" dirty="0" smtClean="0"/>
+              <a:t>. </a:t>
+            </a:r>
+            <a:r>
+              <a:rPr lang="ko-KR" altLang="en-US" sz="2000" b="1" dirty="0" smtClean="0"/>
+              <a:t>명명된 매개 변수</a:t>
+            </a:r>
+            <a:endParaRPr lang="ko-KR" altLang="en-US" sz="2000" b="1" dirty="0"/>
+          </a:p>
+        </p:txBody>
+      </p:sp>
+      <p:sp>
+        <p:nvSpPr>
+          <p:cNvPr id="24" name="직사각형 23"/>
+          <p:cNvSpPr/>
+          <p:nvPr/>
+        </p:nvSpPr>
+        <p:spPr>
+          <a:xfrm>
+            <a:off x="1288211" y="2745944"/>
+            <a:ext cx="6096000" cy="2462213"/>
+          </a:xfrm>
+          <a:prstGeom prst="rect">
+            <a:avLst/>
+          </a:prstGeom>
+        </p:spPr>
+        <p:txBody>
+          <a:bodyPr>
+            <a:spAutoFit/>
+          </a:bodyPr>
+          <a:lstStyle/>
+          <a:p>
+            <a:r>
+              <a:rPr lang="en-US" altLang="ko-KR" sz="1400" dirty="0">
+                <a:solidFill>
+                  <a:srgbClr val="0000FF"/>
+                </a:solidFill>
+                <a:latin typeface="돋움체" panose="020B0609000101010101" pitchFamily="49" charset="-127"/>
+                <a:ea typeface="돋움체" panose="020B0609000101010101" pitchFamily="49" charset="-127"/>
+              </a:rPr>
+              <a:t>using</a:t>
+            </a:r>
+            <a:r>
+              <a:rPr lang="en-US" altLang="ko-KR" sz="1400" dirty="0">
+                <a:solidFill>
+                  <a:srgbClr val="000000"/>
+                </a:solidFill>
+                <a:latin typeface="돋움체" panose="020B0609000101010101" pitchFamily="49" charset="-127"/>
+                <a:ea typeface="돋움체" panose="020B0609000101010101" pitchFamily="49" charset="-127"/>
+              </a:rPr>
+              <a:t> System; </a:t>
+            </a:r>
+          </a:p>
+          <a:p>
+            <a:endParaRPr lang="ko-KR" altLang="en-US" sz="1400" dirty="0">
+              <a:solidFill>
+                <a:srgbClr val="000000"/>
+              </a:solidFill>
+              <a:latin typeface="돋움체" panose="020B0609000101010101" pitchFamily="49" charset="-127"/>
+              <a:ea typeface="돋움체" panose="020B0609000101010101" pitchFamily="49" charset="-127"/>
+            </a:endParaRPr>
+          </a:p>
+          <a:p>
+            <a:r>
+              <a:rPr lang="en-US" altLang="ko-KR" sz="1400" dirty="0">
+                <a:solidFill>
+                  <a:srgbClr val="0000FF"/>
+                </a:solidFill>
+                <a:latin typeface="돋움체" panose="020B0609000101010101" pitchFamily="49" charset="-127"/>
+                <a:ea typeface="돋움체" panose="020B0609000101010101" pitchFamily="49" charset="-127"/>
+              </a:rPr>
+              <a:t>static</a:t>
+            </a:r>
+            <a:r>
+              <a:rPr lang="en-US" altLang="ko-KR" sz="1400" dirty="0">
+                <a:solidFill>
+                  <a:srgbClr val="000000"/>
+                </a:solidFill>
+                <a:latin typeface="돋움체" panose="020B0609000101010101" pitchFamily="49" charset="-127"/>
+                <a:ea typeface="돋움체" panose="020B0609000101010101" pitchFamily="49" charset="-127"/>
+              </a:rPr>
+              <a:t> </a:t>
+            </a:r>
+            <a:r>
+              <a:rPr lang="en-US" altLang="ko-KR" sz="1400" dirty="0">
+                <a:solidFill>
+                  <a:srgbClr val="0000FF"/>
+                </a:solidFill>
+                <a:latin typeface="돋움체" panose="020B0609000101010101" pitchFamily="49" charset="-127"/>
+                <a:ea typeface="돋움체" panose="020B0609000101010101" pitchFamily="49" charset="-127"/>
+              </a:rPr>
+              <a:t>void</a:t>
+            </a:r>
+            <a:r>
+              <a:rPr lang="en-US" altLang="ko-KR" sz="1400" dirty="0">
+                <a:solidFill>
+                  <a:srgbClr val="000000"/>
+                </a:solidFill>
+                <a:latin typeface="돋움체" panose="020B0609000101010101" pitchFamily="49" charset="-127"/>
+                <a:ea typeface="돋움체" panose="020B0609000101010101" pitchFamily="49" charset="-127"/>
+              </a:rPr>
+              <a:t> </a:t>
+            </a:r>
+            <a:r>
+              <a:rPr lang="en-US" altLang="ko-KR" sz="1400" dirty="0" err="1">
+                <a:solidFill>
+                  <a:srgbClr val="000000"/>
+                </a:solidFill>
+                <a:latin typeface="돋움체" panose="020B0609000101010101" pitchFamily="49" charset="-127"/>
+                <a:ea typeface="돋움체" panose="020B0609000101010101" pitchFamily="49" charset="-127"/>
+              </a:rPr>
+              <a:t>PrintProfile</a:t>
+            </a:r>
+            <a:r>
+              <a:rPr lang="en-US" altLang="ko-KR" sz="1400" dirty="0">
+                <a:solidFill>
+                  <a:srgbClr val="000000"/>
+                </a:solidFill>
+                <a:latin typeface="돋움체" panose="020B0609000101010101" pitchFamily="49" charset="-127"/>
+                <a:ea typeface="돋움체" panose="020B0609000101010101" pitchFamily="49" charset="-127"/>
+              </a:rPr>
+              <a:t>(</a:t>
+            </a:r>
+            <a:r>
+              <a:rPr lang="en-US" altLang="ko-KR" sz="1400" dirty="0">
+                <a:solidFill>
+                  <a:srgbClr val="0000FF"/>
+                </a:solidFill>
+                <a:latin typeface="돋움체" panose="020B0609000101010101" pitchFamily="49" charset="-127"/>
+                <a:ea typeface="돋움체" panose="020B0609000101010101" pitchFamily="49" charset="-127"/>
+              </a:rPr>
+              <a:t>string</a:t>
+            </a:r>
+            <a:r>
+              <a:rPr lang="en-US" altLang="ko-KR" sz="1400" dirty="0">
+                <a:solidFill>
+                  <a:srgbClr val="000000"/>
+                </a:solidFill>
+                <a:latin typeface="돋움체" panose="020B0609000101010101" pitchFamily="49" charset="-127"/>
+                <a:ea typeface="돋움체" panose="020B0609000101010101" pitchFamily="49" charset="-127"/>
+              </a:rPr>
+              <a:t> name, </a:t>
+            </a:r>
+            <a:r>
+              <a:rPr lang="en-US" altLang="ko-KR" sz="1400" dirty="0">
+                <a:solidFill>
+                  <a:srgbClr val="0000FF"/>
+                </a:solidFill>
+                <a:latin typeface="돋움체" panose="020B0609000101010101" pitchFamily="49" charset="-127"/>
+                <a:ea typeface="돋움체" panose="020B0609000101010101" pitchFamily="49" charset="-127"/>
+              </a:rPr>
+              <a:t>string</a:t>
+            </a:r>
+            <a:r>
+              <a:rPr lang="en-US" altLang="ko-KR" sz="1400" dirty="0">
+                <a:solidFill>
+                  <a:srgbClr val="000000"/>
+                </a:solidFill>
+                <a:latin typeface="돋움체" panose="020B0609000101010101" pitchFamily="49" charset="-127"/>
+                <a:ea typeface="돋움체" panose="020B0609000101010101" pitchFamily="49" charset="-127"/>
+              </a:rPr>
+              <a:t> phone)</a:t>
+            </a:r>
+          </a:p>
+          <a:p>
+            <a:r>
+              <a:rPr lang="en-US" altLang="ko-KR" sz="1400" dirty="0">
+                <a:solidFill>
+                  <a:srgbClr val="000000"/>
+                </a:solidFill>
+                <a:latin typeface="돋움체" panose="020B0609000101010101" pitchFamily="49" charset="-127"/>
+                <a:ea typeface="돋움체" panose="020B0609000101010101" pitchFamily="49" charset="-127"/>
+              </a:rPr>
+              <a:t>{</a:t>
+            </a:r>
+          </a:p>
+          <a:p>
+            <a:r>
+              <a:rPr lang="en-US" altLang="ko-KR" sz="1400" dirty="0">
+                <a:solidFill>
+                  <a:srgbClr val="000000"/>
+                </a:solidFill>
+                <a:latin typeface="돋움체" panose="020B0609000101010101" pitchFamily="49" charset="-127"/>
+                <a:ea typeface="돋움체" panose="020B0609000101010101" pitchFamily="49" charset="-127"/>
+              </a:rPr>
+              <a:t>    </a:t>
+            </a:r>
+            <a:r>
+              <a:rPr lang="en-US" altLang="ko-KR" sz="1400" dirty="0" err="1">
+                <a:solidFill>
+                  <a:srgbClr val="000000"/>
+                </a:solidFill>
+                <a:latin typeface="돋움체" panose="020B0609000101010101" pitchFamily="49" charset="-127"/>
+                <a:ea typeface="돋움체" panose="020B0609000101010101" pitchFamily="49" charset="-127"/>
+              </a:rPr>
+              <a:t>Console.WriteLine</a:t>
+            </a:r>
+            <a:r>
+              <a:rPr lang="en-US" altLang="ko-KR" sz="1400" dirty="0">
+                <a:solidFill>
+                  <a:srgbClr val="000000"/>
+                </a:solidFill>
+                <a:latin typeface="돋움체" panose="020B0609000101010101" pitchFamily="49" charset="-127"/>
+                <a:ea typeface="돋움체" panose="020B0609000101010101" pitchFamily="49" charset="-127"/>
+              </a:rPr>
+              <a:t>(</a:t>
+            </a:r>
+            <a:r>
+              <a:rPr lang="en-US" altLang="ko-KR" sz="1400" dirty="0">
+                <a:solidFill>
+                  <a:srgbClr val="A31515"/>
+                </a:solidFill>
+                <a:latin typeface="돋움체" panose="020B0609000101010101" pitchFamily="49" charset="-127"/>
+                <a:ea typeface="돋움체" panose="020B0609000101010101" pitchFamily="49" charset="-127"/>
+              </a:rPr>
+              <a:t>"Name:{0}, Phone:{1}"</a:t>
+            </a:r>
+            <a:r>
+              <a:rPr lang="en-US" altLang="ko-KR" sz="1400" dirty="0">
+                <a:solidFill>
+                  <a:srgbClr val="000000"/>
+                </a:solidFill>
+                <a:latin typeface="돋움체" panose="020B0609000101010101" pitchFamily="49" charset="-127"/>
+                <a:ea typeface="돋움체" panose="020B0609000101010101" pitchFamily="49" charset="-127"/>
+              </a:rPr>
+              <a:t>, name, phone);</a:t>
+            </a:r>
+          </a:p>
+          <a:p>
+            <a:r>
+              <a:rPr lang="en-US" altLang="ko-KR" sz="1400" dirty="0">
+                <a:solidFill>
+                  <a:srgbClr val="000000"/>
+                </a:solidFill>
+                <a:latin typeface="돋움체" panose="020B0609000101010101" pitchFamily="49" charset="-127"/>
+                <a:ea typeface="돋움체" panose="020B0609000101010101" pitchFamily="49" charset="-127"/>
+              </a:rPr>
+              <a:t>}</a:t>
+            </a:r>
+          </a:p>
+          <a:p>
+            <a:endParaRPr lang="ko-KR" altLang="en-US" sz="1400" dirty="0">
+              <a:solidFill>
+                <a:srgbClr val="000000"/>
+              </a:solidFill>
+              <a:latin typeface="돋움체" panose="020B0609000101010101" pitchFamily="49" charset="-127"/>
+              <a:ea typeface="돋움체" panose="020B0609000101010101" pitchFamily="49" charset="-127"/>
+            </a:endParaRPr>
+          </a:p>
+          <a:p>
+            <a:r>
+              <a:rPr lang="en-US" altLang="ko-KR" sz="1400" dirty="0">
+                <a:solidFill>
+                  <a:srgbClr val="0000FF"/>
+                </a:solidFill>
+                <a:latin typeface="돋움체" panose="020B0609000101010101" pitchFamily="49" charset="-127"/>
+                <a:ea typeface="돋움체" panose="020B0609000101010101" pitchFamily="49" charset="-127"/>
+              </a:rPr>
+              <a:t>static</a:t>
+            </a:r>
+            <a:r>
+              <a:rPr lang="en-US" altLang="ko-KR" sz="1400" dirty="0">
+                <a:solidFill>
+                  <a:srgbClr val="000000"/>
+                </a:solidFill>
+                <a:latin typeface="돋움체" panose="020B0609000101010101" pitchFamily="49" charset="-127"/>
+                <a:ea typeface="돋움체" panose="020B0609000101010101" pitchFamily="49" charset="-127"/>
+              </a:rPr>
+              <a:t> </a:t>
+            </a:r>
+            <a:r>
+              <a:rPr lang="en-US" altLang="ko-KR" sz="1400" dirty="0">
+                <a:solidFill>
+                  <a:srgbClr val="0000FF"/>
+                </a:solidFill>
+                <a:latin typeface="돋움체" panose="020B0609000101010101" pitchFamily="49" charset="-127"/>
+                <a:ea typeface="돋움체" panose="020B0609000101010101" pitchFamily="49" charset="-127"/>
+              </a:rPr>
+              <a:t>void</a:t>
+            </a:r>
+            <a:r>
+              <a:rPr lang="en-US" altLang="ko-KR" sz="1400" dirty="0">
+                <a:solidFill>
+                  <a:srgbClr val="000000"/>
+                </a:solidFill>
+                <a:latin typeface="돋움체" panose="020B0609000101010101" pitchFamily="49" charset="-127"/>
+                <a:ea typeface="돋움체" panose="020B0609000101010101" pitchFamily="49" charset="-127"/>
+              </a:rPr>
+              <a:t> Main(</a:t>
+            </a:r>
+            <a:r>
+              <a:rPr lang="en-US" altLang="ko-KR" sz="1400" dirty="0">
+                <a:solidFill>
+                  <a:srgbClr val="0000FF"/>
+                </a:solidFill>
+                <a:latin typeface="돋움체" panose="020B0609000101010101" pitchFamily="49" charset="-127"/>
+                <a:ea typeface="돋움체" panose="020B0609000101010101" pitchFamily="49" charset="-127"/>
+              </a:rPr>
+              <a:t>string</a:t>
+            </a:r>
+            <a:r>
+              <a:rPr lang="en-US" altLang="ko-KR" sz="1400" dirty="0">
+                <a:solidFill>
+                  <a:srgbClr val="000000"/>
+                </a:solidFill>
+                <a:latin typeface="돋움체" panose="020B0609000101010101" pitchFamily="49" charset="-127"/>
+                <a:ea typeface="돋움체" panose="020B0609000101010101" pitchFamily="49" charset="-127"/>
+              </a:rPr>
+              <a:t>[] </a:t>
+            </a:r>
+            <a:r>
+              <a:rPr lang="en-US" altLang="ko-KR" sz="1400" dirty="0" err="1">
+                <a:solidFill>
+                  <a:srgbClr val="000000"/>
+                </a:solidFill>
+                <a:latin typeface="돋움체" panose="020B0609000101010101" pitchFamily="49" charset="-127"/>
+                <a:ea typeface="돋움체" panose="020B0609000101010101" pitchFamily="49" charset="-127"/>
+              </a:rPr>
+              <a:t>args</a:t>
+            </a:r>
+            <a:r>
+              <a:rPr lang="en-US" altLang="ko-KR" sz="1400" dirty="0">
+                <a:solidFill>
+                  <a:srgbClr val="000000"/>
+                </a:solidFill>
+                <a:latin typeface="돋움체" panose="020B0609000101010101" pitchFamily="49" charset="-127"/>
+                <a:ea typeface="돋움체" panose="020B0609000101010101" pitchFamily="49" charset="-127"/>
+              </a:rPr>
+              <a:t>)</a:t>
+            </a:r>
+          </a:p>
+          <a:p>
+            <a:r>
+              <a:rPr lang="en-US" altLang="ko-KR" sz="1400" dirty="0">
+                <a:solidFill>
+                  <a:srgbClr val="000000"/>
+                </a:solidFill>
+                <a:latin typeface="돋움체" panose="020B0609000101010101" pitchFamily="49" charset="-127"/>
+                <a:ea typeface="돋움체" panose="020B0609000101010101" pitchFamily="49" charset="-127"/>
+              </a:rPr>
+              <a:t>{</a:t>
+            </a:r>
+          </a:p>
+          <a:p>
+            <a:r>
+              <a:rPr lang="en-US" altLang="ko-KR" sz="1400" dirty="0">
+                <a:solidFill>
+                  <a:srgbClr val="000000"/>
+                </a:solidFill>
+                <a:latin typeface="돋움체" panose="020B0609000101010101" pitchFamily="49" charset="-127"/>
+                <a:ea typeface="돋움체" panose="020B0609000101010101" pitchFamily="49" charset="-127"/>
+              </a:rPr>
+              <a:t>    </a:t>
+            </a:r>
+            <a:r>
+              <a:rPr lang="en-US" altLang="ko-KR" sz="1400" dirty="0" err="1">
+                <a:solidFill>
+                  <a:srgbClr val="000000"/>
+                </a:solidFill>
+                <a:latin typeface="돋움체" panose="020B0609000101010101" pitchFamily="49" charset="-127"/>
+                <a:ea typeface="돋움체" panose="020B0609000101010101" pitchFamily="49" charset="-127"/>
+              </a:rPr>
+              <a:t>PrintProfile</a:t>
+            </a:r>
+            <a:r>
+              <a:rPr lang="en-US" altLang="ko-KR" sz="1400" dirty="0">
+                <a:solidFill>
+                  <a:srgbClr val="000000"/>
+                </a:solidFill>
+                <a:latin typeface="돋움체" panose="020B0609000101010101" pitchFamily="49" charset="-127"/>
+                <a:ea typeface="돋움체" panose="020B0609000101010101" pitchFamily="49" charset="-127"/>
+              </a:rPr>
+              <a:t>(name: </a:t>
+            </a:r>
+            <a:r>
+              <a:rPr lang="en-US" altLang="ko-KR" sz="1400" dirty="0">
+                <a:solidFill>
+                  <a:srgbClr val="A31515"/>
+                </a:solidFill>
+                <a:latin typeface="돋움체" panose="020B0609000101010101" pitchFamily="49" charset="-127"/>
+                <a:ea typeface="돋움체" panose="020B0609000101010101" pitchFamily="49" charset="-127"/>
+              </a:rPr>
+              <a:t>"</a:t>
+            </a:r>
+            <a:r>
+              <a:rPr lang="ko-KR" altLang="en-US" sz="1400" dirty="0">
+                <a:solidFill>
+                  <a:srgbClr val="A31515"/>
+                </a:solidFill>
+                <a:latin typeface="돋움체" panose="020B0609000101010101" pitchFamily="49" charset="-127"/>
+                <a:ea typeface="돋움체" panose="020B0609000101010101" pitchFamily="49" charset="-127"/>
+              </a:rPr>
+              <a:t>박찬호</a:t>
+            </a:r>
+            <a:r>
+              <a:rPr lang="en-US" altLang="ko-KR" sz="1400" dirty="0">
+                <a:solidFill>
+                  <a:srgbClr val="A31515"/>
+                </a:solidFill>
+                <a:latin typeface="돋움체" panose="020B0609000101010101" pitchFamily="49" charset="-127"/>
+                <a:ea typeface="돋움체" panose="020B0609000101010101" pitchFamily="49" charset="-127"/>
+              </a:rPr>
+              <a:t>"</a:t>
+            </a:r>
+            <a:r>
+              <a:rPr lang="en-US" altLang="ko-KR" sz="1400" dirty="0">
+                <a:solidFill>
+                  <a:srgbClr val="000000"/>
+                </a:solidFill>
+                <a:latin typeface="돋움체" panose="020B0609000101010101" pitchFamily="49" charset="-127"/>
+                <a:ea typeface="돋움체" panose="020B0609000101010101" pitchFamily="49" charset="-127"/>
+              </a:rPr>
+              <a:t>, phone: </a:t>
+            </a:r>
+            <a:r>
+              <a:rPr lang="en-US" altLang="ko-KR" sz="1400" dirty="0">
+                <a:solidFill>
+                  <a:srgbClr val="A31515"/>
+                </a:solidFill>
+                <a:latin typeface="돋움체" panose="020B0609000101010101" pitchFamily="49" charset="-127"/>
+                <a:ea typeface="돋움체" panose="020B0609000101010101" pitchFamily="49" charset="-127"/>
+              </a:rPr>
+              <a:t>"010-1234-5678"</a:t>
+            </a:r>
+            <a:r>
+              <a:rPr lang="en-US" altLang="ko-KR" sz="1400" dirty="0">
+                <a:solidFill>
+                  <a:srgbClr val="000000"/>
+                </a:solidFill>
+                <a:latin typeface="돋움체" panose="020B0609000101010101" pitchFamily="49" charset="-127"/>
+                <a:ea typeface="돋움체" panose="020B0609000101010101" pitchFamily="49" charset="-127"/>
+              </a:rPr>
+              <a:t>);</a:t>
+            </a:r>
+          </a:p>
+          <a:p>
+            <a:r>
+              <a:rPr lang="en-US" altLang="ko-KR" sz="1400" dirty="0">
+                <a:solidFill>
+                  <a:srgbClr val="000000"/>
+                </a:solidFill>
+                <a:latin typeface="돋움체" panose="020B0609000101010101" pitchFamily="49" charset="-127"/>
+                <a:ea typeface="돋움체" panose="020B0609000101010101" pitchFamily="49" charset="-127"/>
+              </a:rPr>
+              <a:t>}</a:t>
+            </a:r>
+          </a:p>
+        </p:txBody>
+      </p:sp>
+      <p:sp>
+        <p:nvSpPr>
+          <p:cNvPr id="2" name="TextBox 1"/>
+          <p:cNvSpPr txBox="1"/>
+          <p:nvPr/>
+        </p:nvSpPr>
+        <p:spPr>
+          <a:xfrm>
+            <a:off x="891395" y="1207698"/>
+            <a:ext cx="9028434" cy="923330"/>
+          </a:xfrm>
+          <a:prstGeom prst="rect">
+            <a:avLst/>
+          </a:prstGeom>
+          <a:noFill/>
+        </p:spPr>
+        <p:txBody>
+          <a:bodyPr wrap="none" rtlCol="0">
+            <a:spAutoFit/>
+          </a:bodyPr>
+          <a:lstStyle/>
+          <a:p>
+            <a:pPr marL="285750" indent="-285750">
+              <a:buFont typeface="Wingdings" panose="05000000000000000000" pitchFamily="2" charset="2"/>
+              <a:buChar char="ü"/>
+            </a:pPr>
+            <a:r>
+              <a:rPr lang="ko-KR" altLang="en-US" dirty="0" smtClean="0"/>
+              <a:t>명명된 매개 변수란</a:t>
+            </a:r>
+            <a:r>
+              <a:rPr lang="en-US" altLang="ko-KR" dirty="0" smtClean="0"/>
+              <a:t>?</a:t>
+            </a:r>
+          </a:p>
+          <a:p>
+            <a:r>
+              <a:rPr lang="en-US" altLang="ko-KR" dirty="0"/>
+              <a:t> </a:t>
+            </a:r>
+            <a:r>
+              <a:rPr lang="en-US" altLang="ko-KR" dirty="0" smtClean="0"/>
+              <a:t>   </a:t>
+            </a:r>
+          </a:p>
+          <a:p>
+            <a:r>
+              <a:rPr lang="en-US" altLang="ko-KR" dirty="0"/>
+              <a:t> </a:t>
+            </a:r>
+            <a:r>
+              <a:rPr lang="en-US" altLang="ko-KR" dirty="0" smtClean="0"/>
+              <a:t>   </a:t>
+            </a:r>
+            <a:r>
+              <a:rPr lang="ko-KR" altLang="en-US" dirty="0" err="1" smtClean="0"/>
+              <a:t>메소드를</a:t>
+            </a:r>
+            <a:r>
+              <a:rPr lang="ko-KR" altLang="en-US" dirty="0" smtClean="0"/>
+              <a:t> 호출할 때 매개 변수의 이름에 근거해서 데이터를 할당할 수 있는 기능</a:t>
+            </a:r>
+            <a:endParaRPr lang="en-US" altLang="ko-KR" dirty="0" smtClean="0"/>
+          </a:p>
+        </p:txBody>
+      </p:sp>
+    </p:spTree>
+    <p:extLst>
+      <p:ext uri="{BB962C8B-B14F-4D97-AF65-F5344CB8AC3E}">
+        <p14:creationId xmlns:p14="http://schemas.microsoft.com/office/powerpoint/2010/main" val="3863091523"/>
       </p:ext>
     </p:extLst>
   </p:cSld>
